--- a/Doshydro/EtudeDoshydro/images/Figures.pptx
+++ b/Doshydro/EtudeDoshydro/images/Figures.pptx
@@ -5,13 +5,12 @@
     <p:sldMasterId id="2147483648" r:id="rId1"/>
   </p:sldMasterIdLst>
   <p:notesMasterIdLst>
-    <p:notesMasterId r:id="rId6"/>
+    <p:notesMasterId r:id="rId5"/>
   </p:notesMasterIdLst>
   <p:sldIdLst>
-    <p:sldId id="257" r:id="rId2"/>
-    <p:sldId id="258" r:id="rId3"/>
-    <p:sldId id="259" r:id="rId4"/>
-    <p:sldId id="260" r:id="rId5"/>
+    <p:sldId id="258" r:id="rId2"/>
+    <p:sldId id="259" r:id="rId3"/>
+    <p:sldId id="260" r:id="rId4"/>
   </p:sldIdLst>
   <p:sldSz cx="9144000" cy="6858000" type="screen4x3"/>
   <p:notesSz cx="6858000" cy="9144000"/>
@@ -195,7 +194,7 @@
           <a:p>
             <a:fld id="{D3904638-13CF-4FD0-A81A-7136CAF0940D}" type="datetimeFigureOut">
               <a:rPr lang="fr-FR" smtClean="0"/>
-              <a:t>03/02/2015</a:t>
+              <a:t>12/11/2015</a:t>
             </a:fld>
             <a:endParaRPr lang="fr-FR"/>
           </a:p>
@@ -528,7 +527,7 @@
           <a:p>
             <a:fld id="{848C28E7-B3D5-4ACA-9684-5350DBD94981}" type="slidenum">
               <a:rPr lang="fr-FR" smtClean="0"/>
-              <a:t>4</a:t>
+              <a:t>3</a:t>
             </a:fld>
             <a:endParaRPr lang="fr-FR"/>
           </a:p>
@@ -728,7 +727,7 @@
           <a:p>
             <a:fld id="{AA309A6D-C09C-4548-B29A-6CF363A7E532}" type="datetimeFigureOut">
               <a:rPr lang="fr-FR" smtClean="0"/>
-              <a:t>03/02/2015</a:t>
+              <a:t>12/11/2015</a:t>
             </a:fld>
             <a:endParaRPr lang="fr-BE"/>
           </a:p>
@@ -976,7 +975,7 @@
           <a:p>
             <a:fld id="{AA309A6D-C09C-4548-B29A-6CF363A7E532}" type="datetimeFigureOut">
               <a:rPr lang="fr-FR" smtClean="0"/>
-              <a:t>03/02/2015</a:t>
+              <a:t>12/11/2015</a:t>
             </a:fld>
             <a:endParaRPr lang="fr-BE"/>
           </a:p>
@@ -1141,7 +1140,7 @@
           <a:p>
             <a:fld id="{AA309A6D-C09C-4548-B29A-6CF363A7E532}" type="datetimeFigureOut">
               <a:rPr lang="fr-FR" smtClean="0"/>
-              <a:t>03/02/2015</a:t>
+              <a:t>12/11/2015</a:t>
             </a:fld>
             <a:endParaRPr lang="fr-BE"/>
           </a:p>
@@ -1316,7 +1315,7 @@
           <a:p>
             <a:fld id="{AA309A6D-C09C-4548-B29A-6CF363A7E532}" type="datetimeFigureOut">
               <a:rPr lang="fr-FR" smtClean="0"/>
-              <a:t>03/02/2015</a:t>
+              <a:t>12/11/2015</a:t>
             </a:fld>
             <a:endParaRPr lang="fr-BE"/>
           </a:p>
@@ -1541,7 +1540,7 @@
           <a:p>
             <a:fld id="{AA309A6D-C09C-4548-B29A-6CF363A7E532}" type="datetimeFigureOut">
               <a:rPr lang="fr-FR" smtClean="0"/>
-              <a:t>03/02/2015</a:t>
+              <a:t>12/11/2015</a:t>
             </a:fld>
             <a:endParaRPr lang="fr-BE"/>
           </a:p>
@@ -1782,7 +1781,7 @@
           <a:p>
             <a:fld id="{AA309A6D-C09C-4548-B29A-6CF363A7E532}" type="datetimeFigureOut">
               <a:rPr lang="fr-FR" smtClean="0"/>
-              <a:t>03/02/2015</a:t>
+              <a:t>12/11/2015</a:t>
             </a:fld>
             <a:endParaRPr lang="fr-BE"/>
           </a:p>
@@ -2065,7 +2064,7 @@
           <a:p>
             <a:fld id="{AA309A6D-C09C-4548-B29A-6CF363A7E532}" type="datetimeFigureOut">
               <a:rPr lang="fr-FR" smtClean="0"/>
-              <a:t>03/02/2015</a:t>
+              <a:t>12/11/2015</a:t>
             </a:fld>
             <a:endParaRPr lang="fr-BE"/>
           </a:p>
@@ -2482,7 +2481,7 @@
           <a:p>
             <a:fld id="{AA309A6D-C09C-4548-B29A-6CF363A7E532}" type="datetimeFigureOut">
               <a:rPr lang="fr-FR" smtClean="0"/>
-              <a:t>03/02/2015</a:t>
+              <a:t>12/11/2015</a:t>
             </a:fld>
             <a:endParaRPr lang="fr-BE"/>
           </a:p>
@@ -2595,7 +2594,7 @@
           <a:p>
             <a:fld id="{AA309A6D-C09C-4548-B29A-6CF363A7E532}" type="datetimeFigureOut">
               <a:rPr lang="fr-FR" smtClean="0"/>
-              <a:t>03/02/2015</a:t>
+              <a:t>12/11/2015</a:t>
             </a:fld>
             <a:endParaRPr lang="fr-BE"/>
           </a:p>
@@ -2685,7 +2684,7 @@
           <a:p>
             <a:fld id="{AA309A6D-C09C-4548-B29A-6CF363A7E532}" type="datetimeFigureOut">
               <a:rPr lang="fr-FR" smtClean="0"/>
-              <a:t>03/02/2015</a:t>
+              <a:t>12/11/2015</a:t>
             </a:fld>
             <a:endParaRPr lang="fr-BE"/>
           </a:p>
@@ -2957,7 +2956,7 @@
           <a:p>
             <a:fld id="{AA309A6D-C09C-4548-B29A-6CF363A7E532}" type="datetimeFigureOut">
               <a:rPr lang="fr-FR" smtClean="0"/>
-              <a:t>03/02/2015</a:t>
+              <a:t>12/11/2015</a:t>
             </a:fld>
             <a:endParaRPr lang="fr-BE"/>
           </a:p>
@@ -3165,7 +3164,7 @@
           <a:p>
             <a:fld id="{AA309A6D-C09C-4548-B29A-6CF363A7E532}" type="datetimeFigureOut">
               <a:rPr lang="fr-FR" smtClean="0"/>
-              <a:t>03/02/2015</a:t>
+              <a:t>12/11/2015</a:t>
             </a:fld>
             <a:endParaRPr lang="fr-BE"/>
           </a:p>
@@ -3520,5772 +3519,6 @@
 </file>
 
 <file path=ppt/slides/slide1.xml><?xml version="1.0" encoding="utf-8"?>
-<p:sld xmlns:a="http://schemas.openxmlformats.org/drawingml/2006/main" xmlns:r="http://schemas.openxmlformats.org/officeDocument/2006/relationships" xmlns:p="http://schemas.openxmlformats.org/presentationml/2006/main">
-  <p:cSld>
-    <p:spTree>
-      <p:nvGrpSpPr>
-        <p:cNvPr id="1" name=""/>
-        <p:cNvGrpSpPr/>
-        <p:nvPr/>
-      </p:nvGrpSpPr>
-      <p:grpSpPr>
-        <a:xfrm>
-          <a:off x="0" y="0"/>
-          <a:ext cx="0" cy="0"/>
-          <a:chOff x="0" y="0"/>
-          <a:chExt cx="0" cy="0"/>
-        </a:xfrm>
-      </p:grpSpPr>
-      <p:sp>
-        <p:nvSpPr>
-          <p:cNvPr id="161" name="Arc 160"/>
-          <p:cNvSpPr/>
-          <p:nvPr/>
-        </p:nvSpPr>
-        <p:spPr>
-          <a:xfrm>
-            <a:off x="1170720" y="2621177"/>
-            <a:ext cx="3199820" cy="3199820"/>
-          </a:xfrm>
-          <a:prstGeom prst="arc">
-            <a:avLst>
-              <a:gd name="adj1" fmla="val 15985282"/>
-              <a:gd name="adj2" fmla="val 42399"/>
-            </a:avLst>
-          </a:prstGeom>
-          <a:ln w="9525">
-            <a:solidFill>
-              <a:srgbClr val="7030A0"/>
-            </a:solidFill>
-            <a:prstDash val="lgDashDot"/>
-            <a:headEnd type="none" w="med" len="lg"/>
-            <a:tailEnd type="none" w="sm" len="med"/>
-          </a:ln>
-        </p:spPr>
-        <p:style>
-          <a:lnRef idx="1">
-            <a:schemeClr val="accent1"/>
-          </a:lnRef>
-          <a:fillRef idx="0">
-            <a:schemeClr val="accent1"/>
-          </a:fillRef>
-          <a:effectRef idx="0">
-            <a:schemeClr val="accent1"/>
-          </a:effectRef>
-          <a:fontRef idx="minor">
-            <a:schemeClr val="tx1"/>
-          </a:fontRef>
-        </p:style>
-        <p:txBody>
-          <a:bodyPr rtlCol="0" anchor="ctr"/>
-          <a:lstStyle/>
-          <a:p>
-            <a:pPr algn="ctr"/>
-            <a:endParaRPr lang="fr-FR" dirty="0"/>
-          </a:p>
-        </p:txBody>
-      </p:sp>
-      <p:cxnSp>
-        <p:nvCxnSpPr>
-          <p:cNvPr id="101" name="Connecteur droit avec flèche 100"/>
-          <p:cNvCxnSpPr/>
-          <p:nvPr/>
-        </p:nvCxnSpPr>
-        <p:spPr>
-          <a:xfrm flipV="1">
-            <a:off x="1435696" y="1899920"/>
-            <a:ext cx="872735" cy="729331"/>
-          </a:xfrm>
-          <a:prstGeom prst="straightConnector1">
-            <a:avLst/>
-          </a:prstGeom>
-          <a:ln w="19050">
-            <a:solidFill>
-              <a:schemeClr val="tx1"/>
-            </a:solidFill>
-            <a:tailEnd type="stealth" w="med" len="lg"/>
-          </a:ln>
-        </p:spPr>
-        <p:style>
-          <a:lnRef idx="1">
-            <a:schemeClr val="accent1"/>
-          </a:lnRef>
-          <a:fillRef idx="0">
-            <a:schemeClr val="accent1"/>
-          </a:fillRef>
-          <a:effectRef idx="0">
-            <a:schemeClr val="accent1"/>
-          </a:effectRef>
-          <a:fontRef idx="minor">
-            <a:schemeClr val="tx1"/>
-          </a:fontRef>
-        </p:style>
-      </p:cxnSp>
-      <p:cxnSp>
-        <p:nvCxnSpPr>
-          <p:cNvPr id="97" name="Connecteur droit avec flèche 96"/>
-          <p:cNvCxnSpPr/>
-          <p:nvPr/>
-        </p:nvCxnSpPr>
-        <p:spPr>
-          <a:xfrm>
-            <a:off x="1435696" y="2620031"/>
-            <a:ext cx="1759207" cy="2105113"/>
-          </a:xfrm>
-          <a:prstGeom prst="straightConnector1">
-            <a:avLst/>
-          </a:prstGeom>
-          <a:ln w="19050">
-            <a:solidFill>
-              <a:schemeClr val="tx1"/>
-            </a:solidFill>
-            <a:tailEnd type="stealth" w="med" len="lg"/>
-          </a:ln>
-        </p:spPr>
-        <p:style>
-          <a:lnRef idx="1">
-            <a:schemeClr val="accent1"/>
-          </a:lnRef>
-          <a:fillRef idx="0">
-            <a:schemeClr val="accent1"/>
-          </a:fillRef>
-          <a:effectRef idx="0">
-            <a:schemeClr val="accent1"/>
-          </a:effectRef>
-          <a:fontRef idx="minor">
-            <a:schemeClr val="tx1"/>
-          </a:fontRef>
-        </p:style>
-      </p:cxnSp>
-      <p:cxnSp>
-        <p:nvCxnSpPr>
-          <p:cNvPr id="92" name="Connecteur droit avec flèche 91"/>
-          <p:cNvCxnSpPr>
-            <a:stCxn id="6" idx="7"/>
-          </p:cNvCxnSpPr>
-          <p:nvPr/>
-        </p:nvCxnSpPr>
-        <p:spPr>
-          <a:xfrm flipV="1">
-            <a:off x="2873635" y="836712"/>
-            <a:ext cx="3210533" cy="3282541"/>
-          </a:xfrm>
-          <a:prstGeom prst="straightConnector1">
-            <a:avLst/>
-          </a:prstGeom>
-          <a:ln w="19050">
-            <a:solidFill>
-              <a:srgbClr val="7030A0"/>
-            </a:solidFill>
-            <a:tailEnd type="stealth" w="med" len="lg"/>
-          </a:ln>
-        </p:spPr>
-        <p:style>
-          <a:lnRef idx="1">
-            <a:schemeClr val="accent1"/>
-          </a:lnRef>
-          <a:fillRef idx="0">
-            <a:schemeClr val="accent1"/>
-          </a:fillRef>
-          <a:effectRef idx="0">
-            <a:schemeClr val="accent1"/>
-          </a:effectRef>
-          <a:fontRef idx="minor">
-            <a:schemeClr val="tx1"/>
-          </a:fontRef>
-        </p:style>
-      </p:cxnSp>
-      <p:cxnSp>
-        <p:nvCxnSpPr>
-          <p:cNvPr id="1052" name="Connecteur droit avec flèche 1051"/>
-          <p:cNvCxnSpPr/>
-          <p:nvPr/>
-        </p:nvCxnSpPr>
-        <p:spPr>
-          <a:xfrm>
-            <a:off x="1435696" y="2636916"/>
-            <a:ext cx="3208312" cy="607959"/>
-          </a:xfrm>
-          <a:prstGeom prst="straightConnector1">
-            <a:avLst/>
-          </a:prstGeom>
-          <a:ln w="19050">
-            <a:solidFill>
-              <a:srgbClr val="00B050"/>
-            </a:solidFill>
-            <a:tailEnd type="stealth" w="med" len="lg"/>
-          </a:ln>
-        </p:spPr>
-        <p:style>
-          <a:lnRef idx="1">
-            <a:schemeClr val="accent1"/>
-          </a:lnRef>
-          <a:fillRef idx="0">
-            <a:schemeClr val="accent1"/>
-          </a:fillRef>
-          <a:effectRef idx="0">
-            <a:schemeClr val="accent1"/>
-          </a:effectRef>
-          <a:fontRef idx="minor">
-            <a:schemeClr val="tx1"/>
-          </a:fontRef>
-        </p:style>
-      </p:cxnSp>
-      <p:cxnSp>
-        <p:nvCxnSpPr>
-          <p:cNvPr id="66" name="Connecteur droit 65"/>
-          <p:cNvCxnSpPr/>
-          <p:nvPr/>
-        </p:nvCxnSpPr>
-        <p:spPr>
-          <a:xfrm flipH="1">
-            <a:off x="3914773" y="2789316"/>
-            <a:ext cx="32219" cy="171575"/>
-          </a:xfrm>
-          <a:prstGeom prst="line">
-            <a:avLst/>
-          </a:prstGeom>
-          <a:ln w="28575">
-            <a:solidFill>
-              <a:srgbClr val="FFC000"/>
-            </a:solidFill>
-          </a:ln>
-        </p:spPr>
-        <p:style>
-          <a:lnRef idx="1">
-            <a:schemeClr val="accent1"/>
-          </a:lnRef>
-          <a:fillRef idx="0">
-            <a:schemeClr val="accent1"/>
-          </a:fillRef>
-          <a:effectRef idx="0">
-            <a:schemeClr val="accent1"/>
-          </a:effectRef>
-          <a:fontRef idx="minor">
-            <a:schemeClr val="tx1"/>
-          </a:fontRef>
-        </p:style>
-      </p:cxnSp>
-      <p:cxnSp>
-        <p:nvCxnSpPr>
-          <p:cNvPr id="65" name="Connecteur droit 64"/>
-          <p:cNvCxnSpPr/>
-          <p:nvPr/>
-        </p:nvCxnSpPr>
-        <p:spPr>
-          <a:xfrm flipH="1">
-            <a:off x="3089729" y="2636916"/>
-            <a:ext cx="32219" cy="171575"/>
-          </a:xfrm>
-          <a:prstGeom prst="line">
-            <a:avLst/>
-          </a:prstGeom>
-          <a:ln w="28575">
-            <a:solidFill>
-              <a:srgbClr val="FFC000"/>
-            </a:solidFill>
-          </a:ln>
-        </p:spPr>
-        <p:style>
-          <a:lnRef idx="1">
-            <a:schemeClr val="accent1"/>
-          </a:lnRef>
-          <a:fillRef idx="0">
-            <a:schemeClr val="accent1"/>
-          </a:fillRef>
-          <a:effectRef idx="0">
-            <a:schemeClr val="accent1"/>
-          </a:effectRef>
-          <a:fontRef idx="minor">
-            <a:schemeClr val="tx1"/>
-          </a:fontRef>
-        </p:style>
-      </p:cxnSp>
-      <p:sp>
-        <p:nvSpPr>
-          <p:cNvPr id="6" name="Ellipse 5"/>
-          <p:cNvSpPr/>
-          <p:nvPr/>
-        </p:nvSpPr>
-        <p:spPr>
-          <a:xfrm>
-            <a:off x="2627784" y="4077072"/>
-            <a:ext cx="288032" cy="288032"/>
-          </a:xfrm>
-          <a:prstGeom prst="ellipse">
-            <a:avLst/>
-          </a:prstGeom>
-          <a:solidFill>
-            <a:schemeClr val="bg1"/>
-          </a:solidFill>
-          <a:ln w="28575">
-            <a:solidFill>
-              <a:schemeClr val="tx1"/>
-            </a:solidFill>
-          </a:ln>
-        </p:spPr>
-        <p:style>
-          <a:lnRef idx="2">
-            <a:schemeClr val="accent1">
-              <a:shade val="50000"/>
-            </a:schemeClr>
-          </a:lnRef>
-          <a:fillRef idx="1">
-            <a:schemeClr val="accent1"/>
-          </a:fillRef>
-          <a:effectRef idx="0">
-            <a:schemeClr val="accent1"/>
-          </a:effectRef>
-          <a:fontRef idx="minor">
-            <a:schemeClr val="lt1"/>
-          </a:fontRef>
-        </p:style>
-        <p:txBody>
-          <a:bodyPr rtlCol="0" anchor="ctr"/>
-          <a:lstStyle/>
-          <a:p>
-            <a:pPr algn="ctr"/>
-            <a:endParaRPr lang="fr-FR"/>
-          </a:p>
-        </p:txBody>
-      </p:sp>
-      <p:cxnSp>
-        <p:nvCxnSpPr>
-          <p:cNvPr id="7" name="Connecteur droit 6"/>
-          <p:cNvCxnSpPr>
-            <a:stCxn id="4" idx="4"/>
-          </p:cNvCxnSpPr>
-          <p:nvPr/>
-        </p:nvCxnSpPr>
-        <p:spPr>
-          <a:xfrm>
-            <a:off x="1435696" y="2780928"/>
-            <a:ext cx="0" cy="2088232"/>
-          </a:xfrm>
-          <a:prstGeom prst="line">
-            <a:avLst/>
-          </a:prstGeom>
-          <a:ln w="28575">
-            <a:solidFill>
-              <a:schemeClr val="tx1"/>
-            </a:solidFill>
-          </a:ln>
-        </p:spPr>
-        <p:style>
-          <a:lnRef idx="1">
-            <a:schemeClr val="accent1"/>
-          </a:lnRef>
-          <a:fillRef idx="0">
-            <a:schemeClr val="accent1"/>
-          </a:fillRef>
-          <a:effectRef idx="0">
-            <a:schemeClr val="accent1"/>
-          </a:effectRef>
-          <a:fontRef idx="minor">
-            <a:schemeClr val="tx1"/>
-          </a:fontRef>
-        </p:style>
-      </p:cxnSp>
-      <p:cxnSp>
-        <p:nvCxnSpPr>
-          <p:cNvPr id="9" name="Connecteur droit 8"/>
-          <p:cNvCxnSpPr>
-            <a:endCxn id="6" idx="4"/>
-          </p:cNvCxnSpPr>
-          <p:nvPr/>
-        </p:nvCxnSpPr>
-        <p:spPr>
-          <a:xfrm flipV="1">
-            <a:off x="2771800" y="4365104"/>
-            <a:ext cx="0" cy="504056"/>
-          </a:xfrm>
-          <a:prstGeom prst="line">
-            <a:avLst/>
-          </a:prstGeom>
-          <a:ln w="28575">
-            <a:solidFill>
-              <a:schemeClr val="tx1"/>
-            </a:solidFill>
-          </a:ln>
-        </p:spPr>
-        <p:style>
-          <a:lnRef idx="1">
-            <a:schemeClr val="accent1"/>
-          </a:lnRef>
-          <a:fillRef idx="0">
-            <a:schemeClr val="accent1"/>
-          </a:fillRef>
-          <a:effectRef idx="0">
-            <a:schemeClr val="accent1"/>
-          </a:effectRef>
-          <a:fontRef idx="minor">
-            <a:schemeClr val="tx1"/>
-          </a:fontRef>
-        </p:style>
-      </p:cxnSp>
-      <p:cxnSp>
-        <p:nvCxnSpPr>
-          <p:cNvPr id="12" name="Connecteur droit 11"/>
-          <p:cNvCxnSpPr/>
-          <p:nvPr/>
-        </p:nvCxnSpPr>
-        <p:spPr>
-          <a:xfrm flipH="1">
-            <a:off x="1435696" y="4869160"/>
-            <a:ext cx="1336104" cy="0"/>
-          </a:xfrm>
-          <a:prstGeom prst="line">
-            <a:avLst/>
-          </a:prstGeom>
-          <a:ln w="28575">
-            <a:solidFill>
-              <a:schemeClr val="tx1"/>
-            </a:solidFill>
-          </a:ln>
-        </p:spPr>
-        <p:style>
-          <a:lnRef idx="1">
-            <a:schemeClr val="accent1"/>
-          </a:lnRef>
-          <a:fillRef idx="0">
-            <a:schemeClr val="accent1"/>
-          </a:fillRef>
-          <a:effectRef idx="0">
-            <a:schemeClr val="accent1"/>
-          </a:effectRef>
-          <a:fontRef idx="minor">
-            <a:schemeClr val="tx1"/>
-          </a:fontRef>
-        </p:style>
-      </p:cxnSp>
-      <p:cxnSp>
-        <p:nvCxnSpPr>
-          <p:cNvPr id="15" name="Connecteur droit 14"/>
-          <p:cNvCxnSpPr/>
-          <p:nvPr/>
-        </p:nvCxnSpPr>
-        <p:spPr>
-          <a:xfrm>
-            <a:off x="1632411" y="2672798"/>
-            <a:ext cx="1152128" cy="216435"/>
-          </a:xfrm>
-          <a:prstGeom prst="line">
-            <a:avLst/>
-          </a:prstGeom>
-          <a:ln w="28575">
-            <a:solidFill>
-              <a:srgbClr val="0070C0"/>
-            </a:solidFill>
-          </a:ln>
-        </p:spPr>
-        <p:style>
-          <a:lnRef idx="1">
-            <a:schemeClr val="accent1"/>
-          </a:lnRef>
-          <a:fillRef idx="0">
-            <a:schemeClr val="accent1"/>
-          </a:fillRef>
-          <a:effectRef idx="0">
-            <a:schemeClr val="accent1"/>
-          </a:effectRef>
-          <a:fontRef idx="minor">
-            <a:schemeClr val="tx1"/>
-          </a:fontRef>
-        </p:style>
-      </p:cxnSp>
-      <p:cxnSp>
-        <p:nvCxnSpPr>
-          <p:cNvPr id="24" name="Connecteur droit 23"/>
-          <p:cNvCxnSpPr>
-            <a:stCxn id="75" idx="2"/>
-            <a:endCxn id="6" idx="7"/>
-          </p:cNvCxnSpPr>
-          <p:nvPr/>
-        </p:nvCxnSpPr>
-        <p:spPr>
-          <a:xfrm flipH="1">
-            <a:off x="2873635" y="1696272"/>
-            <a:ext cx="2388598" cy="2422981"/>
-          </a:xfrm>
-          <a:prstGeom prst="line">
-            <a:avLst/>
-          </a:prstGeom>
-          <a:ln w="28575">
-            <a:solidFill>
-              <a:srgbClr val="7030A0"/>
-            </a:solidFill>
-          </a:ln>
-        </p:spPr>
-        <p:style>
-          <a:lnRef idx="1">
-            <a:schemeClr val="accent1"/>
-          </a:lnRef>
-          <a:fillRef idx="0">
-            <a:schemeClr val="accent1"/>
-          </a:fillRef>
-          <a:effectRef idx="0">
-            <a:schemeClr val="accent1"/>
-          </a:effectRef>
-          <a:fontRef idx="minor">
-            <a:schemeClr val="tx1"/>
-          </a:fontRef>
-        </p:style>
-      </p:cxnSp>
-      <p:sp>
-        <p:nvSpPr>
-          <p:cNvPr id="23" name="Ellipse 22"/>
-          <p:cNvSpPr/>
-          <p:nvPr/>
-        </p:nvSpPr>
-        <p:spPr>
-          <a:xfrm>
-            <a:off x="3736682" y="2956843"/>
-            <a:ext cx="288032" cy="288032"/>
-          </a:xfrm>
-          <a:prstGeom prst="ellipse">
-            <a:avLst/>
-          </a:prstGeom>
-          <a:solidFill>
-            <a:schemeClr val="bg1"/>
-          </a:solidFill>
-          <a:ln w="28575">
-            <a:solidFill>
-              <a:srgbClr val="7030A0"/>
-            </a:solidFill>
-          </a:ln>
-        </p:spPr>
-        <p:style>
-          <a:lnRef idx="2">
-            <a:schemeClr val="accent1">
-              <a:shade val="50000"/>
-            </a:schemeClr>
-          </a:lnRef>
-          <a:fillRef idx="1">
-            <a:schemeClr val="accent1"/>
-          </a:fillRef>
-          <a:effectRef idx="0">
-            <a:schemeClr val="accent1"/>
-          </a:effectRef>
-          <a:fontRef idx="minor">
-            <a:schemeClr val="lt1"/>
-          </a:fontRef>
-        </p:style>
-        <p:txBody>
-          <a:bodyPr rtlCol="0" anchor="ctr"/>
-          <a:lstStyle/>
-          <a:p>
-            <a:pPr algn="ctr"/>
-            <a:endParaRPr lang="fr-FR"/>
-          </a:p>
-        </p:txBody>
-      </p:sp>
-      <p:sp>
-        <p:nvSpPr>
-          <p:cNvPr id="1027" name="Rectangle 1026"/>
-          <p:cNvSpPr/>
-          <p:nvPr/>
-        </p:nvSpPr>
-        <p:spPr>
-          <a:xfrm rot="647236">
-            <a:off x="1814506" y="2617486"/>
-            <a:ext cx="576000" cy="288000"/>
-          </a:xfrm>
-          <a:prstGeom prst="rect">
-            <a:avLst/>
-          </a:prstGeom>
-          <a:noFill/>
-          <a:ln>
-            <a:solidFill>
-              <a:srgbClr val="00B050"/>
-            </a:solidFill>
-          </a:ln>
-        </p:spPr>
-        <p:style>
-          <a:lnRef idx="2">
-            <a:schemeClr val="accent1">
-              <a:shade val="50000"/>
-            </a:schemeClr>
-          </a:lnRef>
-          <a:fillRef idx="1">
-            <a:schemeClr val="accent1"/>
-          </a:fillRef>
-          <a:effectRef idx="0">
-            <a:schemeClr val="accent1"/>
-          </a:effectRef>
-          <a:fontRef idx="minor">
-            <a:schemeClr val="lt1"/>
-          </a:fontRef>
-        </p:style>
-        <p:txBody>
-          <a:bodyPr rtlCol="0" anchor="ctr"/>
-          <a:lstStyle/>
-          <a:p>
-            <a:pPr algn="ctr"/>
-            <a:endParaRPr lang="fr-FR"/>
-          </a:p>
-        </p:txBody>
-      </p:sp>
-      <p:cxnSp>
-        <p:nvCxnSpPr>
-          <p:cNvPr id="38" name="Connecteur droit 37"/>
-          <p:cNvCxnSpPr/>
-          <p:nvPr/>
-        </p:nvCxnSpPr>
-        <p:spPr>
-          <a:xfrm>
-            <a:off x="1504004" y="2339648"/>
-            <a:ext cx="669043" cy="125684"/>
-          </a:xfrm>
-          <a:prstGeom prst="line">
-            <a:avLst/>
-          </a:prstGeom>
-          <a:ln w="28575">
-            <a:solidFill>
-              <a:srgbClr val="00B050"/>
-            </a:solidFill>
-          </a:ln>
-        </p:spPr>
-        <p:style>
-          <a:lnRef idx="1">
-            <a:schemeClr val="accent1"/>
-          </a:lnRef>
-          <a:fillRef idx="0">
-            <a:schemeClr val="accent1"/>
-          </a:fillRef>
-          <a:effectRef idx="0">
-            <a:schemeClr val="accent1"/>
-          </a:effectRef>
-          <a:fontRef idx="minor">
-            <a:schemeClr val="tx1"/>
-          </a:fontRef>
-        </p:style>
-      </p:cxnSp>
-      <p:cxnSp>
-        <p:nvCxnSpPr>
-          <p:cNvPr id="39" name="Connecteur droit 38"/>
-          <p:cNvCxnSpPr>
-            <a:endCxn id="1027" idx="0"/>
-          </p:cNvCxnSpPr>
-          <p:nvPr/>
-        </p:nvCxnSpPr>
-        <p:spPr>
-          <a:xfrm flipH="1">
-            <a:off x="2129457" y="2448456"/>
-            <a:ext cx="32219" cy="171575"/>
-          </a:xfrm>
-          <a:prstGeom prst="line">
-            <a:avLst/>
-          </a:prstGeom>
-          <a:ln w="28575">
-            <a:solidFill>
-              <a:srgbClr val="00B050"/>
-            </a:solidFill>
-          </a:ln>
-        </p:spPr>
-        <p:style>
-          <a:lnRef idx="1">
-            <a:schemeClr val="accent1"/>
-          </a:lnRef>
-          <a:fillRef idx="0">
-            <a:schemeClr val="accent1"/>
-          </a:fillRef>
-          <a:effectRef idx="0">
-            <a:schemeClr val="accent1"/>
-          </a:effectRef>
-          <a:fontRef idx="minor">
-            <a:schemeClr val="tx1"/>
-          </a:fontRef>
-        </p:style>
-      </p:cxnSp>
-      <p:cxnSp>
-        <p:nvCxnSpPr>
-          <p:cNvPr id="47" name="Connecteur droit 46"/>
-          <p:cNvCxnSpPr/>
-          <p:nvPr/>
-        </p:nvCxnSpPr>
-        <p:spPr>
-          <a:xfrm flipH="1">
-            <a:off x="1744831" y="2566127"/>
-            <a:ext cx="50687" cy="269928"/>
-          </a:xfrm>
-          <a:prstGeom prst="line">
-            <a:avLst/>
-          </a:prstGeom>
-          <a:ln w="28575">
-            <a:solidFill>
-              <a:srgbClr val="0070C0"/>
-            </a:solidFill>
-          </a:ln>
-        </p:spPr>
-        <p:style>
-          <a:lnRef idx="1">
-            <a:schemeClr val="accent1"/>
-          </a:lnRef>
-          <a:fillRef idx="0">
-            <a:schemeClr val="accent1"/>
-          </a:fillRef>
-          <a:effectRef idx="0">
-            <a:schemeClr val="accent1"/>
-          </a:effectRef>
-          <a:fontRef idx="minor">
-            <a:schemeClr val="tx1"/>
-          </a:fontRef>
-        </p:style>
-      </p:cxnSp>
-      <p:cxnSp>
-        <p:nvCxnSpPr>
-          <p:cNvPr id="49" name="Connecteur droit 48"/>
-          <p:cNvCxnSpPr/>
-          <p:nvPr/>
-        </p:nvCxnSpPr>
-        <p:spPr>
-          <a:xfrm flipH="1">
-            <a:off x="2406389" y="2697803"/>
-            <a:ext cx="50687" cy="269928"/>
-          </a:xfrm>
-          <a:prstGeom prst="line">
-            <a:avLst/>
-          </a:prstGeom>
-          <a:ln w="28575">
-            <a:solidFill>
-              <a:srgbClr val="0070C0"/>
-            </a:solidFill>
-          </a:ln>
-        </p:spPr>
-        <p:style>
-          <a:lnRef idx="1">
-            <a:schemeClr val="accent1"/>
-          </a:lnRef>
-          <a:fillRef idx="0">
-            <a:schemeClr val="accent1"/>
-          </a:fillRef>
-          <a:effectRef idx="0">
-            <a:schemeClr val="accent1"/>
-          </a:effectRef>
-          <a:fontRef idx="minor">
-            <a:schemeClr val="tx1"/>
-          </a:fontRef>
-        </p:style>
-      </p:cxnSp>
-      <p:cxnSp>
-        <p:nvCxnSpPr>
-          <p:cNvPr id="51" name="Connecteur droit 50"/>
-          <p:cNvCxnSpPr/>
-          <p:nvPr/>
-        </p:nvCxnSpPr>
-        <p:spPr>
-          <a:xfrm flipH="1">
-            <a:off x="1472772" y="2326572"/>
-            <a:ext cx="31232" cy="166324"/>
-          </a:xfrm>
-          <a:prstGeom prst="line">
-            <a:avLst/>
-          </a:prstGeom>
-          <a:ln w="28575">
-            <a:solidFill>
-              <a:srgbClr val="00B050"/>
-            </a:solidFill>
-          </a:ln>
-        </p:spPr>
-        <p:style>
-          <a:lnRef idx="1">
-            <a:schemeClr val="accent1"/>
-          </a:lnRef>
-          <a:fillRef idx="0">
-            <a:schemeClr val="accent1"/>
-          </a:fillRef>
-          <a:effectRef idx="0">
-            <a:schemeClr val="accent1"/>
-          </a:effectRef>
-          <a:fontRef idx="minor">
-            <a:schemeClr val="tx1"/>
-          </a:fontRef>
-        </p:style>
-      </p:cxnSp>
-      <p:sp>
-        <p:nvSpPr>
-          <p:cNvPr id="4" name="Ellipse 3"/>
-          <p:cNvSpPr/>
-          <p:nvPr/>
-        </p:nvSpPr>
-        <p:spPr>
-          <a:xfrm>
-            <a:off x="1291680" y="2492896"/>
-            <a:ext cx="288032" cy="288032"/>
-          </a:xfrm>
-          <a:prstGeom prst="ellipse">
-            <a:avLst/>
-          </a:prstGeom>
-          <a:solidFill>
-            <a:schemeClr val="bg1"/>
-          </a:solidFill>
-          <a:ln w="28575">
-            <a:solidFill>
-              <a:schemeClr val="tx1"/>
-            </a:solidFill>
-          </a:ln>
-        </p:spPr>
-        <p:style>
-          <a:lnRef idx="2">
-            <a:schemeClr val="accent1">
-              <a:shade val="50000"/>
-            </a:schemeClr>
-          </a:lnRef>
-          <a:fillRef idx="1">
-            <a:schemeClr val="accent1"/>
-          </a:fillRef>
-          <a:effectRef idx="0">
-            <a:schemeClr val="accent1"/>
-          </a:effectRef>
-          <a:fontRef idx="minor">
-            <a:schemeClr val="lt1"/>
-          </a:fontRef>
-        </p:style>
-        <p:txBody>
-          <a:bodyPr rtlCol="0" anchor="ctr"/>
-          <a:lstStyle/>
-          <a:p>
-            <a:pPr algn="ctr"/>
-            <a:endParaRPr lang="fr-FR"/>
-          </a:p>
-        </p:txBody>
-      </p:sp>
-      <p:cxnSp>
-        <p:nvCxnSpPr>
-          <p:cNvPr id="67" name="Connecteur droit 66"/>
-          <p:cNvCxnSpPr/>
-          <p:nvPr/>
-        </p:nvCxnSpPr>
-        <p:spPr>
-          <a:xfrm>
-            <a:off x="3121948" y="2634690"/>
-            <a:ext cx="825044" cy="154990"/>
-          </a:xfrm>
-          <a:prstGeom prst="line">
-            <a:avLst/>
-          </a:prstGeom>
-          <a:ln w="28575">
-            <a:solidFill>
-              <a:srgbClr val="FFC000"/>
-            </a:solidFill>
-          </a:ln>
-        </p:spPr>
-        <p:style>
-          <a:lnRef idx="1">
-            <a:schemeClr val="accent1"/>
-          </a:lnRef>
-          <a:fillRef idx="0">
-            <a:schemeClr val="accent1"/>
-          </a:fillRef>
-          <a:effectRef idx="0">
-            <a:schemeClr val="accent1"/>
-          </a:effectRef>
-          <a:fontRef idx="minor">
-            <a:schemeClr val="tx1"/>
-          </a:fontRef>
-        </p:style>
-      </p:cxnSp>
-      <p:grpSp>
-        <p:nvGrpSpPr>
-          <p:cNvPr id="1044" name="Groupe 1043"/>
-          <p:cNvGrpSpPr/>
-          <p:nvPr/>
-        </p:nvGrpSpPr>
-        <p:grpSpPr>
-          <a:xfrm rot="604479">
-            <a:off x="2777719" y="2816122"/>
-            <a:ext cx="576000" cy="288000"/>
-            <a:chOff x="2811353" y="2007187"/>
-            <a:chExt cx="576000" cy="288000"/>
-          </a:xfrm>
-        </p:grpSpPr>
-        <p:sp>
-          <p:nvSpPr>
-            <p:cNvPr id="50" name="Rectangle 49"/>
-            <p:cNvSpPr/>
-            <p:nvPr/>
-          </p:nvSpPr>
-          <p:spPr>
-            <a:xfrm>
-              <a:off x="2811353" y="2007187"/>
-              <a:ext cx="576000" cy="288000"/>
-            </a:xfrm>
-            <a:prstGeom prst="rect">
-              <a:avLst/>
-            </a:prstGeom>
-            <a:solidFill>
-              <a:schemeClr val="bg1"/>
-            </a:solidFill>
-            <a:ln>
-              <a:solidFill>
-                <a:srgbClr val="FFC000"/>
-              </a:solidFill>
-            </a:ln>
-          </p:spPr>
-          <p:style>
-            <a:lnRef idx="2">
-              <a:schemeClr val="accent1">
-                <a:shade val="50000"/>
-              </a:schemeClr>
-            </a:lnRef>
-            <a:fillRef idx="1">
-              <a:schemeClr val="accent1"/>
-            </a:fillRef>
-            <a:effectRef idx="0">
-              <a:schemeClr val="accent1"/>
-            </a:effectRef>
-            <a:fontRef idx="minor">
-              <a:schemeClr val="lt1"/>
-            </a:fontRef>
-          </p:style>
-          <p:txBody>
-            <a:bodyPr rtlCol="0" anchor="ctr"/>
-            <a:lstStyle/>
-            <a:p>
-              <a:pPr algn="ctr"/>
-              <a:endParaRPr lang="fr-FR"/>
-            </a:p>
-          </p:txBody>
-        </p:sp>
-        <p:sp>
-          <p:nvSpPr>
-            <p:cNvPr id="1041" name="Arc 1040"/>
-            <p:cNvSpPr/>
-            <p:nvPr/>
-          </p:nvSpPr>
-          <p:spPr>
-            <a:xfrm>
-              <a:off x="2811353" y="2079187"/>
-              <a:ext cx="144000" cy="144000"/>
-            </a:xfrm>
-            <a:prstGeom prst="arc">
-              <a:avLst>
-                <a:gd name="adj1" fmla="val 10925641"/>
-                <a:gd name="adj2" fmla="val 0"/>
-              </a:avLst>
-            </a:prstGeom>
-            <a:ln w="28575">
-              <a:solidFill>
-                <a:srgbClr val="0070C0"/>
-              </a:solidFill>
-            </a:ln>
-          </p:spPr>
-          <p:style>
-            <a:lnRef idx="1">
-              <a:schemeClr val="accent1"/>
-            </a:lnRef>
-            <a:fillRef idx="0">
-              <a:schemeClr val="accent1"/>
-            </a:fillRef>
-            <a:effectRef idx="0">
-              <a:schemeClr val="accent1"/>
-            </a:effectRef>
-            <a:fontRef idx="minor">
-              <a:schemeClr val="tx1"/>
-            </a:fontRef>
-          </p:style>
-          <p:txBody>
-            <a:bodyPr rtlCol="0" anchor="ctr"/>
-            <a:lstStyle/>
-            <a:p>
-              <a:pPr algn="ctr"/>
-              <a:endParaRPr lang="fr-FR">
-                <a:ln w="28575">
-                  <a:solidFill>
-                    <a:schemeClr val="tx1"/>
-                  </a:solidFill>
-                </a:ln>
-              </a:endParaRPr>
-            </a:p>
-          </p:txBody>
-        </p:sp>
-        <p:sp>
-          <p:nvSpPr>
-            <p:cNvPr id="61" name="Arc 60"/>
-            <p:cNvSpPr/>
-            <p:nvPr/>
-          </p:nvSpPr>
-          <p:spPr>
-            <a:xfrm rot="10800000">
-              <a:off x="2955353" y="2079187"/>
-              <a:ext cx="144000" cy="144000"/>
-            </a:xfrm>
-            <a:prstGeom prst="arc">
-              <a:avLst>
-                <a:gd name="adj1" fmla="val 10925641"/>
-                <a:gd name="adj2" fmla="val 0"/>
-              </a:avLst>
-            </a:prstGeom>
-            <a:ln w="28575">
-              <a:solidFill>
-                <a:srgbClr val="0070C0"/>
-              </a:solidFill>
-            </a:ln>
-          </p:spPr>
-          <p:style>
-            <a:lnRef idx="1">
-              <a:schemeClr val="accent1"/>
-            </a:lnRef>
-            <a:fillRef idx="0">
-              <a:schemeClr val="accent1"/>
-            </a:fillRef>
-            <a:effectRef idx="0">
-              <a:schemeClr val="accent1"/>
-            </a:effectRef>
-            <a:fontRef idx="minor">
-              <a:schemeClr val="tx1"/>
-            </a:fontRef>
-          </p:style>
-          <p:txBody>
-            <a:bodyPr rtlCol="0" anchor="ctr"/>
-            <a:lstStyle/>
-            <a:p>
-              <a:pPr algn="ctr"/>
-              <a:endParaRPr lang="fr-FR">
-                <a:ln w="28575">
-                  <a:solidFill>
-                    <a:schemeClr val="tx1"/>
-                  </a:solidFill>
-                </a:ln>
-              </a:endParaRPr>
-            </a:p>
-          </p:txBody>
-        </p:sp>
-        <p:sp>
-          <p:nvSpPr>
-            <p:cNvPr id="62" name="Arc 61"/>
-            <p:cNvSpPr/>
-            <p:nvPr/>
-          </p:nvSpPr>
-          <p:spPr>
-            <a:xfrm>
-              <a:off x="3099353" y="2079188"/>
-              <a:ext cx="144000" cy="144000"/>
-            </a:xfrm>
-            <a:prstGeom prst="arc">
-              <a:avLst>
-                <a:gd name="adj1" fmla="val 10087325"/>
-                <a:gd name="adj2" fmla="val 0"/>
-              </a:avLst>
-            </a:prstGeom>
-            <a:ln w="28575">
-              <a:solidFill>
-                <a:srgbClr val="0070C0"/>
-              </a:solidFill>
-            </a:ln>
-          </p:spPr>
-          <p:style>
-            <a:lnRef idx="1">
-              <a:schemeClr val="accent1"/>
-            </a:lnRef>
-            <a:fillRef idx="0">
-              <a:schemeClr val="accent1"/>
-            </a:fillRef>
-            <a:effectRef idx="0">
-              <a:schemeClr val="accent1"/>
-            </a:effectRef>
-            <a:fontRef idx="minor">
-              <a:schemeClr val="tx1"/>
-            </a:fontRef>
-          </p:style>
-          <p:txBody>
-            <a:bodyPr rtlCol="0" anchor="ctr"/>
-            <a:lstStyle/>
-            <a:p>
-              <a:pPr algn="ctr"/>
-              <a:endParaRPr lang="fr-FR">
-                <a:ln w="28575">
-                  <a:solidFill>
-                    <a:schemeClr val="tx1"/>
-                  </a:solidFill>
-                </a:ln>
-              </a:endParaRPr>
-            </a:p>
-          </p:txBody>
-        </p:sp>
-        <p:sp>
-          <p:nvSpPr>
-            <p:cNvPr id="63" name="Arc 62"/>
-            <p:cNvSpPr/>
-            <p:nvPr/>
-          </p:nvSpPr>
-          <p:spPr>
-            <a:xfrm rot="10800000">
-              <a:off x="3243353" y="2079188"/>
-              <a:ext cx="144000" cy="144000"/>
-            </a:xfrm>
-            <a:prstGeom prst="arc">
-              <a:avLst>
-                <a:gd name="adj1" fmla="val 10925641"/>
-                <a:gd name="adj2" fmla="val 0"/>
-              </a:avLst>
-            </a:prstGeom>
-            <a:ln w="28575">
-              <a:solidFill>
-                <a:srgbClr val="0070C0"/>
-              </a:solidFill>
-            </a:ln>
-          </p:spPr>
-          <p:style>
-            <a:lnRef idx="1">
-              <a:schemeClr val="accent1"/>
-            </a:lnRef>
-            <a:fillRef idx="0">
-              <a:schemeClr val="accent1"/>
-            </a:fillRef>
-            <a:effectRef idx="0">
-              <a:schemeClr val="accent1"/>
-            </a:effectRef>
-            <a:fontRef idx="minor">
-              <a:schemeClr val="tx1"/>
-            </a:fontRef>
-          </p:style>
-          <p:txBody>
-            <a:bodyPr rtlCol="0" anchor="ctr"/>
-            <a:lstStyle/>
-            <a:p>
-              <a:pPr algn="ctr"/>
-              <a:endParaRPr lang="fr-FR">
-                <a:ln w="28575">
-                  <a:solidFill>
-                    <a:schemeClr val="tx1"/>
-                  </a:solidFill>
-                </a:ln>
-              </a:endParaRPr>
-            </a:p>
-          </p:txBody>
-        </p:sp>
-      </p:grpSp>
-      <p:cxnSp>
-        <p:nvCxnSpPr>
-          <p:cNvPr id="72" name="Connecteur droit 71"/>
-          <p:cNvCxnSpPr/>
-          <p:nvPr/>
-        </p:nvCxnSpPr>
-        <p:spPr>
-          <a:xfrm>
-            <a:off x="3361873" y="3005669"/>
-            <a:ext cx="134963" cy="25343"/>
-          </a:xfrm>
-          <a:prstGeom prst="line">
-            <a:avLst/>
-          </a:prstGeom>
-          <a:ln w="28575">
-            <a:solidFill>
-              <a:srgbClr val="0070C0"/>
-            </a:solidFill>
-          </a:ln>
-        </p:spPr>
-        <p:style>
-          <a:lnRef idx="1">
-            <a:schemeClr val="accent1"/>
-          </a:lnRef>
-          <a:fillRef idx="0">
-            <a:schemeClr val="accent1"/>
-          </a:fillRef>
-          <a:effectRef idx="0">
-            <a:schemeClr val="accent1"/>
-          </a:effectRef>
-          <a:fontRef idx="minor">
-            <a:schemeClr val="tx1"/>
-          </a:fontRef>
-        </p:style>
-      </p:cxnSp>
-      <p:sp>
-        <p:nvSpPr>
-          <p:cNvPr id="75" name="Rectangle 74"/>
-          <p:cNvSpPr/>
-          <p:nvPr/>
-        </p:nvSpPr>
-        <p:spPr>
-          <a:xfrm rot="2700000">
-            <a:off x="5076056" y="1450449"/>
-            <a:ext cx="576000" cy="288000"/>
-          </a:xfrm>
-          <a:prstGeom prst="rect">
-            <a:avLst/>
-          </a:prstGeom>
-          <a:solidFill>
-            <a:schemeClr val="bg1"/>
-          </a:solidFill>
-          <a:ln>
-            <a:solidFill>
-              <a:srgbClr val="7030A0"/>
-            </a:solidFill>
-          </a:ln>
-        </p:spPr>
-        <p:style>
-          <a:lnRef idx="2">
-            <a:schemeClr val="accent1">
-              <a:shade val="50000"/>
-            </a:schemeClr>
-          </a:lnRef>
-          <a:fillRef idx="1">
-            <a:schemeClr val="accent1"/>
-          </a:fillRef>
-          <a:effectRef idx="0">
-            <a:schemeClr val="accent1"/>
-          </a:effectRef>
-          <a:fontRef idx="minor">
-            <a:schemeClr val="lt1"/>
-          </a:fontRef>
-        </p:style>
-        <p:txBody>
-          <a:bodyPr rtlCol="0" anchor="ctr"/>
-          <a:lstStyle/>
-          <a:p>
-            <a:pPr algn="ctr"/>
-            <a:endParaRPr lang="fr-FR"/>
-          </a:p>
-        </p:txBody>
-      </p:sp>
-      <mc:AlternateContent xmlns:mc="http://schemas.openxmlformats.org/markup-compatibility/2006" xmlns:a14="http://schemas.microsoft.com/office/drawing/2010/main">
-        <mc:Choice Requires="a14">
-          <p:sp>
-            <p:nvSpPr>
-              <p:cNvPr id="1050" name="ZoneTexte 1049"/>
-              <p:cNvSpPr txBox="1"/>
-              <p:nvPr/>
-            </p:nvSpPr>
-            <p:spPr>
-              <a:xfrm>
-                <a:off x="938121" y="2498416"/>
-                <a:ext cx="319190" cy="276999"/>
-              </a:xfrm>
-              <a:prstGeom prst="rect">
-                <a:avLst/>
-              </a:prstGeom>
-              <a:noFill/>
-            </p:spPr>
-            <p:txBody>
-              <a:bodyPr wrap="none" rtlCol="0">
-                <a:spAutoFit/>
-              </a:bodyPr>
-              <a:lstStyle/>
-              <a:p>
-                <a:pPr/>
-                <a14:m>
-                  <m:oMathPara xmlns:m="http://schemas.openxmlformats.org/officeDocument/2006/math">
-                    <m:oMathParaPr>
-                      <m:jc m:val="centerGroup"/>
-                    </m:oMathParaPr>
-                    <m:oMath xmlns:m="http://schemas.openxmlformats.org/officeDocument/2006/math">
-                      <m:r>
-                        <a:rPr lang="fr-FR" sz="1200" b="0" i="1" smtClean="0">
-                          <a:latin typeface="Cambria Math"/>
-                        </a:rPr>
-                        <m:t>𝐴</m:t>
-                      </m:r>
-                    </m:oMath>
-                  </m:oMathPara>
-                </a14:m>
-                <a:endParaRPr lang="fr-FR" sz="1200" dirty="0"/>
-              </a:p>
-            </p:txBody>
-          </p:sp>
-        </mc:Choice>
-        <mc:Fallback xmlns="">
-          <p:sp>
-            <p:nvSpPr>
-              <p:cNvPr id="1050" name="ZoneTexte 1049"/>
-              <p:cNvSpPr txBox="1">
-                <a:spLocks noRot="1" noChangeAspect="1" noMove="1" noResize="1" noEditPoints="1" noAdjustHandles="1" noChangeArrowheads="1" noChangeShapeType="1" noTextEdit="1"/>
-              </p:cNvSpPr>
-              <p:nvPr/>
-            </p:nvSpPr>
-            <p:spPr>
-              <a:xfrm>
-                <a:off x="938121" y="2498416"/>
-                <a:ext cx="319190" cy="276999"/>
-              </a:xfrm>
-              <a:prstGeom prst="rect">
-                <a:avLst/>
-              </a:prstGeom>
-              <a:blipFill rotWithShape="1">
-                <a:blip r:embed="rId2"/>
-                <a:stretch>
-                  <a:fillRect/>
-                </a:stretch>
-              </a:blipFill>
-            </p:spPr>
-            <p:txBody>
-              <a:bodyPr/>
-              <a:lstStyle/>
-              <a:p>
-                <a:r>
-                  <a:rPr lang="fr-FR">
-                    <a:noFill/>
-                  </a:rPr>
-                  <a:t> </a:t>
-                </a:r>
-              </a:p>
-            </p:txBody>
-          </p:sp>
-        </mc:Fallback>
-      </mc:AlternateContent>
-      <mc:AlternateContent xmlns:mc="http://schemas.openxmlformats.org/markup-compatibility/2006" xmlns:a14="http://schemas.microsoft.com/office/drawing/2010/main">
-        <mc:Choice Requires="a14">
-          <p:sp>
-            <p:nvSpPr>
-              <p:cNvPr id="78" name="ZoneTexte 77"/>
-              <p:cNvSpPr txBox="1"/>
-              <p:nvPr/>
-            </p:nvSpPr>
-            <p:spPr>
-              <a:xfrm>
-                <a:off x="1889285" y="2914423"/>
-                <a:ext cx="325024" cy="276999"/>
-              </a:xfrm>
-              <a:prstGeom prst="rect">
-                <a:avLst/>
-              </a:prstGeom>
-              <a:noFill/>
-            </p:spPr>
-            <p:txBody>
-              <a:bodyPr wrap="none" rtlCol="0">
-                <a:spAutoFit/>
-              </a:bodyPr>
-              <a:lstStyle/>
-              <a:p>
-                <a:pPr/>
-                <a14:m>
-                  <m:oMathPara xmlns:m="http://schemas.openxmlformats.org/officeDocument/2006/math">
-                    <m:oMathParaPr>
-                      <m:jc m:val="centerGroup"/>
-                    </m:oMathParaPr>
-                    <m:oMath xmlns:m="http://schemas.openxmlformats.org/officeDocument/2006/math">
-                      <m:r>
-                        <a:rPr lang="fr-FR" sz="1200" b="0" i="1" smtClean="0">
-                          <a:latin typeface="Cambria Math"/>
-                        </a:rPr>
-                        <m:t>𝐵</m:t>
-                      </m:r>
-                    </m:oMath>
-                  </m:oMathPara>
-                </a14:m>
-                <a:endParaRPr lang="fr-FR" sz="1200" dirty="0"/>
-              </a:p>
-            </p:txBody>
-          </p:sp>
-        </mc:Choice>
-        <mc:Fallback xmlns="">
-          <p:sp>
-            <p:nvSpPr>
-              <p:cNvPr id="78" name="ZoneTexte 77"/>
-              <p:cNvSpPr txBox="1">
-                <a:spLocks noRot="1" noChangeAspect="1" noMove="1" noResize="1" noEditPoints="1" noAdjustHandles="1" noChangeArrowheads="1" noChangeShapeType="1" noTextEdit="1"/>
-              </p:cNvSpPr>
-              <p:nvPr/>
-            </p:nvSpPr>
-            <p:spPr>
-              <a:xfrm>
-                <a:off x="1889285" y="2914423"/>
-                <a:ext cx="325024" cy="276999"/>
-              </a:xfrm>
-              <a:prstGeom prst="rect">
-                <a:avLst/>
-              </a:prstGeom>
-              <a:blipFill rotWithShape="1">
-                <a:blip r:embed="rId3"/>
-                <a:stretch>
-                  <a:fillRect/>
-                </a:stretch>
-              </a:blipFill>
-            </p:spPr>
-            <p:txBody>
-              <a:bodyPr/>
-              <a:lstStyle/>
-              <a:p>
-                <a:r>
-                  <a:rPr lang="fr-FR">
-                    <a:noFill/>
-                  </a:rPr>
-                  <a:t> </a:t>
-                </a:r>
-              </a:p>
-            </p:txBody>
-          </p:sp>
-        </mc:Fallback>
-      </mc:AlternateContent>
-      <mc:AlternateContent xmlns:mc="http://schemas.openxmlformats.org/markup-compatibility/2006" xmlns:a14="http://schemas.microsoft.com/office/drawing/2010/main">
-        <mc:Choice Requires="a14">
-          <p:sp>
-            <p:nvSpPr>
-              <p:cNvPr id="79" name="ZoneTexte 78"/>
-              <p:cNvSpPr txBox="1"/>
-              <p:nvPr/>
-            </p:nvSpPr>
-            <p:spPr>
-              <a:xfrm>
-                <a:off x="4052504" y="2935846"/>
-                <a:ext cx="318036" cy="276999"/>
-              </a:xfrm>
-              <a:prstGeom prst="rect">
-                <a:avLst/>
-              </a:prstGeom>
-              <a:noFill/>
-            </p:spPr>
-            <p:txBody>
-              <a:bodyPr wrap="none" rtlCol="0">
-                <a:spAutoFit/>
-              </a:bodyPr>
-              <a:lstStyle/>
-              <a:p>
-                <a:pPr/>
-                <a14:m>
-                  <m:oMathPara xmlns:m="http://schemas.openxmlformats.org/officeDocument/2006/math">
-                    <m:oMathParaPr>
-                      <m:jc m:val="centerGroup"/>
-                    </m:oMathParaPr>
-                    <m:oMath xmlns:m="http://schemas.openxmlformats.org/officeDocument/2006/math">
-                      <m:r>
-                        <a:rPr lang="fr-FR" sz="1200" b="0" i="1" smtClean="0">
-                          <a:latin typeface="Cambria Math"/>
-                        </a:rPr>
-                        <m:t>𝐶</m:t>
-                      </m:r>
-                    </m:oMath>
-                  </m:oMathPara>
-                </a14:m>
-                <a:endParaRPr lang="fr-FR" sz="1200" dirty="0"/>
-              </a:p>
-            </p:txBody>
-          </p:sp>
-        </mc:Choice>
-        <mc:Fallback xmlns="">
-          <p:sp>
-            <p:nvSpPr>
-              <p:cNvPr id="79" name="ZoneTexte 78"/>
-              <p:cNvSpPr txBox="1">
-                <a:spLocks noRot="1" noChangeAspect="1" noMove="1" noResize="1" noEditPoints="1" noAdjustHandles="1" noChangeArrowheads="1" noChangeShapeType="1" noTextEdit="1"/>
-              </p:cNvSpPr>
-              <p:nvPr/>
-            </p:nvSpPr>
-            <p:spPr>
-              <a:xfrm>
-                <a:off x="4052504" y="2935846"/>
-                <a:ext cx="318036" cy="276999"/>
-              </a:xfrm>
-              <a:prstGeom prst="rect">
-                <a:avLst/>
-              </a:prstGeom>
-              <a:blipFill rotWithShape="1">
-                <a:blip r:embed="rId4"/>
-                <a:stretch>
-                  <a:fillRect/>
-                </a:stretch>
-              </a:blipFill>
-            </p:spPr>
-            <p:txBody>
-              <a:bodyPr/>
-              <a:lstStyle/>
-              <a:p>
-                <a:r>
-                  <a:rPr lang="fr-FR">
-                    <a:noFill/>
-                  </a:rPr>
-                  <a:t> </a:t>
-                </a:r>
-              </a:p>
-            </p:txBody>
-          </p:sp>
-        </mc:Fallback>
-      </mc:AlternateContent>
-      <mc:AlternateContent xmlns:mc="http://schemas.openxmlformats.org/markup-compatibility/2006" xmlns:a14="http://schemas.microsoft.com/office/drawing/2010/main">
-        <mc:Choice Requires="a14">
-          <p:sp>
-            <p:nvSpPr>
-              <p:cNvPr id="80" name="ZoneTexte 79"/>
-              <p:cNvSpPr txBox="1"/>
-              <p:nvPr/>
-            </p:nvSpPr>
-            <p:spPr>
-              <a:xfrm>
-                <a:off x="2287878" y="4082588"/>
-                <a:ext cx="330219" cy="276999"/>
-              </a:xfrm>
-              <a:prstGeom prst="rect">
-                <a:avLst/>
-              </a:prstGeom>
-              <a:noFill/>
-            </p:spPr>
-            <p:txBody>
-              <a:bodyPr wrap="none" rtlCol="0">
-                <a:spAutoFit/>
-              </a:bodyPr>
-              <a:lstStyle/>
-              <a:p>
-                <a:pPr/>
-                <a14:m>
-                  <m:oMathPara xmlns:m="http://schemas.openxmlformats.org/officeDocument/2006/math">
-                    <m:oMathParaPr>
-                      <m:jc m:val="centerGroup"/>
-                    </m:oMathParaPr>
-                    <m:oMath xmlns:m="http://schemas.openxmlformats.org/officeDocument/2006/math">
-                      <m:r>
-                        <a:rPr lang="fr-FR" sz="1200" b="0" i="1" smtClean="0">
-                          <a:latin typeface="Cambria Math"/>
-                        </a:rPr>
-                        <m:t>𝐷</m:t>
-                      </m:r>
-                    </m:oMath>
-                  </m:oMathPara>
-                </a14:m>
-                <a:endParaRPr lang="fr-FR" sz="1200" dirty="0"/>
-              </a:p>
-            </p:txBody>
-          </p:sp>
-        </mc:Choice>
-        <mc:Fallback xmlns="">
-          <p:sp>
-            <p:nvSpPr>
-              <p:cNvPr id="80" name="ZoneTexte 79"/>
-              <p:cNvSpPr txBox="1">
-                <a:spLocks noRot="1" noChangeAspect="1" noMove="1" noResize="1" noEditPoints="1" noAdjustHandles="1" noChangeArrowheads="1" noChangeShapeType="1" noTextEdit="1"/>
-              </p:cNvSpPr>
-              <p:nvPr/>
-            </p:nvSpPr>
-            <p:spPr>
-              <a:xfrm>
-                <a:off x="2287878" y="4082588"/>
-                <a:ext cx="330219" cy="276999"/>
-              </a:xfrm>
-              <a:prstGeom prst="rect">
-                <a:avLst/>
-              </a:prstGeom>
-              <a:blipFill rotWithShape="1">
-                <a:blip r:embed="rId5"/>
-                <a:stretch>
-                  <a:fillRect/>
-                </a:stretch>
-              </a:blipFill>
-            </p:spPr>
-            <p:txBody>
-              <a:bodyPr/>
-              <a:lstStyle/>
-              <a:p>
-                <a:r>
-                  <a:rPr lang="fr-FR">
-                    <a:noFill/>
-                  </a:rPr>
-                  <a:t> </a:t>
-                </a:r>
-              </a:p>
-            </p:txBody>
-          </p:sp>
-        </mc:Fallback>
-      </mc:AlternateContent>
-      <p:sp>
-        <p:nvSpPr>
-          <p:cNvPr id="81" name="Ellipse 80"/>
-          <p:cNvSpPr/>
-          <p:nvPr/>
-        </p:nvSpPr>
-        <p:spPr>
-          <a:xfrm>
-            <a:off x="1093907" y="4581128"/>
-            <a:ext cx="288032" cy="288032"/>
-          </a:xfrm>
-          <a:prstGeom prst="ellipse">
-            <a:avLst/>
-          </a:prstGeom>
-          <a:solidFill>
-            <a:schemeClr val="bg1"/>
-          </a:solidFill>
-          <a:ln w="28575">
-            <a:solidFill>
-              <a:schemeClr val="tx1"/>
-            </a:solidFill>
-          </a:ln>
-        </p:spPr>
-        <p:style>
-          <a:lnRef idx="2">
-            <a:schemeClr val="accent1">
-              <a:shade val="50000"/>
-            </a:schemeClr>
-          </a:lnRef>
-          <a:fillRef idx="1">
-            <a:schemeClr val="accent1"/>
-          </a:fillRef>
-          <a:effectRef idx="0">
-            <a:schemeClr val="accent1"/>
-          </a:effectRef>
-          <a:fontRef idx="minor">
-            <a:schemeClr val="lt1"/>
-          </a:fontRef>
-        </p:style>
-        <p:txBody>
-          <a:bodyPr lIns="0" tIns="0" rIns="0" bIns="0" rtlCol="0" anchor="ctr"/>
-          <a:lstStyle/>
-          <a:p>
-            <a:pPr algn="ctr"/>
-            <a:r>
-              <a:rPr lang="fr-FR" sz="1400" dirty="0" smtClean="0">
-                <a:solidFill>
-                  <a:schemeClr val="tx1"/>
-                </a:solidFill>
-              </a:rPr>
-              <a:t>0</a:t>
-            </a:r>
-            <a:endParaRPr lang="fr-FR" sz="1400" dirty="0">
-              <a:solidFill>
-                <a:schemeClr val="tx1"/>
-              </a:solidFill>
-            </a:endParaRPr>
-          </a:p>
-        </p:txBody>
-      </p:sp>
-      <p:sp>
-        <p:nvSpPr>
-          <p:cNvPr id="82" name="Ellipse 81"/>
-          <p:cNvSpPr/>
-          <p:nvPr/>
-        </p:nvSpPr>
-        <p:spPr>
-          <a:xfrm>
-            <a:off x="1328756" y="1998359"/>
-            <a:ext cx="288032" cy="288032"/>
-          </a:xfrm>
-          <a:prstGeom prst="ellipse">
-            <a:avLst/>
-          </a:prstGeom>
-          <a:solidFill>
-            <a:schemeClr val="bg1"/>
-          </a:solidFill>
-          <a:ln w="28575">
-            <a:solidFill>
-              <a:srgbClr val="00B050"/>
-            </a:solidFill>
-          </a:ln>
-        </p:spPr>
-        <p:style>
-          <a:lnRef idx="2">
-            <a:schemeClr val="accent1">
-              <a:shade val="50000"/>
-            </a:schemeClr>
-          </a:lnRef>
-          <a:fillRef idx="1">
-            <a:schemeClr val="accent1"/>
-          </a:fillRef>
-          <a:effectRef idx="0">
-            <a:schemeClr val="accent1"/>
-          </a:effectRef>
-          <a:fontRef idx="minor">
-            <a:schemeClr val="lt1"/>
-          </a:fontRef>
-        </p:style>
-        <p:txBody>
-          <a:bodyPr lIns="0" tIns="0" rIns="0" bIns="0" rtlCol="0" anchor="ctr"/>
-          <a:lstStyle/>
-          <a:p>
-            <a:pPr algn="ctr"/>
-            <a:r>
-              <a:rPr lang="fr-FR" sz="1400" dirty="0">
-                <a:solidFill>
-                  <a:srgbClr val="00B050"/>
-                </a:solidFill>
-              </a:rPr>
-              <a:t>1</a:t>
-            </a:r>
-          </a:p>
-        </p:txBody>
-      </p:sp>
-      <p:sp>
-        <p:nvSpPr>
-          <p:cNvPr id="83" name="Ellipse 82"/>
-          <p:cNvSpPr/>
-          <p:nvPr/>
-        </p:nvSpPr>
-        <p:spPr>
-          <a:xfrm>
-            <a:off x="2474081" y="2462700"/>
-            <a:ext cx="288032" cy="288032"/>
-          </a:xfrm>
-          <a:prstGeom prst="ellipse">
-            <a:avLst/>
-          </a:prstGeom>
-          <a:solidFill>
-            <a:schemeClr val="bg1"/>
-          </a:solidFill>
-          <a:ln w="28575">
-            <a:solidFill>
-              <a:srgbClr val="0070C0"/>
-            </a:solidFill>
-          </a:ln>
-        </p:spPr>
-        <p:style>
-          <a:lnRef idx="2">
-            <a:schemeClr val="accent1">
-              <a:shade val="50000"/>
-            </a:schemeClr>
-          </a:lnRef>
-          <a:fillRef idx="1">
-            <a:schemeClr val="accent1"/>
-          </a:fillRef>
-          <a:effectRef idx="0">
-            <a:schemeClr val="accent1"/>
-          </a:effectRef>
-          <a:fontRef idx="minor">
-            <a:schemeClr val="lt1"/>
-          </a:fontRef>
-        </p:style>
-        <p:txBody>
-          <a:bodyPr lIns="0" tIns="0" rIns="0" bIns="0" rtlCol="0" anchor="ctr"/>
-          <a:lstStyle/>
-          <a:p>
-            <a:pPr algn="ctr"/>
-            <a:r>
-              <a:rPr lang="fr-FR" sz="1400" dirty="0" smtClean="0">
-                <a:solidFill>
-                  <a:srgbClr val="0070C0"/>
-                </a:solidFill>
-              </a:rPr>
-              <a:t>2</a:t>
-            </a:r>
-            <a:endParaRPr lang="fr-FR" sz="1400" dirty="0">
-              <a:solidFill>
-                <a:srgbClr val="0070C0"/>
-              </a:solidFill>
-            </a:endParaRPr>
-          </a:p>
-        </p:txBody>
-      </p:sp>
-      <p:sp>
-        <p:nvSpPr>
-          <p:cNvPr id="84" name="Ellipse 83"/>
-          <p:cNvSpPr/>
-          <p:nvPr/>
-        </p:nvSpPr>
-        <p:spPr>
-          <a:xfrm>
-            <a:off x="3428368" y="2378124"/>
-            <a:ext cx="288032" cy="288032"/>
-          </a:xfrm>
-          <a:prstGeom prst="ellipse">
-            <a:avLst/>
-          </a:prstGeom>
-          <a:solidFill>
-            <a:schemeClr val="bg1"/>
-          </a:solidFill>
-          <a:ln w="28575">
-            <a:solidFill>
-              <a:srgbClr val="FFC000"/>
-            </a:solidFill>
-          </a:ln>
-        </p:spPr>
-        <p:style>
-          <a:lnRef idx="2">
-            <a:schemeClr val="accent1">
-              <a:shade val="50000"/>
-            </a:schemeClr>
-          </a:lnRef>
-          <a:fillRef idx="1">
-            <a:schemeClr val="accent1"/>
-          </a:fillRef>
-          <a:effectRef idx="0">
-            <a:schemeClr val="accent1"/>
-          </a:effectRef>
-          <a:fontRef idx="minor">
-            <a:schemeClr val="lt1"/>
-          </a:fontRef>
-        </p:style>
-        <p:txBody>
-          <a:bodyPr lIns="0" tIns="0" rIns="0" bIns="0" rtlCol="0" anchor="ctr"/>
-          <a:lstStyle/>
-          <a:p>
-            <a:pPr algn="ctr"/>
-            <a:r>
-              <a:rPr lang="fr-FR" sz="1400" dirty="0">
-                <a:solidFill>
-                  <a:srgbClr val="FFC000"/>
-                </a:solidFill>
-              </a:rPr>
-              <a:t>3</a:t>
-            </a:r>
-          </a:p>
-        </p:txBody>
-      </p:sp>
-      <p:sp>
-        <p:nvSpPr>
-          <p:cNvPr id="85" name="Ellipse 84"/>
-          <p:cNvSpPr/>
-          <p:nvPr/>
-        </p:nvSpPr>
-        <p:spPr>
-          <a:xfrm>
-            <a:off x="4724730" y="2258474"/>
-            <a:ext cx="288032" cy="288032"/>
-          </a:xfrm>
-          <a:prstGeom prst="ellipse">
-            <a:avLst/>
-          </a:prstGeom>
-          <a:solidFill>
-            <a:schemeClr val="bg1"/>
-          </a:solidFill>
-          <a:ln w="28575">
-            <a:solidFill>
-              <a:srgbClr val="7030A0"/>
-            </a:solidFill>
-          </a:ln>
-        </p:spPr>
-        <p:style>
-          <a:lnRef idx="2">
-            <a:schemeClr val="accent1">
-              <a:shade val="50000"/>
-            </a:schemeClr>
-          </a:lnRef>
-          <a:fillRef idx="1">
-            <a:schemeClr val="accent1"/>
-          </a:fillRef>
-          <a:effectRef idx="0">
-            <a:schemeClr val="accent1"/>
-          </a:effectRef>
-          <a:fontRef idx="minor">
-            <a:schemeClr val="lt1"/>
-          </a:fontRef>
-        </p:style>
-        <p:txBody>
-          <a:bodyPr lIns="0" tIns="0" rIns="0" bIns="0" rtlCol="0" anchor="ctr"/>
-          <a:lstStyle/>
-          <a:p>
-            <a:pPr algn="ctr"/>
-            <a:r>
-              <a:rPr lang="fr-FR" sz="1400" dirty="0" smtClean="0">
-                <a:solidFill>
-                  <a:srgbClr val="7030A0"/>
-                </a:solidFill>
-              </a:rPr>
-              <a:t>4</a:t>
-            </a:r>
-            <a:endParaRPr lang="fr-FR" sz="1400" dirty="0">
-              <a:solidFill>
-                <a:srgbClr val="7030A0"/>
-              </a:solidFill>
-            </a:endParaRPr>
-          </a:p>
-        </p:txBody>
-      </p:sp>
-      <mc:AlternateContent xmlns:mc="http://schemas.openxmlformats.org/markup-compatibility/2006" xmlns:a14="http://schemas.microsoft.com/office/drawing/2010/main">
-        <mc:Choice Requires="a14">
-          <p:sp>
-            <p:nvSpPr>
-              <p:cNvPr id="91" name="ZoneTexte 90"/>
-              <p:cNvSpPr txBox="1"/>
-              <p:nvPr/>
-            </p:nvSpPr>
-            <p:spPr>
-              <a:xfrm>
-                <a:off x="4644008" y="3083006"/>
-                <a:ext cx="368754" cy="276999"/>
-              </a:xfrm>
-              <a:prstGeom prst="rect">
-                <a:avLst/>
-              </a:prstGeom>
-              <a:noFill/>
-            </p:spPr>
-            <p:txBody>
-              <a:bodyPr wrap="none" rtlCol="0">
-                <a:spAutoFit/>
-              </a:bodyPr>
-              <a:lstStyle/>
-              <a:p>
-                <a:pPr/>
-                <a14:m>
-                  <m:oMathPara xmlns:m="http://schemas.openxmlformats.org/officeDocument/2006/math">
-                    <m:oMathParaPr>
-                      <m:jc m:val="centerGroup"/>
-                    </m:oMathParaPr>
-                    <m:oMath xmlns:m="http://schemas.openxmlformats.org/officeDocument/2006/math">
-                      <m:acc>
-                        <m:accPr>
-                          <m:chr m:val="⃗"/>
-                          <m:ctrlPr>
-                            <a:rPr lang="fr-FR" sz="1200" b="0" i="1" smtClean="0">
-                              <a:latin typeface="Cambria Math"/>
-                            </a:rPr>
-                          </m:ctrlPr>
-                        </m:accPr>
-                        <m:e>
-                          <m:sSub>
-                            <m:sSubPr>
-                              <m:ctrlPr>
-                                <a:rPr lang="fr-FR" sz="1200" i="1">
-                                  <a:latin typeface="Cambria Math"/>
-                                </a:rPr>
-                              </m:ctrlPr>
-                            </m:sSubPr>
-                            <m:e>
-                              <m:r>
-                                <a:rPr lang="fr-FR" sz="1200" i="1">
-                                  <a:latin typeface="Cambria Math"/>
-                                </a:rPr>
-                                <m:t>𝑥</m:t>
-                              </m:r>
-                            </m:e>
-                            <m:sub>
-                              <m:r>
-                                <a:rPr lang="fr-FR" sz="1200" i="1">
-                                  <a:latin typeface="Cambria Math"/>
-                                </a:rPr>
-                                <m:t>1</m:t>
-                              </m:r>
-                            </m:sub>
-                          </m:sSub>
-                        </m:e>
-                      </m:acc>
-                    </m:oMath>
-                  </m:oMathPara>
-                </a14:m>
-                <a:endParaRPr lang="fr-FR" sz="1200" dirty="0"/>
-              </a:p>
-            </p:txBody>
-          </p:sp>
-        </mc:Choice>
-        <mc:Fallback xmlns="">
-          <p:sp>
-            <p:nvSpPr>
-              <p:cNvPr id="91" name="ZoneTexte 90"/>
-              <p:cNvSpPr txBox="1">
-                <a:spLocks noRot="1" noChangeAspect="1" noMove="1" noResize="1" noEditPoints="1" noAdjustHandles="1" noChangeArrowheads="1" noChangeShapeType="1" noTextEdit="1"/>
-              </p:cNvSpPr>
-              <p:nvPr/>
-            </p:nvSpPr>
-            <p:spPr>
-              <a:xfrm>
-                <a:off x="4644008" y="3083006"/>
-                <a:ext cx="368754" cy="276999"/>
-              </a:xfrm>
-              <a:prstGeom prst="rect">
-                <a:avLst/>
-              </a:prstGeom>
-              <a:blipFill rotWithShape="1">
-                <a:blip r:embed="rId6"/>
-                <a:stretch>
-                  <a:fillRect/>
-                </a:stretch>
-              </a:blipFill>
-            </p:spPr>
-            <p:txBody>
-              <a:bodyPr/>
-              <a:lstStyle/>
-              <a:p>
-                <a:r>
-                  <a:rPr lang="fr-FR">
-                    <a:noFill/>
-                  </a:rPr>
-                  <a:t> </a:t>
-                </a:r>
-              </a:p>
-            </p:txBody>
-          </p:sp>
-        </mc:Fallback>
-      </mc:AlternateContent>
-      <mc:AlternateContent xmlns:mc="http://schemas.openxmlformats.org/markup-compatibility/2006" xmlns:a14="http://schemas.microsoft.com/office/drawing/2010/main">
-        <mc:Choice Requires="a14">
-          <p:sp>
-            <p:nvSpPr>
-              <p:cNvPr id="96" name="ZoneTexte 95"/>
-              <p:cNvSpPr txBox="1"/>
-              <p:nvPr/>
-            </p:nvSpPr>
-            <p:spPr>
-              <a:xfrm>
-                <a:off x="6084168" y="698212"/>
-                <a:ext cx="372345" cy="276999"/>
-              </a:xfrm>
-              <a:prstGeom prst="rect">
-                <a:avLst/>
-              </a:prstGeom>
-              <a:noFill/>
-            </p:spPr>
-            <p:txBody>
-              <a:bodyPr wrap="none" rtlCol="0">
-                <a:spAutoFit/>
-              </a:bodyPr>
-              <a:lstStyle/>
-              <a:p>
-                <a:pPr/>
-                <a14:m>
-                  <m:oMathPara xmlns:m="http://schemas.openxmlformats.org/officeDocument/2006/math">
-                    <m:oMathParaPr>
-                      <m:jc m:val="centerGroup"/>
-                    </m:oMathParaPr>
-                    <m:oMath xmlns:m="http://schemas.openxmlformats.org/officeDocument/2006/math">
-                      <m:acc>
-                        <m:accPr>
-                          <m:chr m:val="⃗"/>
-                          <m:ctrlPr>
-                            <a:rPr lang="fr-FR" sz="1200" b="0" i="1" smtClean="0">
-                              <a:latin typeface="Cambria Math"/>
-                            </a:rPr>
-                          </m:ctrlPr>
-                        </m:accPr>
-                        <m:e>
-                          <m:sSub>
-                            <m:sSubPr>
-                              <m:ctrlPr>
-                                <a:rPr lang="fr-FR" sz="1200" i="1">
-                                  <a:latin typeface="Cambria Math"/>
-                                </a:rPr>
-                              </m:ctrlPr>
-                            </m:sSubPr>
-                            <m:e>
-                              <m:r>
-                                <a:rPr lang="fr-FR" sz="1200" i="1">
-                                  <a:latin typeface="Cambria Math"/>
-                                </a:rPr>
-                                <m:t>𝑥</m:t>
-                              </m:r>
-                            </m:e>
-                            <m:sub>
-                              <m:r>
-                                <a:rPr lang="fr-FR" sz="1200" b="0" i="1" smtClean="0">
-                                  <a:latin typeface="Cambria Math"/>
-                                </a:rPr>
-                                <m:t>4</m:t>
-                              </m:r>
-                            </m:sub>
-                          </m:sSub>
-                        </m:e>
-                      </m:acc>
-                    </m:oMath>
-                  </m:oMathPara>
-                </a14:m>
-                <a:endParaRPr lang="fr-FR" sz="1200" dirty="0"/>
-              </a:p>
-            </p:txBody>
-          </p:sp>
-        </mc:Choice>
-        <mc:Fallback xmlns="">
-          <p:sp>
-            <p:nvSpPr>
-              <p:cNvPr id="96" name="ZoneTexte 95"/>
-              <p:cNvSpPr txBox="1">
-                <a:spLocks noRot="1" noChangeAspect="1" noMove="1" noResize="1" noEditPoints="1" noAdjustHandles="1" noChangeArrowheads="1" noChangeShapeType="1" noTextEdit="1"/>
-              </p:cNvSpPr>
-              <p:nvPr/>
-            </p:nvSpPr>
-            <p:spPr>
-              <a:xfrm>
-                <a:off x="6084168" y="698212"/>
-                <a:ext cx="372345" cy="276999"/>
-              </a:xfrm>
-              <a:prstGeom prst="rect">
-                <a:avLst/>
-              </a:prstGeom>
-              <a:blipFill rotWithShape="1">
-                <a:blip r:embed="rId7"/>
-                <a:stretch>
-                  <a:fillRect/>
-                </a:stretch>
-              </a:blipFill>
-            </p:spPr>
-            <p:txBody>
-              <a:bodyPr/>
-              <a:lstStyle/>
-              <a:p>
-                <a:r>
-                  <a:rPr lang="fr-FR">
-                    <a:noFill/>
-                  </a:rPr>
-                  <a:t> </a:t>
-                </a:r>
-              </a:p>
-            </p:txBody>
-          </p:sp>
-        </mc:Fallback>
-      </mc:AlternateContent>
-      <mc:AlternateContent xmlns:mc="http://schemas.openxmlformats.org/markup-compatibility/2006" xmlns:a14="http://schemas.microsoft.com/office/drawing/2010/main">
-        <mc:Choice Requires="a14">
-          <p:sp>
-            <p:nvSpPr>
-              <p:cNvPr id="100" name="ZoneTexte 99"/>
-              <p:cNvSpPr txBox="1"/>
-              <p:nvPr/>
-            </p:nvSpPr>
-            <p:spPr>
-              <a:xfrm>
-                <a:off x="3093051" y="4730660"/>
-                <a:ext cx="412421" cy="276999"/>
-              </a:xfrm>
-              <a:prstGeom prst="rect">
-                <a:avLst/>
-              </a:prstGeom>
-              <a:noFill/>
-            </p:spPr>
-            <p:txBody>
-              <a:bodyPr wrap="none" rtlCol="0">
-                <a:spAutoFit/>
-              </a:bodyPr>
-              <a:lstStyle/>
-              <a:p>
-                <a:pPr/>
-                <a14:m>
-                  <m:oMathPara xmlns:m="http://schemas.openxmlformats.org/officeDocument/2006/math">
-                    <m:oMathParaPr>
-                      <m:jc m:val="centerGroup"/>
-                    </m:oMathParaPr>
-                    <m:oMath xmlns:m="http://schemas.openxmlformats.org/officeDocument/2006/math">
-                      <m:acc>
-                        <m:accPr>
-                          <m:chr m:val="⃗"/>
-                          <m:ctrlPr>
-                            <a:rPr lang="fr-FR" sz="1200" b="0" i="1" smtClean="0">
-                              <a:latin typeface="Cambria Math"/>
-                            </a:rPr>
-                          </m:ctrlPr>
-                        </m:accPr>
-                        <m:e>
-                          <m:sSub>
-                            <m:sSubPr>
-                              <m:ctrlPr>
-                                <a:rPr lang="fr-FR" sz="1200" i="1">
-                                  <a:latin typeface="Cambria Math"/>
-                                </a:rPr>
-                              </m:ctrlPr>
-                            </m:sSubPr>
-                            <m:e>
-                              <m:r>
-                                <a:rPr lang="fr-FR" sz="1200" i="1">
-                                  <a:latin typeface="Cambria Math"/>
-                                </a:rPr>
-                                <m:t>𝑥</m:t>
-                              </m:r>
-                            </m:e>
-                            <m:sub>
-                              <m:r>
-                                <a:rPr lang="fr-FR" sz="1200" b="0" i="1" smtClean="0">
-                                  <a:latin typeface="Cambria Math"/>
-                                </a:rPr>
-                                <m:t>0</m:t>
-                              </m:r>
-                            </m:sub>
-                          </m:sSub>
-                        </m:e>
-                      </m:acc>
-                      <m:r>
-                        <a:rPr lang="fr-FR" sz="1200" b="0" i="1" smtClean="0">
-                          <a:latin typeface="Cambria Math"/>
-                        </a:rPr>
-                        <m:t>′</m:t>
-                      </m:r>
-                    </m:oMath>
-                  </m:oMathPara>
-                </a14:m>
-                <a:endParaRPr lang="fr-FR" sz="1200" dirty="0"/>
-              </a:p>
-            </p:txBody>
-          </p:sp>
-        </mc:Choice>
-        <mc:Fallback xmlns="">
-          <p:sp>
-            <p:nvSpPr>
-              <p:cNvPr id="100" name="ZoneTexte 99"/>
-              <p:cNvSpPr txBox="1">
-                <a:spLocks noRot="1" noChangeAspect="1" noMove="1" noResize="1" noEditPoints="1" noAdjustHandles="1" noChangeArrowheads="1" noChangeShapeType="1" noTextEdit="1"/>
-              </p:cNvSpPr>
-              <p:nvPr/>
-            </p:nvSpPr>
-            <p:spPr>
-              <a:xfrm>
-                <a:off x="3093051" y="4730660"/>
-                <a:ext cx="412421" cy="276999"/>
-              </a:xfrm>
-              <a:prstGeom prst="rect">
-                <a:avLst/>
-              </a:prstGeom>
-              <a:blipFill rotWithShape="1">
-                <a:blip r:embed="rId8"/>
-                <a:stretch>
-                  <a:fillRect/>
-                </a:stretch>
-              </a:blipFill>
-            </p:spPr>
-            <p:txBody>
-              <a:bodyPr/>
-              <a:lstStyle/>
-              <a:p>
-                <a:r>
-                  <a:rPr lang="fr-FR">
-                    <a:noFill/>
-                  </a:rPr>
-                  <a:t> </a:t>
-                </a:r>
-              </a:p>
-            </p:txBody>
-          </p:sp>
-        </mc:Fallback>
-      </mc:AlternateContent>
-      <mc:AlternateContent xmlns:mc="http://schemas.openxmlformats.org/markup-compatibility/2006" xmlns:a14="http://schemas.microsoft.com/office/drawing/2010/main">
-        <mc:Choice Requires="a14">
-          <p:sp>
-            <p:nvSpPr>
-              <p:cNvPr id="103" name="ZoneTexte 102"/>
-              <p:cNvSpPr txBox="1"/>
-              <p:nvPr/>
-            </p:nvSpPr>
-            <p:spPr>
-              <a:xfrm>
-                <a:off x="2323910" y="1761420"/>
-                <a:ext cx="414023" cy="276999"/>
-              </a:xfrm>
-              <a:prstGeom prst="rect">
-                <a:avLst/>
-              </a:prstGeom>
-              <a:noFill/>
-            </p:spPr>
-            <p:txBody>
-              <a:bodyPr wrap="none" rtlCol="0">
-                <a:spAutoFit/>
-              </a:bodyPr>
-              <a:lstStyle/>
-              <a:p>
-                <a:pPr/>
-                <a14:m>
-                  <m:oMathPara xmlns:m="http://schemas.openxmlformats.org/officeDocument/2006/math">
-                    <m:oMathParaPr>
-                      <m:jc m:val="centerGroup"/>
-                    </m:oMathParaPr>
-                    <m:oMath xmlns:m="http://schemas.openxmlformats.org/officeDocument/2006/math">
-                      <m:acc>
-                        <m:accPr>
-                          <m:chr m:val="⃗"/>
-                          <m:ctrlPr>
-                            <a:rPr lang="fr-FR" sz="1200" b="0" i="1" smtClean="0">
-                              <a:latin typeface="Cambria Math"/>
-                            </a:rPr>
-                          </m:ctrlPr>
-                        </m:accPr>
-                        <m:e>
-                          <m:sSub>
-                            <m:sSubPr>
-                              <m:ctrlPr>
-                                <a:rPr lang="fr-FR" sz="1200" i="1">
-                                  <a:latin typeface="Cambria Math"/>
-                                </a:rPr>
-                              </m:ctrlPr>
-                            </m:sSubPr>
-                            <m:e>
-                              <m:r>
-                                <a:rPr lang="fr-FR" sz="1200" b="0" i="1" smtClean="0">
-                                  <a:latin typeface="Cambria Math"/>
-                                </a:rPr>
-                                <m:t>𝑦</m:t>
-                              </m:r>
-                            </m:e>
-                            <m:sub>
-                              <m:r>
-                                <a:rPr lang="fr-FR" sz="1200" b="0" i="1" smtClean="0">
-                                  <a:latin typeface="Cambria Math"/>
-                                </a:rPr>
-                                <m:t>0</m:t>
-                              </m:r>
-                            </m:sub>
-                          </m:sSub>
-                        </m:e>
-                      </m:acc>
-                      <m:r>
-                        <a:rPr lang="fr-FR" sz="1200" b="0" i="1" smtClean="0">
-                          <a:latin typeface="Cambria Math"/>
-                        </a:rPr>
-                        <m:t>′</m:t>
-                      </m:r>
-                    </m:oMath>
-                  </m:oMathPara>
-                </a14:m>
-                <a:endParaRPr lang="fr-FR" sz="1200" dirty="0"/>
-              </a:p>
-            </p:txBody>
-          </p:sp>
-        </mc:Choice>
-        <mc:Fallback xmlns="">
-          <p:sp>
-            <p:nvSpPr>
-              <p:cNvPr id="103" name="ZoneTexte 102"/>
-              <p:cNvSpPr txBox="1">
-                <a:spLocks noRot="1" noChangeAspect="1" noMove="1" noResize="1" noEditPoints="1" noAdjustHandles="1" noChangeArrowheads="1" noChangeShapeType="1" noTextEdit="1"/>
-              </p:cNvSpPr>
-              <p:nvPr/>
-            </p:nvSpPr>
-            <p:spPr>
-              <a:xfrm>
-                <a:off x="2323910" y="1761420"/>
-                <a:ext cx="414023" cy="276999"/>
-              </a:xfrm>
-              <a:prstGeom prst="rect">
-                <a:avLst/>
-              </a:prstGeom>
-              <a:blipFill rotWithShape="1">
-                <a:blip r:embed="rId9"/>
-                <a:stretch>
-                  <a:fillRect/>
-                </a:stretch>
-              </a:blipFill>
-            </p:spPr>
-            <p:txBody>
-              <a:bodyPr/>
-              <a:lstStyle/>
-              <a:p>
-                <a:r>
-                  <a:rPr lang="fr-FR">
-                    <a:noFill/>
-                  </a:rPr>
-                  <a:t> </a:t>
-                </a:r>
-              </a:p>
-            </p:txBody>
-          </p:sp>
-        </mc:Fallback>
-      </mc:AlternateContent>
-      <p:cxnSp>
-        <p:nvCxnSpPr>
-          <p:cNvPr id="104" name="Connecteur droit avec flèche 103"/>
-          <p:cNvCxnSpPr>
-            <a:stCxn id="6" idx="6"/>
-          </p:cNvCxnSpPr>
-          <p:nvPr/>
-        </p:nvCxnSpPr>
-        <p:spPr>
-          <a:xfrm>
-            <a:off x="2915816" y="4221088"/>
-            <a:ext cx="633214" cy="0"/>
-          </a:xfrm>
-          <a:prstGeom prst="straightConnector1">
-            <a:avLst/>
-          </a:prstGeom>
-          <a:ln w="19050">
-            <a:solidFill>
-              <a:schemeClr val="tx1"/>
-            </a:solidFill>
-            <a:tailEnd type="stealth" w="med" len="lg"/>
-          </a:ln>
-        </p:spPr>
-        <p:style>
-          <a:lnRef idx="1">
-            <a:schemeClr val="accent1"/>
-          </a:lnRef>
-          <a:fillRef idx="0">
-            <a:schemeClr val="accent1"/>
-          </a:fillRef>
-          <a:effectRef idx="0">
-            <a:schemeClr val="accent1"/>
-          </a:effectRef>
-          <a:fontRef idx="minor">
-            <a:schemeClr val="tx1"/>
-          </a:fontRef>
-        </p:style>
-      </p:cxnSp>
-      <mc:AlternateContent xmlns:mc="http://schemas.openxmlformats.org/markup-compatibility/2006" xmlns:a14="http://schemas.microsoft.com/office/drawing/2010/main">
-        <mc:Choice Requires="a14">
-          <p:sp>
-            <p:nvSpPr>
-              <p:cNvPr id="108" name="ZoneTexte 107"/>
-              <p:cNvSpPr txBox="1"/>
-              <p:nvPr/>
-            </p:nvSpPr>
-            <p:spPr>
-              <a:xfrm>
-                <a:off x="3572384" y="4077072"/>
-                <a:ext cx="372345" cy="276999"/>
-              </a:xfrm>
-              <a:prstGeom prst="rect">
-                <a:avLst/>
-              </a:prstGeom>
-              <a:noFill/>
-            </p:spPr>
-            <p:txBody>
-              <a:bodyPr wrap="none" rtlCol="0">
-                <a:spAutoFit/>
-              </a:bodyPr>
-              <a:lstStyle/>
-              <a:p>
-                <a:pPr/>
-                <a14:m>
-                  <m:oMathPara xmlns:m="http://schemas.openxmlformats.org/officeDocument/2006/math">
-                    <m:oMathParaPr>
-                      <m:jc m:val="centerGroup"/>
-                    </m:oMathParaPr>
-                    <m:oMath xmlns:m="http://schemas.openxmlformats.org/officeDocument/2006/math">
-                      <m:acc>
-                        <m:accPr>
-                          <m:chr m:val="⃗"/>
-                          <m:ctrlPr>
-                            <a:rPr lang="fr-FR" sz="1200" b="0" i="1" smtClean="0">
-                              <a:latin typeface="Cambria Math"/>
-                            </a:rPr>
-                          </m:ctrlPr>
-                        </m:accPr>
-                        <m:e>
-                          <m:sSub>
-                            <m:sSubPr>
-                              <m:ctrlPr>
-                                <a:rPr lang="fr-FR" sz="1200" i="1">
-                                  <a:latin typeface="Cambria Math"/>
-                                </a:rPr>
-                              </m:ctrlPr>
-                            </m:sSubPr>
-                            <m:e>
-                              <m:r>
-                                <a:rPr lang="fr-FR" sz="1200" i="1">
-                                  <a:latin typeface="Cambria Math"/>
-                                </a:rPr>
-                                <m:t>𝑥</m:t>
-                              </m:r>
-                            </m:e>
-                            <m:sub>
-                              <m:r>
-                                <a:rPr lang="fr-FR" sz="1200" b="0" i="1" smtClean="0">
-                                  <a:latin typeface="Cambria Math"/>
-                                </a:rPr>
-                                <m:t>0</m:t>
-                              </m:r>
-                            </m:sub>
-                          </m:sSub>
-                        </m:e>
-                      </m:acc>
-                    </m:oMath>
-                  </m:oMathPara>
-                </a14:m>
-                <a:endParaRPr lang="fr-FR" sz="1200" dirty="0"/>
-              </a:p>
-            </p:txBody>
-          </p:sp>
-        </mc:Choice>
-        <mc:Fallback xmlns="">
-          <p:sp>
-            <p:nvSpPr>
-              <p:cNvPr id="108" name="ZoneTexte 107"/>
-              <p:cNvSpPr txBox="1">
-                <a:spLocks noRot="1" noChangeAspect="1" noMove="1" noResize="1" noEditPoints="1" noAdjustHandles="1" noChangeArrowheads="1" noChangeShapeType="1" noTextEdit="1"/>
-              </p:cNvSpPr>
-              <p:nvPr/>
-            </p:nvSpPr>
-            <p:spPr>
-              <a:xfrm>
-                <a:off x="3572384" y="4077072"/>
-                <a:ext cx="372345" cy="276999"/>
-              </a:xfrm>
-              <a:prstGeom prst="rect">
-                <a:avLst/>
-              </a:prstGeom>
-              <a:blipFill rotWithShape="1">
-                <a:blip r:embed="rId10"/>
-                <a:stretch>
-                  <a:fillRect/>
-                </a:stretch>
-              </a:blipFill>
-            </p:spPr>
-            <p:txBody>
-              <a:bodyPr/>
-              <a:lstStyle/>
-              <a:p>
-                <a:r>
-                  <a:rPr lang="fr-FR">
-                    <a:noFill/>
-                  </a:rPr>
-                  <a:t> </a:t>
-                </a:r>
-              </a:p>
-            </p:txBody>
-          </p:sp>
-        </mc:Fallback>
-      </mc:AlternateContent>
-      <p:sp>
-        <p:nvSpPr>
-          <p:cNvPr id="48" name="Arc 47"/>
-          <p:cNvSpPr/>
-          <p:nvPr/>
-        </p:nvSpPr>
-        <p:spPr>
-          <a:xfrm>
-            <a:off x="1994570" y="3438341"/>
-            <a:ext cx="1742112" cy="1742112"/>
-          </a:xfrm>
-          <a:prstGeom prst="arc">
-            <a:avLst>
-              <a:gd name="adj1" fmla="val 390941"/>
-              <a:gd name="adj2" fmla="val 2517803"/>
-            </a:avLst>
-          </a:prstGeom>
-          <a:ln w="19050">
-            <a:headEnd type="stealth" w="med" len="lg"/>
-            <a:tailEnd type="none" w="sm" len="med"/>
-          </a:ln>
-        </p:spPr>
-        <p:style>
-          <a:lnRef idx="1">
-            <a:schemeClr val="accent1"/>
-          </a:lnRef>
-          <a:fillRef idx="0">
-            <a:schemeClr val="accent1"/>
-          </a:fillRef>
-          <a:effectRef idx="0">
-            <a:schemeClr val="accent1"/>
-          </a:effectRef>
-          <a:fontRef idx="minor">
-            <a:schemeClr val="tx1"/>
-          </a:fontRef>
-        </p:style>
-        <p:txBody>
-          <a:bodyPr rtlCol="0" anchor="ctr"/>
-          <a:lstStyle/>
-          <a:p>
-            <a:pPr algn="ctr"/>
-            <a:endParaRPr lang="fr-FR"/>
-          </a:p>
-        </p:txBody>
-      </p:sp>
-      <p:sp>
-        <p:nvSpPr>
-          <p:cNvPr id="110" name="Arc 109"/>
-          <p:cNvSpPr/>
-          <p:nvPr/>
-        </p:nvSpPr>
-        <p:spPr>
-          <a:xfrm>
-            <a:off x="2213612" y="3672587"/>
-            <a:ext cx="1097002" cy="1097002"/>
-          </a:xfrm>
-          <a:prstGeom prst="arc">
-            <a:avLst>
-              <a:gd name="adj1" fmla="val 19296342"/>
-              <a:gd name="adj2" fmla="val 2408069"/>
-            </a:avLst>
-          </a:prstGeom>
-          <a:ln w="19050">
-            <a:headEnd type="stealth" w="med" len="lg"/>
-            <a:tailEnd type="none" w="sm" len="med"/>
-          </a:ln>
-        </p:spPr>
-        <p:style>
-          <a:lnRef idx="1">
-            <a:schemeClr val="accent1"/>
-          </a:lnRef>
-          <a:fillRef idx="0">
-            <a:schemeClr val="accent1"/>
-          </a:fillRef>
-          <a:effectRef idx="0">
-            <a:schemeClr val="accent1"/>
-          </a:effectRef>
-          <a:fontRef idx="minor">
-            <a:schemeClr val="tx1"/>
-          </a:fontRef>
-        </p:style>
-        <p:txBody>
-          <a:bodyPr rtlCol="0" anchor="ctr"/>
-          <a:lstStyle/>
-          <a:p>
-            <a:pPr algn="ctr"/>
-            <a:endParaRPr lang="fr-FR"/>
-          </a:p>
-        </p:txBody>
-      </p:sp>
-      <mc:AlternateContent xmlns:mc="http://schemas.openxmlformats.org/markup-compatibility/2006" xmlns:a14="http://schemas.microsoft.com/office/drawing/2010/main">
-        <mc:Choice Requires="a14">
-          <p:sp>
-            <p:nvSpPr>
-              <p:cNvPr id="111" name="ZoneTexte 110"/>
-              <p:cNvSpPr txBox="1"/>
-              <p:nvPr/>
-            </p:nvSpPr>
-            <p:spPr>
-              <a:xfrm>
-                <a:off x="3333861" y="3776686"/>
-                <a:ext cx="503921" cy="276999"/>
-              </a:xfrm>
-              <a:prstGeom prst="rect">
-                <a:avLst/>
-              </a:prstGeom>
-              <a:noFill/>
-            </p:spPr>
-            <p:txBody>
-              <a:bodyPr wrap="none" rtlCol="0">
-                <a:spAutoFit/>
-              </a:bodyPr>
-              <a:lstStyle/>
-              <a:p>
-                <a:pPr/>
-                <a14:m>
-                  <m:oMathPara xmlns:m="http://schemas.openxmlformats.org/officeDocument/2006/math">
-                    <m:oMathParaPr>
-                      <m:jc m:val="centerGroup"/>
-                    </m:oMathParaPr>
-                    <m:oMath xmlns:m="http://schemas.openxmlformats.org/officeDocument/2006/math">
-                      <m:r>
-                        <a:rPr lang="fr-FR" sz="1200" b="0" i="1" smtClean="0">
-                          <a:latin typeface="Cambria Math"/>
-                        </a:rPr>
-                        <m:t>𝜃</m:t>
-                      </m:r>
-                      <m:r>
-                        <a:rPr lang="fr-FR" sz="1200" b="0" i="1" smtClean="0">
-                          <a:latin typeface="Cambria Math"/>
-                        </a:rPr>
-                        <m:t>(</m:t>
-                      </m:r>
-                      <m:r>
-                        <a:rPr lang="fr-FR" sz="1200" b="0" i="1" smtClean="0">
-                          <a:latin typeface="Cambria Math"/>
-                        </a:rPr>
-                        <m:t>𝑡</m:t>
-                      </m:r>
-                      <m:r>
-                        <a:rPr lang="fr-FR" sz="1200" b="0" i="1" smtClean="0">
-                          <a:latin typeface="Cambria Math"/>
-                        </a:rPr>
-                        <m:t>)</m:t>
-                      </m:r>
-                    </m:oMath>
-                  </m:oMathPara>
-                </a14:m>
-                <a:endParaRPr lang="fr-FR" sz="1200" dirty="0"/>
-              </a:p>
-            </p:txBody>
-          </p:sp>
-        </mc:Choice>
-        <mc:Fallback xmlns="">
-          <p:sp>
-            <p:nvSpPr>
-              <p:cNvPr id="111" name="ZoneTexte 110"/>
-              <p:cNvSpPr txBox="1">
-                <a:spLocks noRot="1" noChangeAspect="1" noMove="1" noResize="1" noEditPoints="1" noAdjustHandles="1" noChangeArrowheads="1" noChangeShapeType="1" noTextEdit="1"/>
-              </p:cNvSpPr>
-              <p:nvPr/>
-            </p:nvSpPr>
-            <p:spPr>
-              <a:xfrm>
-                <a:off x="3333861" y="3776686"/>
-                <a:ext cx="503921" cy="276999"/>
-              </a:xfrm>
-              <a:prstGeom prst="rect">
-                <a:avLst/>
-              </a:prstGeom>
-              <a:blipFill rotWithShape="1">
-                <a:blip r:embed="rId11"/>
-                <a:stretch>
-                  <a:fillRect b="-8889"/>
-                </a:stretch>
-              </a:blipFill>
-            </p:spPr>
-            <p:txBody>
-              <a:bodyPr/>
-              <a:lstStyle/>
-              <a:p>
-                <a:r>
-                  <a:rPr lang="fr-FR">
-                    <a:noFill/>
-                  </a:rPr>
-                  <a:t> </a:t>
-                </a:r>
-              </a:p>
-            </p:txBody>
-          </p:sp>
-        </mc:Fallback>
-      </mc:AlternateContent>
-      <mc:AlternateContent xmlns:mc="http://schemas.openxmlformats.org/markup-compatibility/2006" xmlns:a14="http://schemas.microsoft.com/office/drawing/2010/main">
-        <mc:Choice Requires="a14">
-          <p:sp>
-            <p:nvSpPr>
-              <p:cNvPr id="112" name="ZoneTexte 111"/>
-              <p:cNvSpPr txBox="1"/>
-              <p:nvPr/>
-            </p:nvSpPr>
-            <p:spPr>
-              <a:xfrm>
-                <a:off x="3170978" y="4340133"/>
-                <a:ext cx="553421" cy="276999"/>
-              </a:xfrm>
-              <a:prstGeom prst="rect">
-                <a:avLst/>
-              </a:prstGeom>
-              <a:noFill/>
-            </p:spPr>
-            <p:txBody>
-              <a:bodyPr wrap="none" rtlCol="0">
-                <a:spAutoFit/>
-              </a:bodyPr>
-              <a:lstStyle/>
-              <a:p>
-                <a:pPr/>
-                <a14:m>
-                  <m:oMathPara xmlns:m="http://schemas.openxmlformats.org/officeDocument/2006/math">
-                    <m:oMathParaPr>
-                      <m:jc m:val="centerGroup"/>
-                    </m:oMathParaPr>
-                    <m:oMath xmlns:m="http://schemas.openxmlformats.org/officeDocument/2006/math">
-                      <m:sSup>
-                        <m:sSupPr>
-                          <m:ctrlPr>
-                            <a:rPr lang="fr-FR" sz="1200" b="0" i="1" smtClean="0">
-                              <a:latin typeface="Cambria Math"/>
-                            </a:rPr>
-                          </m:ctrlPr>
-                        </m:sSupPr>
-                        <m:e>
-                          <m:r>
-                            <a:rPr lang="fr-FR" sz="1200" b="0" i="1" smtClean="0">
-                              <a:latin typeface="Cambria Math"/>
-                            </a:rPr>
-                            <m:t>𝜃</m:t>
-                          </m:r>
-                        </m:e>
-                        <m:sup>
-                          <m:r>
-                            <a:rPr lang="fr-FR" sz="1200" b="0" i="1" smtClean="0">
-                              <a:latin typeface="Cambria Math"/>
-                            </a:rPr>
-                            <m:t>′</m:t>
-                          </m:r>
-                        </m:sup>
-                      </m:sSup>
-                      <m:r>
-                        <a:rPr lang="fr-FR" sz="1200" b="0" i="1" smtClean="0">
-                          <a:latin typeface="Cambria Math"/>
-                        </a:rPr>
-                        <m:t>(</m:t>
-                      </m:r>
-                      <m:r>
-                        <a:rPr lang="fr-FR" sz="1200" b="0" i="1" smtClean="0">
-                          <a:latin typeface="Cambria Math"/>
-                        </a:rPr>
-                        <m:t>𝑡</m:t>
-                      </m:r>
-                      <m:r>
-                        <a:rPr lang="fr-FR" sz="1200" b="0" i="1" smtClean="0">
-                          <a:latin typeface="Cambria Math"/>
-                        </a:rPr>
-                        <m:t>)</m:t>
-                      </m:r>
-                    </m:oMath>
-                  </m:oMathPara>
-                </a14:m>
-                <a:endParaRPr lang="fr-FR" sz="1200" dirty="0"/>
-              </a:p>
-            </p:txBody>
-          </p:sp>
-        </mc:Choice>
-        <mc:Fallback xmlns="">
-          <p:sp>
-            <p:nvSpPr>
-              <p:cNvPr id="112" name="ZoneTexte 111"/>
-              <p:cNvSpPr txBox="1">
-                <a:spLocks noRot="1" noChangeAspect="1" noMove="1" noResize="1" noEditPoints="1" noAdjustHandles="1" noChangeArrowheads="1" noChangeShapeType="1" noTextEdit="1"/>
-              </p:cNvSpPr>
-              <p:nvPr/>
-            </p:nvSpPr>
-            <p:spPr>
-              <a:xfrm>
-                <a:off x="3170978" y="4340133"/>
-                <a:ext cx="553421" cy="276999"/>
-              </a:xfrm>
-              <a:prstGeom prst="rect">
-                <a:avLst/>
-              </a:prstGeom>
-              <a:blipFill rotWithShape="1">
-                <a:blip r:embed="rId12"/>
-                <a:stretch>
-                  <a:fillRect b="-8889"/>
-                </a:stretch>
-              </a:blipFill>
-            </p:spPr>
-            <p:txBody>
-              <a:bodyPr/>
-              <a:lstStyle/>
-              <a:p>
-                <a:r>
-                  <a:rPr lang="fr-FR">
-                    <a:noFill/>
-                  </a:rPr>
-                  <a:t> </a:t>
-                </a:r>
-              </a:p>
-            </p:txBody>
-          </p:sp>
-        </mc:Fallback>
-      </mc:AlternateContent>
-      <p:sp>
-        <p:nvSpPr>
-          <p:cNvPr id="113" name="Arc 112"/>
-          <p:cNvSpPr/>
-          <p:nvPr/>
-        </p:nvSpPr>
-        <p:spPr>
-          <a:xfrm>
-            <a:off x="2124539" y="3573016"/>
-            <a:ext cx="1296144" cy="1296144"/>
-          </a:xfrm>
-          <a:prstGeom prst="arc">
-            <a:avLst>
-              <a:gd name="adj1" fmla="val 19296342"/>
-              <a:gd name="adj2" fmla="val 21169866"/>
-            </a:avLst>
-          </a:prstGeom>
-          <a:ln w="19050">
-            <a:headEnd type="stealth" w="med" len="lg"/>
-            <a:tailEnd type="none" w="sm" len="med"/>
-          </a:ln>
-        </p:spPr>
-        <p:style>
-          <a:lnRef idx="1">
-            <a:schemeClr val="accent1"/>
-          </a:lnRef>
-          <a:fillRef idx="0">
-            <a:schemeClr val="accent1"/>
-          </a:fillRef>
-          <a:effectRef idx="0">
-            <a:schemeClr val="accent1"/>
-          </a:effectRef>
-          <a:fontRef idx="minor">
-            <a:schemeClr val="tx1"/>
-          </a:fontRef>
-        </p:style>
-        <p:txBody>
-          <a:bodyPr rtlCol="0" anchor="ctr"/>
-          <a:lstStyle/>
-          <a:p>
-            <a:pPr algn="ctr"/>
-            <a:endParaRPr lang="fr-FR"/>
-          </a:p>
-        </p:txBody>
-      </p:sp>
-      <mc:AlternateContent xmlns:mc="http://schemas.openxmlformats.org/markup-compatibility/2006" xmlns:a14="http://schemas.microsoft.com/office/drawing/2010/main">
-        <mc:Choice Requires="a14">
-          <p:sp>
-            <p:nvSpPr>
-              <p:cNvPr id="114" name="ZoneTexte 113"/>
-              <p:cNvSpPr txBox="1"/>
-              <p:nvPr/>
-            </p:nvSpPr>
-            <p:spPr>
-              <a:xfrm>
-                <a:off x="3632338" y="4505045"/>
-                <a:ext cx="317587" cy="276999"/>
-              </a:xfrm>
-              <a:prstGeom prst="rect">
-                <a:avLst/>
-              </a:prstGeom>
-              <a:noFill/>
-            </p:spPr>
-            <p:txBody>
-              <a:bodyPr wrap="none" rtlCol="0">
-                <a:spAutoFit/>
-              </a:bodyPr>
-              <a:lstStyle/>
-              <a:p>
-                <a:pPr/>
-                <a14:m>
-                  <m:oMathPara xmlns:m="http://schemas.openxmlformats.org/officeDocument/2006/math">
-                    <m:oMathParaPr>
-                      <m:jc m:val="centerGroup"/>
-                    </m:oMathParaPr>
-                    <m:oMath xmlns:m="http://schemas.openxmlformats.org/officeDocument/2006/math">
-                      <m:r>
-                        <a:rPr lang="fr-FR" sz="1200" b="0" i="1" smtClean="0">
-                          <a:latin typeface="Cambria Math"/>
-                        </a:rPr>
-                        <m:t>𝛼</m:t>
-                      </m:r>
-                    </m:oMath>
-                  </m:oMathPara>
-                </a14:m>
-                <a:endParaRPr lang="fr-FR" sz="1200" dirty="0"/>
-              </a:p>
-            </p:txBody>
-          </p:sp>
-        </mc:Choice>
-        <mc:Fallback xmlns="">
-          <p:sp>
-            <p:nvSpPr>
-              <p:cNvPr id="114" name="ZoneTexte 113"/>
-              <p:cNvSpPr txBox="1">
-                <a:spLocks noRot="1" noChangeAspect="1" noMove="1" noResize="1" noEditPoints="1" noAdjustHandles="1" noChangeArrowheads="1" noChangeShapeType="1" noTextEdit="1"/>
-              </p:cNvSpPr>
-              <p:nvPr/>
-            </p:nvSpPr>
-            <p:spPr>
-              <a:xfrm>
-                <a:off x="3632338" y="4505045"/>
-                <a:ext cx="317587" cy="276999"/>
-              </a:xfrm>
-              <a:prstGeom prst="rect">
-                <a:avLst/>
-              </a:prstGeom>
-              <a:blipFill rotWithShape="1">
-                <a:blip r:embed="rId13"/>
-                <a:stretch>
-                  <a:fillRect/>
-                </a:stretch>
-              </a:blipFill>
-            </p:spPr>
-            <p:txBody>
-              <a:bodyPr/>
-              <a:lstStyle/>
-              <a:p>
-                <a:r>
-                  <a:rPr lang="fr-FR">
-                    <a:noFill/>
-                  </a:rPr>
-                  <a:t> </a:t>
-                </a:r>
-              </a:p>
-            </p:txBody>
-          </p:sp>
-        </mc:Fallback>
-      </mc:AlternateContent>
-      <p:sp>
-        <p:nvSpPr>
-          <p:cNvPr id="126" name="Arc 125"/>
-          <p:cNvSpPr/>
-          <p:nvPr/>
-        </p:nvSpPr>
-        <p:spPr>
-          <a:xfrm>
-            <a:off x="167793" y="1417127"/>
-            <a:ext cx="2498058" cy="2498058"/>
-          </a:xfrm>
-          <a:prstGeom prst="arc">
-            <a:avLst>
-              <a:gd name="adj1" fmla="val 987784"/>
-              <a:gd name="adj2" fmla="val 2517803"/>
-            </a:avLst>
-          </a:prstGeom>
-          <a:ln w="19050">
-            <a:headEnd type="stealth" w="med" len="lg"/>
-            <a:tailEnd type="none" w="sm" len="med"/>
-          </a:ln>
-        </p:spPr>
-        <p:style>
-          <a:lnRef idx="1">
-            <a:schemeClr val="accent1"/>
-          </a:lnRef>
-          <a:fillRef idx="0">
-            <a:schemeClr val="accent1"/>
-          </a:fillRef>
-          <a:effectRef idx="0">
-            <a:schemeClr val="accent1"/>
-          </a:effectRef>
-          <a:fontRef idx="minor">
-            <a:schemeClr val="tx1"/>
-          </a:fontRef>
-        </p:style>
-        <p:txBody>
-          <a:bodyPr rtlCol="0" anchor="ctr"/>
-          <a:lstStyle/>
-          <a:p>
-            <a:pPr algn="ctr"/>
-            <a:endParaRPr lang="fr-FR"/>
-          </a:p>
-        </p:txBody>
-      </p:sp>
-      <mc:AlternateContent xmlns:mc="http://schemas.openxmlformats.org/markup-compatibility/2006" xmlns:a14="http://schemas.microsoft.com/office/drawing/2010/main">
-        <mc:Choice Requires="a14">
-          <p:sp>
-            <p:nvSpPr>
-              <p:cNvPr id="127" name="ZoneTexte 126"/>
-              <p:cNvSpPr txBox="1"/>
-              <p:nvPr/>
-            </p:nvSpPr>
-            <p:spPr>
-              <a:xfrm>
-                <a:off x="2420346" y="3231200"/>
-                <a:ext cx="317587" cy="276999"/>
-              </a:xfrm>
-              <a:prstGeom prst="rect">
-                <a:avLst/>
-              </a:prstGeom>
-              <a:noFill/>
-            </p:spPr>
-            <p:txBody>
-              <a:bodyPr wrap="none" rtlCol="0">
-                <a:spAutoFit/>
-              </a:bodyPr>
-              <a:lstStyle/>
-              <a:p>
-                <a:pPr/>
-                <a14:m>
-                  <m:oMathPara xmlns:m="http://schemas.openxmlformats.org/officeDocument/2006/math">
-                    <m:oMathParaPr>
-                      <m:jc m:val="centerGroup"/>
-                    </m:oMathParaPr>
-                    <m:oMath xmlns:m="http://schemas.openxmlformats.org/officeDocument/2006/math">
-                      <m:r>
-                        <a:rPr lang="fr-FR" sz="1200" b="0" i="1" smtClean="0">
-                          <a:latin typeface="Cambria Math"/>
-                        </a:rPr>
-                        <m:t>𝛽</m:t>
-                      </m:r>
-                    </m:oMath>
-                  </m:oMathPara>
-                </a14:m>
-                <a:endParaRPr lang="fr-FR" sz="1200" dirty="0"/>
-              </a:p>
-            </p:txBody>
-          </p:sp>
-        </mc:Choice>
-        <mc:Fallback xmlns="">
-          <p:sp>
-            <p:nvSpPr>
-              <p:cNvPr id="127" name="ZoneTexte 126"/>
-              <p:cNvSpPr txBox="1">
-                <a:spLocks noRot="1" noChangeAspect="1" noMove="1" noResize="1" noEditPoints="1" noAdjustHandles="1" noChangeArrowheads="1" noChangeShapeType="1" noTextEdit="1"/>
-              </p:cNvSpPr>
-              <p:nvPr/>
-            </p:nvSpPr>
-            <p:spPr>
-              <a:xfrm>
-                <a:off x="2420346" y="3231200"/>
-                <a:ext cx="317587" cy="276999"/>
-              </a:xfrm>
-              <a:prstGeom prst="rect">
-                <a:avLst/>
-              </a:prstGeom>
-              <a:blipFill rotWithShape="1">
-                <a:blip r:embed="rId14"/>
-                <a:stretch>
-                  <a:fillRect b="-4444"/>
-                </a:stretch>
-              </a:blipFill>
-            </p:spPr>
-            <p:txBody>
-              <a:bodyPr/>
-              <a:lstStyle/>
-              <a:p>
-                <a:r>
-                  <a:rPr lang="fr-FR">
-                    <a:noFill/>
-                  </a:rPr>
-                  <a:t> </a:t>
-                </a:r>
-              </a:p>
-            </p:txBody>
-          </p:sp>
-        </mc:Fallback>
-      </mc:AlternateContent>
-      <p:grpSp>
-        <p:nvGrpSpPr>
-          <p:cNvPr id="58" name="Groupe 57"/>
-          <p:cNvGrpSpPr/>
-          <p:nvPr/>
-        </p:nvGrpSpPr>
-        <p:grpSpPr>
-          <a:xfrm>
-            <a:off x="6014716" y="975211"/>
-            <a:ext cx="1745369" cy="1666470"/>
-            <a:chOff x="5262233" y="3152282"/>
-            <a:chExt cx="1745369" cy="1666470"/>
-          </a:xfrm>
-        </p:grpSpPr>
-        <p:grpSp>
-          <p:nvGrpSpPr>
-            <p:cNvPr id="57" name="Groupe 56"/>
-            <p:cNvGrpSpPr/>
-            <p:nvPr/>
-          </p:nvGrpSpPr>
-          <p:grpSpPr>
-            <a:xfrm>
-              <a:off x="5940152" y="3401722"/>
-              <a:ext cx="749927" cy="749927"/>
-              <a:chOff x="5294563" y="3372196"/>
-              <a:chExt cx="749927" cy="749927"/>
-            </a:xfrm>
-          </p:grpSpPr>
-          <p:cxnSp>
-            <p:nvCxnSpPr>
-              <p:cNvPr id="115" name="Connecteur droit avec flèche 114"/>
-              <p:cNvCxnSpPr/>
-              <p:nvPr/>
-            </p:nvCxnSpPr>
-            <p:spPr>
-              <a:xfrm>
-                <a:off x="5294563" y="4119730"/>
-                <a:ext cx="749927" cy="0"/>
-              </a:xfrm>
-              <a:prstGeom prst="straightConnector1">
-                <a:avLst/>
-              </a:prstGeom>
-              <a:ln w="19050">
-                <a:solidFill>
-                  <a:schemeClr val="tx1"/>
-                </a:solidFill>
-                <a:tailEnd type="stealth" w="med" len="lg"/>
-              </a:ln>
-            </p:spPr>
-            <p:style>
-              <a:lnRef idx="1">
-                <a:schemeClr val="accent1"/>
-              </a:lnRef>
-              <a:fillRef idx="0">
-                <a:schemeClr val="accent1"/>
-              </a:fillRef>
-              <a:effectRef idx="0">
-                <a:schemeClr val="accent1"/>
-              </a:effectRef>
-              <a:fontRef idx="minor">
-                <a:schemeClr val="tx1"/>
-              </a:fontRef>
-            </p:style>
-          </p:cxnSp>
-          <p:cxnSp>
-            <p:nvCxnSpPr>
-              <p:cNvPr id="120" name="Connecteur droit avec flèche 119"/>
-              <p:cNvCxnSpPr/>
-              <p:nvPr/>
-            </p:nvCxnSpPr>
-            <p:spPr>
-              <a:xfrm rot="16200000">
-                <a:off x="4919600" y="3747160"/>
-                <a:ext cx="749927" cy="0"/>
-              </a:xfrm>
-              <a:prstGeom prst="straightConnector1">
-                <a:avLst/>
-              </a:prstGeom>
-              <a:ln w="19050">
-                <a:solidFill>
-                  <a:schemeClr val="tx1"/>
-                </a:solidFill>
-                <a:tailEnd type="stealth" w="med" len="lg"/>
-              </a:ln>
-            </p:spPr>
-            <p:style>
-              <a:lnRef idx="1">
-                <a:schemeClr val="accent1"/>
-              </a:lnRef>
-              <a:fillRef idx="0">
-                <a:schemeClr val="accent1"/>
-              </a:fillRef>
-              <a:effectRef idx="0">
-                <a:schemeClr val="accent1"/>
-              </a:effectRef>
-              <a:fontRef idx="minor">
-                <a:schemeClr val="tx1"/>
-              </a:fontRef>
-            </p:style>
-          </p:cxnSp>
-        </p:grpSp>
-        <p:grpSp>
-          <p:nvGrpSpPr>
-            <p:cNvPr id="122" name="Groupe 121"/>
-            <p:cNvGrpSpPr/>
-            <p:nvPr/>
-          </p:nvGrpSpPr>
-          <p:grpSpPr>
-            <a:xfrm rot="19800000">
-              <a:off x="5709204" y="3270482"/>
-              <a:ext cx="749927" cy="749927"/>
-              <a:chOff x="5294563" y="3372196"/>
-              <a:chExt cx="749927" cy="749927"/>
-            </a:xfrm>
-          </p:grpSpPr>
-          <p:cxnSp>
-            <p:nvCxnSpPr>
-              <p:cNvPr id="123" name="Connecteur droit avec flèche 122"/>
-              <p:cNvCxnSpPr/>
-              <p:nvPr/>
-            </p:nvCxnSpPr>
-            <p:spPr>
-              <a:xfrm>
-                <a:off x="5294563" y="4119730"/>
-                <a:ext cx="749927" cy="0"/>
-              </a:xfrm>
-              <a:prstGeom prst="straightConnector1">
-                <a:avLst/>
-              </a:prstGeom>
-              <a:ln w="19050">
-                <a:solidFill>
-                  <a:srgbClr val="00B050"/>
-                </a:solidFill>
-                <a:tailEnd type="stealth" w="med" len="lg"/>
-              </a:ln>
-            </p:spPr>
-            <p:style>
-              <a:lnRef idx="1">
-                <a:schemeClr val="accent1"/>
-              </a:lnRef>
-              <a:fillRef idx="0">
-                <a:schemeClr val="accent1"/>
-              </a:fillRef>
-              <a:effectRef idx="0">
-                <a:schemeClr val="accent1"/>
-              </a:effectRef>
-              <a:fontRef idx="minor">
-                <a:schemeClr val="tx1"/>
-              </a:fontRef>
-            </p:style>
-          </p:cxnSp>
-          <p:cxnSp>
-            <p:nvCxnSpPr>
-              <p:cNvPr id="124" name="Connecteur droit avec flèche 123"/>
-              <p:cNvCxnSpPr/>
-              <p:nvPr/>
-            </p:nvCxnSpPr>
-            <p:spPr>
-              <a:xfrm rot="16200000">
-                <a:off x="4919600" y="3747160"/>
-                <a:ext cx="749927" cy="0"/>
-              </a:xfrm>
-              <a:prstGeom prst="straightConnector1">
-                <a:avLst/>
-              </a:prstGeom>
-              <a:ln w="19050">
-                <a:solidFill>
-                  <a:srgbClr val="00B050"/>
-                </a:solidFill>
-                <a:tailEnd type="stealth" w="med" len="lg"/>
-              </a:ln>
-            </p:spPr>
-            <p:style>
-              <a:lnRef idx="1">
-                <a:schemeClr val="accent1"/>
-              </a:lnRef>
-              <a:fillRef idx="0">
-                <a:schemeClr val="accent1"/>
-              </a:fillRef>
-              <a:effectRef idx="0">
-                <a:schemeClr val="accent1"/>
-              </a:effectRef>
-              <a:fontRef idx="minor">
-                <a:schemeClr val="tx1"/>
-              </a:fontRef>
-            </p:style>
-          </p:cxnSp>
-        </p:grpSp>
-        <p:sp>
-          <p:nvSpPr>
-            <p:cNvPr id="125" name="Arc 124"/>
-            <p:cNvSpPr/>
-            <p:nvPr/>
-          </p:nvSpPr>
-          <p:spPr>
-            <a:xfrm>
-              <a:off x="5292080" y="3522608"/>
-              <a:ext cx="1296144" cy="1296144"/>
-            </a:xfrm>
-            <a:prstGeom prst="arc">
-              <a:avLst>
-                <a:gd name="adj1" fmla="val 20018351"/>
-                <a:gd name="adj2" fmla="val 21169866"/>
-              </a:avLst>
-            </a:prstGeom>
-            <a:ln w="19050">
-              <a:headEnd type="stealth" w="med" len="lg"/>
-              <a:tailEnd type="none" w="sm" len="med"/>
-            </a:ln>
-          </p:spPr>
-          <p:style>
-            <a:lnRef idx="1">
-              <a:schemeClr val="accent1"/>
-            </a:lnRef>
-            <a:fillRef idx="0">
-              <a:schemeClr val="accent1"/>
-            </a:fillRef>
-            <a:effectRef idx="0">
-              <a:schemeClr val="accent1"/>
-            </a:effectRef>
-            <a:fontRef idx="minor">
-              <a:schemeClr val="tx1"/>
-            </a:fontRef>
-          </p:style>
-          <p:txBody>
-            <a:bodyPr rtlCol="0" anchor="ctr"/>
-            <a:lstStyle/>
-            <a:p>
-              <a:pPr algn="ctr"/>
-              <a:endParaRPr lang="fr-FR"/>
-            </a:p>
-          </p:txBody>
-        </p:sp>
-        <mc:AlternateContent xmlns:mc="http://schemas.openxmlformats.org/markup-compatibility/2006" xmlns:a14="http://schemas.microsoft.com/office/drawing/2010/main">
-          <mc:Choice Requires="a14">
-            <p:sp>
-              <p:nvSpPr>
-                <p:cNvPr id="128" name="ZoneTexte 127"/>
-                <p:cNvSpPr txBox="1"/>
-                <p:nvPr/>
-              </p:nvSpPr>
-              <p:spPr>
-                <a:xfrm>
-                  <a:off x="6595181" y="4010755"/>
-                  <a:ext cx="412421" cy="276999"/>
-                </a:xfrm>
-                <a:prstGeom prst="rect">
-                  <a:avLst/>
-                </a:prstGeom>
-                <a:noFill/>
-              </p:spPr>
-              <p:txBody>
-                <a:bodyPr wrap="none" rtlCol="0">
-                  <a:spAutoFit/>
-                </a:bodyPr>
-                <a:lstStyle/>
-                <a:p>
-                  <a:pPr/>
-                  <a14:m>
-                    <m:oMathPara xmlns:m="http://schemas.openxmlformats.org/officeDocument/2006/math">
-                      <m:oMathParaPr>
-                        <m:jc m:val="centerGroup"/>
-                      </m:oMathParaPr>
-                      <m:oMath xmlns:m="http://schemas.openxmlformats.org/officeDocument/2006/math">
-                        <m:acc>
-                          <m:accPr>
-                            <m:chr m:val="⃗"/>
-                            <m:ctrlPr>
-                              <a:rPr lang="fr-FR" sz="1200" b="0" i="1" smtClean="0">
-                                <a:latin typeface="Cambria Math"/>
-                              </a:rPr>
-                            </m:ctrlPr>
-                          </m:accPr>
-                          <m:e>
-                            <m:sSub>
-                              <m:sSubPr>
-                                <m:ctrlPr>
-                                  <a:rPr lang="fr-FR" sz="1200" i="1">
-                                    <a:latin typeface="Cambria Math"/>
-                                  </a:rPr>
-                                </m:ctrlPr>
-                              </m:sSubPr>
-                              <m:e>
-                                <m:r>
-                                  <a:rPr lang="fr-FR" sz="1200" i="1">
-                                    <a:latin typeface="Cambria Math"/>
-                                  </a:rPr>
-                                  <m:t>𝑥</m:t>
-                                </m:r>
-                              </m:e>
-                              <m:sub>
-                                <m:r>
-                                  <a:rPr lang="fr-FR" sz="1200" b="0" i="1" smtClean="0">
-                                    <a:latin typeface="Cambria Math"/>
-                                  </a:rPr>
-                                  <m:t>0</m:t>
-                                </m:r>
-                              </m:sub>
-                            </m:sSub>
-                          </m:e>
-                        </m:acc>
-                        <m:r>
-                          <a:rPr lang="fr-FR" sz="1200" b="0" i="1" smtClean="0">
-                            <a:latin typeface="Cambria Math"/>
-                          </a:rPr>
-                          <m:t>′</m:t>
-                        </m:r>
-                      </m:oMath>
-                    </m:oMathPara>
-                  </a14:m>
-                  <a:endParaRPr lang="fr-FR" sz="1200" dirty="0"/>
-                </a:p>
-              </p:txBody>
-            </p:sp>
-          </mc:Choice>
-          <mc:Fallback xmlns="">
-            <p:sp>
-              <p:nvSpPr>
-                <p:cNvPr id="128" name="ZoneTexte 127"/>
-                <p:cNvSpPr txBox="1">
-                  <a:spLocks noRot="1" noChangeAspect="1" noMove="1" noResize="1" noEditPoints="1" noAdjustHandles="1" noChangeArrowheads="1" noChangeShapeType="1" noTextEdit="1"/>
-                </p:cNvSpPr>
-                <p:nvPr/>
-              </p:nvSpPr>
-              <p:spPr>
-                <a:xfrm>
-                  <a:off x="6595181" y="4010755"/>
-                  <a:ext cx="412421" cy="276999"/>
-                </a:xfrm>
-                <a:prstGeom prst="rect">
-                  <a:avLst/>
-                </a:prstGeom>
-                <a:blipFill rotWithShape="1">
-                  <a:blip r:embed="rId15"/>
-                  <a:stretch>
-                    <a:fillRect/>
-                  </a:stretch>
-                </a:blipFill>
-              </p:spPr>
-              <p:txBody>
-                <a:bodyPr/>
-                <a:lstStyle/>
-                <a:p>
-                  <a:r>
-                    <a:rPr lang="fr-FR">
-                      <a:noFill/>
-                    </a:rPr>
-                    <a:t> </a:t>
-                  </a:r>
-                </a:p>
-              </p:txBody>
-            </p:sp>
-          </mc:Fallback>
-        </mc:AlternateContent>
-        <mc:AlternateContent xmlns:mc="http://schemas.openxmlformats.org/markup-compatibility/2006" xmlns:a14="http://schemas.microsoft.com/office/drawing/2010/main">
-          <mc:Choice Requires="a14">
-            <p:sp>
-              <p:nvSpPr>
-                <p:cNvPr id="129" name="ZoneTexte 128"/>
-                <p:cNvSpPr txBox="1"/>
-                <p:nvPr/>
-              </p:nvSpPr>
-              <p:spPr>
-                <a:xfrm>
-                  <a:off x="5733941" y="3152282"/>
-                  <a:ext cx="414023" cy="276999"/>
-                </a:xfrm>
-                <a:prstGeom prst="rect">
-                  <a:avLst/>
-                </a:prstGeom>
-                <a:noFill/>
-              </p:spPr>
-              <p:txBody>
-                <a:bodyPr wrap="none" rtlCol="0">
-                  <a:spAutoFit/>
-                </a:bodyPr>
-                <a:lstStyle/>
-                <a:p>
-                  <a:pPr/>
-                  <a14:m>
-                    <m:oMathPara xmlns:m="http://schemas.openxmlformats.org/officeDocument/2006/math">
-                      <m:oMathParaPr>
-                        <m:jc m:val="centerGroup"/>
-                      </m:oMathParaPr>
-                      <m:oMath xmlns:m="http://schemas.openxmlformats.org/officeDocument/2006/math">
-                        <m:acc>
-                          <m:accPr>
-                            <m:chr m:val="⃗"/>
-                            <m:ctrlPr>
-                              <a:rPr lang="fr-FR" sz="1200" b="0" i="1" smtClean="0">
-                                <a:latin typeface="Cambria Math"/>
-                              </a:rPr>
-                            </m:ctrlPr>
-                          </m:accPr>
-                          <m:e>
-                            <m:sSub>
-                              <m:sSubPr>
-                                <m:ctrlPr>
-                                  <a:rPr lang="fr-FR" sz="1200" i="1">
-                                    <a:latin typeface="Cambria Math"/>
-                                  </a:rPr>
-                                </m:ctrlPr>
-                              </m:sSubPr>
-                              <m:e>
-                                <m:r>
-                                  <a:rPr lang="fr-FR" sz="1200" b="0" i="1" smtClean="0">
-                                    <a:latin typeface="Cambria Math"/>
-                                  </a:rPr>
-                                  <m:t>𝑦</m:t>
-                                </m:r>
-                              </m:e>
-                              <m:sub>
-                                <m:r>
-                                  <a:rPr lang="fr-FR" sz="1200" b="0" i="1" smtClean="0">
-                                    <a:latin typeface="Cambria Math"/>
-                                  </a:rPr>
-                                  <m:t>0</m:t>
-                                </m:r>
-                              </m:sub>
-                            </m:sSub>
-                          </m:e>
-                        </m:acc>
-                        <m:r>
-                          <a:rPr lang="fr-FR" sz="1200" b="0" i="1" smtClean="0">
-                            <a:latin typeface="Cambria Math"/>
-                          </a:rPr>
-                          <m:t>′</m:t>
-                        </m:r>
-                      </m:oMath>
-                    </m:oMathPara>
-                  </a14:m>
-                  <a:endParaRPr lang="fr-FR" sz="1200" dirty="0"/>
-                </a:p>
-              </p:txBody>
-            </p:sp>
-          </mc:Choice>
-          <mc:Fallback xmlns="">
-            <p:sp>
-              <p:nvSpPr>
-                <p:cNvPr id="129" name="ZoneTexte 128"/>
-                <p:cNvSpPr txBox="1">
-                  <a:spLocks noRot="1" noChangeAspect="1" noMove="1" noResize="1" noEditPoints="1" noAdjustHandles="1" noChangeArrowheads="1" noChangeShapeType="1" noTextEdit="1"/>
-                </p:cNvSpPr>
-                <p:nvPr/>
-              </p:nvSpPr>
-              <p:spPr>
-                <a:xfrm>
-                  <a:off x="5733941" y="3152282"/>
-                  <a:ext cx="414023" cy="276999"/>
-                </a:xfrm>
-                <a:prstGeom prst="rect">
-                  <a:avLst/>
-                </a:prstGeom>
-                <a:blipFill rotWithShape="1">
-                  <a:blip r:embed="rId16"/>
-                  <a:stretch>
-                    <a:fillRect/>
-                  </a:stretch>
-                </a:blipFill>
-              </p:spPr>
-              <p:txBody>
-                <a:bodyPr/>
-                <a:lstStyle/>
-                <a:p>
-                  <a:r>
-                    <a:rPr lang="fr-FR">
-                      <a:noFill/>
-                    </a:rPr>
-                    <a:t> </a:t>
-                  </a:r>
-                </a:p>
-              </p:txBody>
-            </p:sp>
-          </mc:Fallback>
-        </mc:AlternateContent>
-        <mc:AlternateContent xmlns:mc="http://schemas.openxmlformats.org/markup-compatibility/2006" xmlns:a14="http://schemas.microsoft.com/office/drawing/2010/main">
-          <mc:Choice Requires="a14">
-            <p:sp>
-              <p:nvSpPr>
-                <p:cNvPr id="130" name="ZoneTexte 129"/>
-                <p:cNvSpPr txBox="1"/>
-                <p:nvPr/>
-              </p:nvSpPr>
-              <p:spPr>
-                <a:xfrm>
-                  <a:off x="6435685" y="3548045"/>
-                  <a:ext cx="368754" cy="276999"/>
-                </a:xfrm>
-                <a:prstGeom prst="rect">
-                  <a:avLst/>
-                </a:prstGeom>
-                <a:noFill/>
-              </p:spPr>
-              <p:txBody>
-                <a:bodyPr wrap="none" rtlCol="0">
-                  <a:spAutoFit/>
-                </a:bodyPr>
-                <a:lstStyle/>
-                <a:p>
-                  <a:pPr/>
-                  <a14:m>
-                    <m:oMathPara xmlns:m="http://schemas.openxmlformats.org/officeDocument/2006/math">
-                      <m:oMathParaPr>
-                        <m:jc m:val="centerGroup"/>
-                      </m:oMathParaPr>
-                      <m:oMath xmlns:m="http://schemas.openxmlformats.org/officeDocument/2006/math">
-                        <m:acc>
-                          <m:accPr>
-                            <m:chr m:val="⃗"/>
-                            <m:ctrlPr>
-                              <a:rPr lang="fr-FR" sz="1200" b="0" i="1" smtClean="0">
-                                <a:latin typeface="Cambria Math"/>
-                              </a:rPr>
-                            </m:ctrlPr>
-                          </m:accPr>
-                          <m:e>
-                            <m:sSub>
-                              <m:sSubPr>
-                                <m:ctrlPr>
-                                  <a:rPr lang="fr-FR" sz="1200" i="1">
-                                    <a:latin typeface="Cambria Math"/>
-                                  </a:rPr>
-                                </m:ctrlPr>
-                              </m:sSubPr>
-                              <m:e>
-                                <m:r>
-                                  <a:rPr lang="fr-FR" sz="1200" i="1">
-                                    <a:latin typeface="Cambria Math"/>
-                                  </a:rPr>
-                                  <m:t>𝑥</m:t>
-                                </m:r>
-                              </m:e>
-                              <m:sub>
-                                <m:r>
-                                  <a:rPr lang="fr-FR" sz="1200" b="0" i="1" smtClean="0">
-                                    <a:latin typeface="Cambria Math"/>
-                                  </a:rPr>
-                                  <m:t>1</m:t>
-                                </m:r>
-                              </m:sub>
-                            </m:sSub>
-                          </m:e>
-                        </m:acc>
-                      </m:oMath>
-                    </m:oMathPara>
-                  </a14:m>
-                  <a:endParaRPr lang="fr-FR" sz="1200" dirty="0"/>
-                </a:p>
-              </p:txBody>
-            </p:sp>
-          </mc:Choice>
-          <mc:Fallback xmlns="">
-            <p:sp>
-              <p:nvSpPr>
-                <p:cNvPr id="130" name="ZoneTexte 129"/>
-                <p:cNvSpPr txBox="1">
-                  <a:spLocks noRot="1" noChangeAspect="1" noMove="1" noResize="1" noEditPoints="1" noAdjustHandles="1" noChangeArrowheads="1" noChangeShapeType="1" noTextEdit="1"/>
-                </p:cNvSpPr>
-                <p:nvPr/>
-              </p:nvSpPr>
-              <p:spPr>
-                <a:xfrm>
-                  <a:off x="6435685" y="3548045"/>
-                  <a:ext cx="368754" cy="276999"/>
-                </a:xfrm>
-                <a:prstGeom prst="rect">
-                  <a:avLst/>
-                </a:prstGeom>
-                <a:blipFill rotWithShape="1">
-                  <a:blip r:embed="rId17"/>
-                  <a:stretch>
-                    <a:fillRect/>
-                  </a:stretch>
-                </a:blipFill>
-              </p:spPr>
-              <p:txBody>
-                <a:bodyPr/>
-                <a:lstStyle/>
-                <a:p>
-                  <a:r>
-                    <a:rPr lang="fr-FR">
-                      <a:noFill/>
-                    </a:rPr>
-                    <a:t> </a:t>
-                  </a:r>
-                </a:p>
-              </p:txBody>
-            </p:sp>
-          </mc:Fallback>
-        </mc:AlternateContent>
-        <mc:AlternateContent xmlns:mc="http://schemas.openxmlformats.org/markup-compatibility/2006" xmlns:a14="http://schemas.microsoft.com/office/drawing/2010/main">
-          <mc:Choice Requires="a14">
-            <p:sp>
-              <p:nvSpPr>
-                <p:cNvPr id="131" name="ZoneTexte 130"/>
-                <p:cNvSpPr txBox="1"/>
-                <p:nvPr/>
-              </p:nvSpPr>
-              <p:spPr>
-                <a:xfrm>
-                  <a:off x="5262233" y="3356339"/>
-                  <a:ext cx="370358" cy="276999"/>
-                </a:xfrm>
-                <a:prstGeom prst="rect">
-                  <a:avLst/>
-                </a:prstGeom>
-                <a:noFill/>
-              </p:spPr>
-              <p:txBody>
-                <a:bodyPr wrap="none" rtlCol="0">
-                  <a:spAutoFit/>
-                </a:bodyPr>
-                <a:lstStyle/>
-                <a:p>
-                  <a:pPr/>
-                  <a14:m>
-                    <m:oMathPara xmlns:m="http://schemas.openxmlformats.org/officeDocument/2006/math">
-                      <m:oMathParaPr>
-                        <m:jc m:val="centerGroup"/>
-                      </m:oMathParaPr>
-                      <m:oMath xmlns:m="http://schemas.openxmlformats.org/officeDocument/2006/math">
-                        <m:acc>
-                          <m:accPr>
-                            <m:chr m:val="⃗"/>
-                            <m:ctrlPr>
-                              <a:rPr lang="fr-FR" sz="1200" b="0" i="1" smtClean="0">
-                                <a:latin typeface="Cambria Math"/>
-                              </a:rPr>
-                            </m:ctrlPr>
-                          </m:accPr>
-                          <m:e>
-                            <m:sSub>
-                              <m:sSubPr>
-                                <m:ctrlPr>
-                                  <a:rPr lang="fr-FR" sz="1200" i="1">
-                                    <a:latin typeface="Cambria Math"/>
-                                  </a:rPr>
-                                </m:ctrlPr>
-                              </m:sSubPr>
-                              <m:e>
-                                <m:r>
-                                  <a:rPr lang="fr-FR" sz="1200" b="0" i="1" smtClean="0">
-                                    <a:latin typeface="Cambria Math"/>
-                                  </a:rPr>
-                                  <m:t>𝑦</m:t>
-                                </m:r>
-                              </m:e>
-                              <m:sub>
-                                <m:r>
-                                  <a:rPr lang="fr-FR" sz="1200" b="0" i="1" smtClean="0">
-                                    <a:latin typeface="Cambria Math"/>
-                                  </a:rPr>
-                                  <m:t>1</m:t>
-                                </m:r>
-                              </m:sub>
-                            </m:sSub>
-                          </m:e>
-                        </m:acc>
-                      </m:oMath>
-                    </m:oMathPara>
-                  </a14:m>
-                  <a:endParaRPr lang="fr-FR" sz="1200" dirty="0"/>
-                </a:p>
-              </p:txBody>
-            </p:sp>
-          </mc:Choice>
-          <mc:Fallback xmlns="">
-            <p:sp>
-              <p:nvSpPr>
-                <p:cNvPr id="131" name="ZoneTexte 130"/>
-                <p:cNvSpPr txBox="1">
-                  <a:spLocks noRot="1" noChangeAspect="1" noMove="1" noResize="1" noEditPoints="1" noAdjustHandles="1" noChangeArrowheads="1" noChangeShapeType="1" noTextEdit="1"/>
-                </p:cNvSpPr>
-                <p:nvPr/>
-              </p:nvSpPr>
-              <p:spPr>
-                <a:xfrm>
-                  <a:off x="5262233" y="3356339"/>
-                  <a:ext cx="370358" cy="276999"/>
-                </a:xfrm>
-                <a:prstGeom prst="rect">
-                  <a:avLst/>
-                </a:prstGeom>
-                <a:blipFill rotWithShape="1">
-                  <a:blip r:embed="rId18"/>
-                  <a:stretch>
-                    <a:fillRect/>
-                  </a:stretch>
-                </a:blipFill>
-              </p:spPr>
-              <p:txBody>
-                <a:bodyPr/>
-                <a:lstStyle/>
-                <a:p>
-                  <a:r>
-                    <a:rPr lang="fr-FR">
-                      <a:noFill/>
-                    </a:rPr>
-                    <a:t> </a:t>
-                  </a:r>
-                </a:p>
-              </p:txBody>
-            </p:sp>
-          </mc:Fallback>
-        </mc:AlternateContent>
-        <mc:AlternateContent xmlns:mc="http://schemas.openxmlformats.org/markup-compatibility/2006" xmlns:a14="http://schemas.microsoft.com/office/drawing/2010/main">
-          <mc:Choice Requires="a14">
-            <p:sp>
-              <p:nvSpPr>
-                <p:cNvPr id="132" name="ZoneTexte 131"/>
-                <p:cNvSpPr txBox="1"/>
-                <p:nvPr/>
-              </p:nvSpPr>
-              <p:spPr>
-                <a:xfrm>
-                  <a:off x="6531285" y="3829601"/>
-                  <a:ext cx="317587" cy="276999"/>
-                </a:xfrm>
-                <a:prstGeom prst="rect">
-                  <a:avLst/>
-                </a:prstGeom>
-                <a:noFill/>
-              </p:spPr>
-              <p:txBody>
-                <a:bodyPr wrap="none" rtlCol="0">
-                  <a:spAutoFit/>
-                </a:bodyPr>
-                <a:lstStyle/>
-                <a:p>
-                  <a:pPr/>
-                  <a14:m>
-                    <m:oMathPara xmlns:m="http://schemas.openxmlformats.org/officeDocument/2006/math">
-                      <m:oMathParaPr>
-                        <m:jc m:val="centerGroup"/>
-                      </m:oMathParaPr>
-                      <m:oMath xmlns:m="http://schemas.openxmlformats.org/officeDocument/2006/math">
-                        <m:r>
-                          <a:rPr lang="fr-FR" sz="1200" b="0" i="1" smtClean="0">
-                            <a:latin typeface="Cambria Math"/>
-                          </a:rPr>
-                          <m:t>𝛽</m:t>
-                        </m:r>
-                      </m:oMath>
-                    </m:oMathPara>
-                  </a14:m>
-                  <a:endParaRPr lang="fr-FR" sz="1200" dirty="0"/>
-                </a:p>
-              </p:txBody>
-            </p:sp>
-          </mc:Choice>
-          <mc:Fallback xmlns="">
-            <p:sp>
-              <p:nvSpPr>
-                <p:cNvPr id="132" name="ZoneTexte 131"/>
-                <p:cNvSpPr txBox="1">
-                  <a:spLocks noRot="1" noChangeAspect="1" noMove="1" noResize="1" noEditPoints="1" noAdjustHandles="1" noChangeArrowheads="1" noChangeShapeType="1" noTextEdit="1"/>
-                </p:cNvSpPr>
-                <p:nvPr/>
-              </p:nvSpPr>
-              <p:spPr>
-                <a:xfrm>
-                  <a:off x="6531285" y="3829601"/>
-                  <a:ext cx="317587" cy="276999"/>
-                </a:xfrm>
-                <a:prstGeom prst="rect">
-                  <a:avLst/>
-                </a:prstGeom>
-                <a:blipFill rotWithShape="1">
-                  <a:blip r:embed="rId14"/>
-                  <a:stretch>
-                    <a:fillRect b="-2174"/>
-                  </a:stretch>
-                </a:blipFill>
-              </p:spPr>
-              <p:txBody>
-                <a:bodyPr/>
-                <a:lstStyle/>
-                <a:p>
-                  <a:r>
-                    <a:rPr lang="fr-FR">
-                      <a:noFill/>
-                    </a:rPr>
-                    <a:t> </a:t>
-                  </a:r>
-                </a:p>
-              </p:txBody>
-            </p:sp>
-          </mc:Fallback>
-        </mc:AlternateContent>
-        <mc:AlternateContent xmlns:mc="http://schemas.openxmlformats.org/markup-compatibility/2006" xmlns:a14="http://schemas.microsoft.com/office/drawing/2010/main">
-          <mc:Choice Requires="a14">
-            <p:sp>
-              <p:nvSpPr>
-                <p:cNvPr id="133" name="ZoneTexte 132"/>
-                <p:cNvSpPr txBox="1"/>
-                <p:nvPr/>
-              </p:nvSpPr>
-              <p:spPr>
-                <a:xfrm>
-                  <a:off x="5759440" y="4256870"/>
-                  <a:ext cx="402098" cy="276999"/>
-                </a:xfrm>
-                <a:prstGeom prst="rect">
-                  <a:avLst/>
-                </a:prstGeom>
-                <a:noFill/>
-              </p:spPr>
-              <p:txBody>
-                <a:bodyPr wrap="none" rtlCol="0">
-                  <a:spAutoFit/>
-                </a:bodyPr>
-                <a:lstStyle/>
-                <a:p>
-                  <a:pPr/>
-                  <a14:m>
-                    <m:oMathPara xmlns:m="http://schemas.openxmlformats.org/officeDocument/2006/math">
-                      <m:oMathParaPr>
-                        <m:jc m:val="centerGroup"/>
-                      </m:oMathParaPr>
-                      <m:oMath xmlns:m="http://schemas.openxmlformats.org/officeDocument/2006/math">
-                        <m:acc>
-                          <m:accPr>
-                            <m:chr m:val="⃗"/>
-                            <m:ctrlPr>
-                              <a:rPr lang="fr-FR" sz="1200" b="0" i="1" smtClean="0">
-                                <a:latin typeface="Cambria Math"/>
-                              </a:rPr>
-                            </m:ctrlPr>
-                          </m:accPr>
-                          <m:e>
-                            <m:sSub>
-                              <m:sSubPr>
-                                <m:ctrlPr>
-                                  <a:rPr lang="fr-FR" sz="1200" i="1">
-                                    <a:latin typeface="Cambria Math"/>
-                                  </a:rPr>
-                                </m:ctrlPr>
-                              </m:sSubPr>
-                              <m:e>
-                                <m:r>
-                                  <a:rPr lang="fr-FR" sz="1200" b="0" i="1" smtClean="0">
-                                    <a:latin typeface="Cambria Math"/>
-                                  </a:rPr>
-                                  <m:t>𝑧</m:t>
-                                </m:r>
-                              </m:e>
-                              <m:sub>
-                                <m:r>
-                                  <a:rPr lang="fr-FR" sz="1200" b="0" i="1" smtClean="0">
-                                    <a:latin typeface="Cambria Math"/>
-                                  </a:rPr>
-                                  <m:t>0</m:t>
-                                </m:r>
-                              </m:sub>
-                            </m:sSub>
-                          </m:e>
-                        </m:acc>
-                        <m:r>
-                          <a:rPr lang="fr-FR" sz="1200" b="0" i="1" smtClean="0">
-                            <a:latin typeface="Cambria Math"/>
-                          </a:rPr>
-                          <m:t>′</m:t>
-                        </m:r>
-                      </m:oMath>
-                    </m:oMathPara>
-                  </a14:m>
-                  <a:endParaRPr lang="fr-FR" sz="1200" dirty="0"/>
-                </a:p>
-              </p:txBody>
-            </p:sp>
-          </mc:Choice>
-          <mc:Fallback xmlns="">
-            <p:sp>
-              <p:nvSpPr>
-                <p:cNvPr id="133" name="ZoneTexte 132"/>
-                <p:cNvSpPr txBox="1">
-                  <a:spLocks noRot="1" noChangeAspect="1" noMove="1" noResize="1" noEditPoints="1" noAdjustHandles="1" noChangeArrowheads="1" noChangeShapeType="1" noTextEdit="1"/>
-                </p:cNvSpPr>
-                <p:nvPr/>
-              </p:nvSpPr>
-              <p:spPr>
-                <a:xfrm>
-                  <a:off x="5759440" y="4256870"/>
-                  <a:ext cx="402098" cy="276999"/>
-                </a:xfrm>
-                <a:prstGeom prst="rect">
-                  <a:avLst/>
-                </a:prstGeom>
-                <a:blipFill rotWithShape="1">
-                  <a:blip r:embed="rId19"/>
-                  <a:stretch>
-                    <a:fillRect/>
-                  </a:stretch>
-                </a:blipFill>
-              </p:spPr>
-              <p:txBody>
-                <a:bodyPr/>
-                <a:lstStyle/>
-                <a:p>
-                  <a:r>
-                    <a:rPr lang="fr-FR">
-                      <a:noFill/>
-                    </a:rPr>
-                    <a:t> </a:t>
-                  </a:r>
-                </a:p>
-              </p:txBody>
-            </p:sp>
-          </mc:Fallback>
-        </mc:AlternateContent>
-        <p:sp>
-          <p:nvSpPr>
-            <p:cNvPr id="134" name="Ellipse 133"/>
-            <p:cNvSpPr/>
-            <p:nvPr/>
-          </p:nvSpPr>
-          <p:spPr>
-            <a:xfrm>
-              <a:off x="5853398" y="4069873"/>
-              <a:ext cx="158762" cy="158762"/>
-            </a:xfrm>
-            <a:prstGeom prst="ellipse">
-              <a:avLst/>
-            </a:prstGeom>
-            <a:solidFill>
-              <a:schemeClr val="bg1"/>
-            </a:solidFill>
-            <a:ln w="19050">
-              <a:solidFill>
-                <a:schemeClr val="tx1"/>
-              </a:solidFill>
-            </a:ln>
-          </p:spPr>
-          <p:style>
-            <a:lnRef idx="2">
-              <a:schemeClr val="accent1">
-                <a:shade val="50000"/>
-              </a:schemeClr>
-            </a:lnRef>
-            <a:fillRef idx="1">
-              <a:schemeClr val="accent1"/>
-            </a:fillRef>
-            <a:effectRef idx="0">
-              <a:schemeClr val="accent1"/>
-            </a:effectRef>
-            <a:fontRef idx="minor">
-              <a:schemeClr val="lt1"/>
-            </a:fontRef>
-          </p:style>
-          <p:txBody>
-            <a:bodyPr rtlCol="0" anchor="ctr"/>
-            <a:lstStyle/>
-            <a:p>
-              <a:pPr algn="ctr"/>
-              <a:endParaRPr lang="fr-FR"/>
-            </a:p>
-          </p:txBody>
-        </p:sp>
-        <p:sp>
-          <p:nvSpPr>
-            <p:cNvPr id="135" name="Ellipse 134"/>
-            <p:cNvSpPr/>
-            <p:nvPr/>
-          </p:nvSpPr>
-          <p:spPr>
-            <a:xfrm flipV="1">
-              <a:off x="5905779" y="4122254"/>
-              <a:ext cx="54000" cy="54000"/>
-            </a:xfrm>
-            <a:prstGeom prst="ellipse">
-              <a:avLst/>
-            </a:prstGeom>
-            <a:solidFill>
-              <a:schemeClr val="tx1"/>
-            </a:solidFill>
-            <a:ln w="19050">
-              <a:solidFill>
-                <a:schemeClr val="tx1"/>
-              </a:solidFill>
-            </a:ln>
-          </p:spPr>
-          <p:style>
-            <a:lnRef idx="2">
-              <a:schemeClr val="accent1">
-                <a:shade val="50000"/>
-              </a:schemeClr>
-            </a:lnRef>
-            <a:fillRef idx="1">
-              <a:schemeClr val="accent1"/>
-            </a:fillRef>
-            <a:effectRef idx="0">
-              <a:schemeClr val="accent1"/>
-            </a:effectRef>
-            <a:fontRef idx="minor">
-              <a:schemeClr val="lt1"/>
-            </a:fontRef>
-          </p:style>
-          <p:txBody>
-            <a:bodyPr rtlCol="0" anchor="ctr"/>
-            <a:lstStyle/>
-            <a:p>
-              <a:pPr algn="ctr"/>
-              <a:endParaRPr lang="fr-FR"/>
-            </a:p>
-          </p:txBody>
-        </p:sp>
-      </p:grpSp>
-      <p:sp>
-        <p:nvSpPr>
-          <p:cNvPr id="60" name="Rectangle 59"/>
-          <p:cNvSpPr/>
-          <p:nvPr/>
-        </p:nvSpPr>
-        <p:spPr>
-          <a:xfrm>
-            <a:off x="1907797" y="5007659"/>
-            <a:ext cx="288000" cy="144000"/>
-          </a:xfrm>
-          <a:prstGeom prst="rect">
-            <a:avLst/>
-          </a:prstGeom>
-          <a:pattFill prst="wdUpDiag">
-            <a:fgClr>
-              <a:schemeClr val="tx1"/>
-            </a:fgClr>
-            <a:bgClr>
-              <a:schemeClr val="bg1"/>
-            </a:bgClr>
-          </a:pattFill>
-          <a:ln>
-            <a:noFill/>
-          </a:ln>
-        </p:spPr>
-        <p:style>
-          <a:lnRef idx="2">
-            <a:schemeClr val="accent1">
-              <a:shade val="50000"/>
-            </a:schemeClr>
-          </a:lnRef>
-          <a:fillRef idx="1">
-            <a:schemeClr val="accent1"/>
-          </a:fillRef>
-          <a:effectRef idx="0">
-            <a:schemeClr val="accent1"/>
-          </a:effectRef>
-          <a:fontRef idx="minor">
-            <a:schemeClr val="lt1"/>
-          </a:fontRef>
-        </p:style>
-        <p:txBody>
-          <a:bodyPr rtlCol="0" anchor="ctr"/>
-          <a:lstStyle/>
-          <a:p>
-            <a:pPr algn="ctr"/>
-            <a:endParaRPr lang="fr-FR"/>
-          </a:p>
-        </p:txBody>
-      </p:sp>
-      <p:grpSp>
-        <p:nvGrpSpPr>
-          <p:cNvPr id="137" name="Groupe 136"/>
-          <p:cNvGrpSpPr/>
-          <p:nvPr/>
-        </p:nvGrpSpPr>
-        <p:grpSpPr>
-          <a:xfrm>
-            <a:off x="6027762" y="2526770"/>
-            <a:ext cx="1745369" cy="1666470"/>
-            <a:chOff x="5262233" y="3152282"/>
-            <a:chExt cx="1745369" cy="1666470"/>
-          </a:xfrm>
-        </p:grpSpPr>
-        <p:grpSp>
-          <p:nvGrpSpPr>
-            <p:cNvPr id="138" name="Groupe 137"/>
-            <p:cNvGrpSpPr/>
-            <p:nvPr/>
-          </p:nvGrpSpPr>
-          <p:grpSpPr>
-            <a:xfrm>
-              <a:off x="5940152" y="3401722"/>
-              <a:ext cx="749927" cy="749927"/>
-              <a:chOff x="5294563" y="3372196"/>
-              <a:chExt cx="749927" cy="749927"/>
-            </a:xfrm>
-          </p:grpSpPr>
-          <p:cxnSp>
-            <p:nvCxnSpPr>
-              <p:cNvPr id="151" name="Connecteur droit avec flèche 150"/>
-              <p:cNvCxnSpPr/>
-              <p:nvPr/>
-            </p:nvCxnSpPr>
-            <p:spPr>
-              <a:xfrm>
-                <a:off x="5294563" y="4119730"/>
-                <a:ext cx="749927" cy="0"/>
-              </a:xfrm>
-              <a:prstGeom prst="straightConnector1">
-                <a:avLst/>
-              </a:prstGeom>
-              <a:ln w="19050">
-                <a:solidFill>
-                  <a:schemeClr val="tx1"/>
-                </a:solidFill>
-                <a:tailEnd type="stealth" w="med" len="lg"/>
-              </a:ln>
-            </p:spPr>
-            <p:style>
-              <a:lnRef idx="1">
-                <a:schemeClr val="accent1"/>
-              </a:lnRef>
-              <a:fillRef idx="0">
-                <a:schemeClr val="accent1"/>
-              </a:fillRef>
-              <a:effectRef idx="0">
-                <a:schemeClr val="accent1"/>
-              </a:effectRef>
-              <a:fontRef idx="minor">
-                <a:schemeClr val="tx1"/>
-              </a:fontRef>
-            </p:style>
-          </p:cxnSp>
-          <p:cxnSp>
-            <p:nvCxnSpPr>
-              <p:cNvPr id="152" name="Connecteur droit avec flèche 151"/>
-              <p:cNvCxnSpPr/>
-              <p:nvPr/>
-            </p:nvCxnSpPr>
-            <p:spPr>
-              <a:xfrm rot="16200000">
-                <a:off x="4919600" y="3747160"/>
-                <a:ext cx="749927" cy="0"/>
-              </a:xfrm>
-              <a:prstGeom prst="straightConnector1">
-                <a:avLst/>
-              </a:prstGeom>
-              <a:ln w="19050">
-                <a:solidFill>
-                  <a:schemeClr val="tx1"/>
-                </a:solidFill>
-                <a:tailEnd type="stealth" w="med" len="lg"/>
-              </a:ln>
-            </p:spPr>
-            <p:style>
-              <a:lnRef idx="1">
-                <a:schemeClr val="accent1"/>
-              </a:lnRef>
-              <a:fillRef idx="0">
-                <a:schemeClr val="accent1"/>
-              </a:fillRef>
-              <a:effectRef idx="0">
-                <a:schemeClr val="accent1"/>
-              </a:effectRef>
-              <a:fontRef idx="minor">
-                <a:schemeClr val="tx1"/>
-              </a:fontRef>
-            </p:style>
-          </p:cxnSp>
-        </p:grpSp>
-        <p:grpSp>
-          <p:nvGrpSpPr>
-            <p:cNvPr id="139" name="Groupe 138"/>
-            <p:cNvGrpSpPr/>
-            <p:nvPr/>
-          </p:nvGrpSpPr>
-          <p:grpSpPr>
-            <a:xfrm rot="19800000">
-              <a:off x="5709204" y="3270482"/>
-              <a:ext cx="749927" cy="749927"/>
-              <a:chOff x="5294563" y="3372196"/>
-              <a:chExt cx="749927" cy="749927"/>
-            </a:xfrm>
-          </p:grpSpPr>
-          <p:cxnSp>
-            <p:nvCxnSpPr>
-              <p:cNvPr id="149" name="Connecteur droit avec flèche 148"/>
-              <p:cNvCxnSpPr/>
-              <p:nvPr/>
-            </p:nvCxnSpPr>
-            <p:spPr>
-              <a:xfrm>
-                <a:off x="5294563" y="4119730"/>
-                <a:ext cx="749927" cy="0"/>
-              </a:xfrm>
-              <a:prstGeom prst="straightConnector1">
-                <a:avLst/>
-              </a:prstGeom>
-              <a:ln w="19050">
-                <a:solidFill>
-                  <a:srgbClr val="7030A0"/>
-                </a:solidFill>
-                <a:tailEnd type="stealth" w="med" len="lg"/>
-              </a:ln>
-            </p:spPr>
-            <p:style>
-              <a:lnRef idx="1">
-                <a:schemeClr val="accent1"/>
-              </a:lnRef>
-              <a:fillRef idx="0">
-                <a:schemeClr val="accent1"/>
-              </a:fillRef>
-              <a:effectRef idx="0">
-                <a:schemeClr val="accent1"/>
-              </a:effectRef>
-              <a:fontRef idx="minor">
-                <a:schemeClr val="tx1"/>
-              </a:fontRef>
-            </p:style>
-          </p:cxnSp>
-          <p:cxnSp>
-            <p:nvCxnSpPr>
-              <p:cNvPr id="150" name="Connecteur droit avec flèche 149"/>
-              <p:cNvCxnSpPr/>
-              <p:nvPr/>
-            </p:nvCxnSpPr>
-            <p:spPr>
-              <a:xfrm rot="16200000">
-                <a:off x="4919600" y="3747160"/>
-                <a:ext cx="749927" cy="0"/>
-              </a:xfrm>
-              <a:prstGeom prst="straightConnector1">
-                <a:avLst/>
-              </a:prstGeom>
-              <a:ln w="19050">
-                <a:solidFill>
-                  <a:srgbClr val="7030A0"/>
-                </a:solidFill>
-                <a:tailEnd type="stealth" w="med" len="lg"/>
-              </a:ln>
-            </p:spPr>
-            <p:style>
-              <a:lnRef idx="1">
-                <a:schemeClr val="accent1"/>
-              </a:lnRef>
-              <a:fillRef idx="0">
-                <a:schemeClr val="accent1"/>
-              </a:fillRef>
-              <a:effectRef idx="0">
-                <a:schemeClr val="accent1"/>
-              </a:effectRef>
-              <a:fontRef idx="minor">
-                <a:schemeClr val="tx1"/>
-              </a:fontRef>
-            </p:style>
-          </p:cxnSp>
-        </p:grpSp>
-        <p:sp>
-          <p:nvSpPr>
-            <p:cNvPr id="140" name="Arc 139"/>
-            <p:cNvSpPr/>
-            <p:nvPr/>
-          </p:nvSpPr>
-          <p:spPr>
-            <a:xfrm>
-              <a:off x="5292080" y="3522608"/>
-              <a:ext cx="1296144" cy="1296144"/>
-            </a:xfrm>
-            <a:prstGeom prst="arc">
-              <a:avLst>
-                <a:gd name="adj1" fmla="val 20018351"/>
-                <a:gd name="adj2" fmla="val 21169866"/>
-              </a:avLst>
-            </a:prstGeom>
-            <a:ln w="19050">
-              <a:headEnd type="stealth" w="med" len="lg"/>
-              <a:tailEnd type="none" w="sm" len="med"/>
-            </a:ln>
-          </p:spPr>
-          <p:style>
-            <a:lnRef idx="1">
-              <a:schemeClr val="accent1"/>
-            </a:lnRef>
-            <a:fillRef idx="0">
-              <a:schemeClr val="accent1"/>
-            </a:fillRef>
-            <a:effectRef idx="0">
-              <a:schemeClr val="accent1"/>
-            </a:effectRef>
-            <a:fontRef idx="minor">
-              <a:schemeClr val="tx1"/>
-            </a:fontRef>
-          </p:style>
-          <p:txBody>
-            <a:bodyPr rtlCol="0" anchor="ctr"/>
-            <a:lstStyle/>
-            <a:p>
-              <a:pPr algn="ctr"/>
-              <a:endParaRPr lang="fr-FR"/>
-            </a:p>
-          </p:txBody>
-        </p:sp>
-        <mc:AlternateContent xmlns:mc="http://schemas.openxmlformats.org/markup-compatibility/2006" xmlns:a14="http://schemas.microsoft.com/office/drawing/2010/main">
-          <mc:Choice Requires="a14">
-            <p:sp>
-              <p:nvSpPr>
-                <p:cNvPr id="141" name="ZoneTexte 140"/>
-                <p:cNvSpPr txBox="1"/>
-                <p:nvPr/>
-              </p:nvSpPr>
-              <p:spPr>
-                <a:xfrm>
-                  <a:off x="6595181" y="4010755"/>
-                  <a:ext cx="412421" cy="276999"/>
-                </a:xfrm>
-                <a:prstGeom prst="rect">
-                  <a:avLst/>
-                </a:prstGeom>
-                <a:noFill/>
-              </p:spPr>
-              <p:txBody>
-                <a:bodyPr wrap="none" rtlCol="0">
-                  <a:spAutoFit/>
-                </a:bodyPr>
-                <a:lstStyle/>
-                <a:p>
-                  <a:pPr/>
-                  <a14:m>
-                    <m:oMathPara xmlns:m="http://schemas.openxmlformats.org/officeDocument/2006/math">
-                      <m:oMathParaPr>
-                        <m:jc m:val="centerGroup"/>
-                      </m:oMathParaPr>
-                      <m:oMath xmlns:m="http://schemas.openxmlformats.org/officeDocument/2006/math">
-                        <m:acc>
-                          <m:accPr>
-                            <m:chr m:val="⃗"/>
-                            <m:ctrlPr>
-                              <a:rPr lang="fr-FR" sz="1200" b="0" i="1" smtClean="0">
-                                <a:latin typeface="Cambria Math"/>
-                              </a:rPr>
-                            </m:ctrlPr>
-                          </m:accPr>
-                          <m:e>
-                            <m:sSub>
-                              <m:sSubPr>
-                                <m:ctrlPr>
-                                  <a:rPr lang="fr-FR" sz="1200" i="1">
-                                    <a:latin typeface="Cambria Math"/>
-                                  </a:rPr>
-                                </m:ctrlPr>
-                              </m:sSubPr>
-                              <m:e>
-                                <m:r>
-                                  <a:rPr lang="fr-FR" sz="1200" i="1">
-                                    <a:latin typeface="Cambria Math"/>
-                                  </a:rPr>
-                                  <m:t>𝑥</m:t>
-                                </m:r>
-                              </m:e>
-                              <m:sub>
-                                <m:r>
-                                  <a:rPr lang="fr-FR" sz="1200" b="0" i="1" smtClean="0">
-                                    <a:latin typeface="Cambria Math"/>
-                                  </a:rPr>
-                                  <m:t>0</m:t>
-                                </m:r>
-                              </m:sub>
-                            </m:sSub>
-                          </m:e>
-                        </m:acc>
-                        <m:r>
-                          <a:rPr lang="fr-FR" sz="1200" b="0" i="1" smtClean="0">
-                            <a:latin typeface="Cambria Math"/>
-                          </a:rPr>
-                          <m:t>′</m:t>
-                        </m:r>
-                      </m:oMath>
-                    </m:oMathPara>
-                  </a14:m>
-                  <a:endParaRPr lang="fr-FR" sz="1200" dirty="0"/>
-                </a:p>
-              </p:txBody>
-            </p:sp>
-          </mc:Choice>
-          <mc:Fallback xmlns="">
-            <p:sp>
-              <p:nvSpPr>
-                <p:cNvPr id="141" name="ZoneTexte 140"/>
-                <p:cNvSpPr txBox="1">
-                  <a:spLocks noRot="1" noChangeAspect="1" noMove="1" noResize="1" noEditPoints="1" noAdjustHandles="1" noChangeArrowheads="1" noChangeShapeType="1" noTextEdit="1"/>
-                </p:cNvSpPr>
-                <p:nvPr/>
-              </p:nvSpPr>
-              <p:spPr>
-                <a:xfrm>
-                  <a:off x="6595181" y="4010755"/>
-                  <a:ext cx="412421" cy="276999"/>
-                </a:xfrm>
-                <a:prstGeom prst="rect">
-                  <a:avLst/>
-                </a:prstGeom>
-                <a:blipFill rotWithShape="1">
-                  <a:blip r:embed="rId20"/>
-                  <a:stretch>
-                    <a:fillRect/>
-                  </a:stretch>
-                </a:blipFill>
-              </p:spPr>
-              <p:txBody>
-                <a:bodyPr/>
-                <a:lstStyle/>
-                <a:p>
-                  <a:r>
-                    <a:rPr lang="fr-FR">
-                      <a:noFill/>
-                    </a:rPr>
-                    <a:t> </a:t>
-                  </a:r>
-                </a:p>
-              </p:txBody>
-            </p:sp>
-          </mc:Fallback>
-        </mc:AlternateContent>
-        <mc:AlternateContent xmlns:mc="http://schemas.openxmlformats.org/markup-compatibility/2006" xmlns:a14="http://schemas.microsoft.com/office/drawing/2010/main">
-          <mc:Choice Requires="a14">
-            <p:sp>
-              <p:nvSpPr>
-                <p:cNvPr id="142" name="ZoneTexte 141"/>
-                <p:cNvSpPr txBox="1"/>
-                <p:nvPr/>
-              </p:nvSpPr>
-              <p:spPr>
-                <a:xfrm>
-                  <a:off x="5733941" y="3152282"/>
-                  <a:ext cx="414023" cy="276999"/>
-                </a:xfrm>
-                <a:prstGeom prst="rect">
-                  <a:avLst/>
-                </a:prstGeom>
-                <a:noFill/>
-              </p:spPr>
-              <p:txBody>
-                <a:bodyPr wrap="none" rtlCol="0">
-                  <a:spAutoFit/>
-                </a:bodyPr>
-                <a:lstStyle/>
-                <a:p>
-                  <a:pPr/>
-                  <a14:m>
-                    <m:oMathPara xmlns:m="http://schemas.openxmlformats.org/officeDocument/2006/math">
-                      <m:oMathParaPr>
-                        <m:jc m:val="centerGroup"/>
-                      </m:oMathParaPr>
-                      <m:oMath xmlns:m="http://schemas.openxmlformats.org/officeDocument/2006/math">
-                        <m:acc>
-                          <m:accPr>
-                            <m:chr m:val="⃗"/>
-                            <m:ctrlPr>
-                              <a:rPr lang="fr-FR" sz="1200" b="0" i="1" smtClean="0">
-                                <a:latin typeface="Cambria Math"/>
-                              </a:rPr>
-                            </m:ctrlPr>
-                          </m:accPr>
-                          <m:e>
-                            <m:sSub>
-                              <m:sSubPr>
-                                <m:ctrlPr>
-                                  <a:rPr lang="fr-FR" sz="1200" i="1">
-                                    <a:latin typeface="Cambria Math"/>
-                                  </a:rPr>
-                                </m:ctrlPr>
-                              </m:sSubPr>
-                              <m:e>
-                                <m:r>
-                                  <a:rPr lang="fr-FR" sz="1200" b="0" i="1" smtClean="0">
-                                    <a:latin typeface="Cambria Math"/>
-                                  </a:rPr>
-                                  <m:t>𝑦</m:t>
-                                </m:r>
-                              </m:e>
-                              <m:sub>
-                                <m:r>
-                                  <a:rPr lang="fr-FR" sz="1200" b="0" i="1" smtClean="0">
-                                    <a:latin typeface="Cambria Math"/>
-                                  </a:rPr>
-                                  <m:t>0</m:t>
-                                </m:r>
-                              </m:sub>
-                            </m:sSub>
-                          </m:e>
-                        </m:acc>
-                        <m:r>
-                          <a:rPr lang="fr-FR" sz="1200" b="0" i="1" smtClean="0">
-                            <a:latin typeface="Cambria Math"/>
-                          </a:rPr>
-                          <m:t>′</m:t>
-                        </m:r>
-                      </m:oMath>
-                    </m:oMathPara>
-                  </a14:m>
-                  <a:endParaRPr lang="fr-FR" sz="1200" dirty="0"/>
-                </a:p>
-              </p:txBody>
-            </p:sp>
-          </mc:Choice>
-          <mc:Fallback xmlns="">
-            <p:sp>
-              <p:nvSpPr>
-                <p:cNvPr id="142" name="ZoneTexte 141"/>
-                <p:cNvSpPr txBox="1">
-                  <a:spLocks noRot="1" noChangeAspect="1" noMove="1" noResize="1" noEditPoints="1" noAdjustHandles="1" noChangeArrowheads="1" noChangeShapeType="1" noTextEdit="1"/>
-                </p:cNvSpPr>
-                <p:nvPr/>
-              </p:nvSpPr>
-              <p:spPr>
-                <a:xfrm>
-                  <a:off x="5733941" y="3152282"/>
-                  <a:ext cx="414023" cy="276999"/>
-                </a:xfrm>
-                <a:prstGeom prst="rect">
-                  <a:avLst/>
-                </a:prstGeom>
-                <a:blipFill rotWithShape="1">
-                  <a:blip r:embed="rId21"/>
-                  <a:stretch>
-                    <a:fillRect/>
-                  </a:stretch>
-                </a:blipFill>
-              </p:spPr>
-              <p:txBody>
-                <a:bodyPr/>
-                <a:lstStyle/>
-                <a:p>
-                  <a:r>
-                    <a:rPr lang="fr-FR">
-                      <a:noFill/>
-                    </a:rPr>
-                    <a:t> </a:t>
-                  </a:r>
-                </a:p>
-              </p:txBody>
-            </p:sp>
-          </mc:Fallback>
-        </mc:AlternateContent>
-        <mc:AlternateContent xmlns:mc="http://schemas.openxmlformats.org/markup-compatibility/2006" xmlns:a14="http://schemas.microsoft.com/office/drawing/2010/main">
-          <mc:Choice Requires="a14">
-            <p:sp>
-              <p:nvSpPr>
-                <p:cNvPr id="143" name="ZoneTexte 142"/>
-                <p:cNvSpPr txBox="1"/>
-                <p:nvPr/>
-              </p:nvSpPr>
-              <p:spPr>
-                <a:xfrm>
-                  <a:off x="6435685" y="3548045"/>
-                  <a:ext cx="372345" cy="276999"/>
-                </a:xfrm>
-                <a:prstGeom prst="rect">
-                  <a:avLst/>
-                </a:prstGeom>
-                <a:noFill/>
-              </p:spPr>
-              <p:txBody>
-                <a:bodyPr wrap="none" rtlCol="0">
-                  <a:spAutoFit/>
-                </a:bodyPr>
-                <a:lstStyle/>
-                <a:p>
-                  <a:pPr/>
-                  <a14:m>
-                    <m:oMathPara xmlns:m="http://schemas.openxmlformats.org/officeDocument/2006/math">
-                      <m:oMathParaPr>
-                        <m:jc m:val="centerGroup"/>
-                      </m:oMathParaPr>
-                      <m:oMath xmlns:m="http://schemas.openxmlformats.org/officeDocument/2006/math">
-                        <m:acc>
-                          <m:accPr>
-                            <m:chr m:val="⃗"/>
-                            <m:ctrlPr>
-                              <a:rPr lang="fr-FR" sz="1200" b="0" i="1" smtClean="0">
-                                <a:latin typeface="Cambria Math"/>
-                              </a:rPr>
-                            </m:ctrlPr>
-                          </m:accPr>
-                          <m:e>
-                            <m:sSub>
-                              <m:sSubPr>
-                                <m:ctrlPr>
-                                  <a:rPr lang="fr-FR" sz="1200" i="1">
-                                    <a:latin typeface="Cambria Math"/>
-                                  </a:rPr>
-                                </m:ctrlPr>
-                              </m:sSubPr>
-                              <m:e>
-                                <m:r>
-                                  <a:rPr lang="fr-FR" sz="1200" i="1">
-                                    <a:latin typeface="Cambria Math"/>
-                                  </a:rPr>
-                                  <m:t>𝑥</m:t>
-                                </m:r>
-                              </m:e>
-                              <m:sub>
-                                <m:r>
-                                  <a:rPr lang="fr-FR" sz="1200" b="0" i="1" smtClean="0">
-                                    <a:latin typeface="Cambria Math"/>
-                                  </a:rPr>
-                                  <m:t>4</m:t>
-                                </m:r>
-                              </m:sub>
-                            </m:sSub>
-                          </m:e>
-                        </m:acc>
-                      </m:oMath>
-                    </m:oMathPara>
-                  </a14:m>
-                  <a:endParaRPr lang="fr-FR" sz="1200" dirty="0"/>
-                </a:p>
-              </p:txBody>
-            </p:sp>
-          </mc:Choice>
-          <mc:Fallback xmlns="">
-            <p:sp>
-              <p:nvSpPr>
-                <p:cNvPr id="143" name="ZoneTexte 142"/>
-                <p:cNvSpPr txBox="1">
-                  <a:spLocks noRot="1" noChangeAspect="1" noMove="1" noResize="1" noEditPoints="1" noAdjustHandles="1" noChangeArrowheads="1" noChangeShapeType="1" noTextEdit="1"/>
-                </p:cNvSpPr>
-                <p:nvPr/>
-              </p:nvSpPr>
-              <p:spPr>
-                <a:xfrm>
-                  <a:off x="6435685" y="3548045"/>
-                  <a:ext cx="372345" cy="276999"/>
-                </a:xfrm>
-                <a:prstGeom prst="rect">
-                  <a:avLst/>
-                </a:prstGeom>
-                <a:blipFill rotWithShape="1">
-                  <a:blip r:embed="rId22"/>
-                  <a:stretch>
-                    <a:fillRect/>
-                  </a:stretch>
-                </a:blipFill>
-              </p:spPr>
-              <p:txBody>
-                <a:bodyPr/>
-                <a:lstStyle/>
-                <a:p>
-                  <a:r>
-                    <a:rPr lang="fr-FR">
-                      <a:noFill/>
-                    </a:rPr>
-                    <a:t> </a:t>
-                  </a:r>
-                </a:p>
-              </p:txBody>
-            </p:sp>
-          </mc:Fallback>
-        </mc:AlternateContent>
-        <mc:AlternateContent xmlns:mc="http://schemas.openxmlformats.org/markup-compatibility/2006" xmlns:a14="http://schemas.microsoft.com/office/drawing/2010/main">
-          <mc:Choice Requires="a14">
-            <p:sp>
-              <p:nvSpPr>
-                <p:cNvPr id="144" name="ZoneTexte 143"/>
-                <p:cNvSpPr txBox="1"/>
-                <p:nvPr/>
-              </p:nvSpPr>
-              <p:spPr>
-                <a:xfrm>
-                  <a:off x="5262233" y="3356339"/>
-                  <a:ext cx="367344" cy="276999"/>
-                </a:xfrm>
-                <a:prstGeom prst="rect">
-                  <a:avLst/>
-                </a:prstGeom>
-                <a:noFill/>
-              </p:spPr>
-              <p:txBody>
-                <a:bodyPr wrap="none" rtlCol="0">
-                  <a:spAutoFit/>
-                </a:bodyPr>
-                <a:lstStyle/>
-                <a:p>
-                  <a:pPr/>
-                  <a14:m>
-                    <m:oMathPara xmlns:m="http://schemas.openxmlformats.org/officeDocument/2006/math">
-                      <m:oMathParaPr>
-                        <m:jc m:val="centerGroup"/>
-                      </m:oMathParaPr>
-                      <m:oMath xmlns:m="http://schemas.openxmlformats.org/officeDocument/2006/math">
-                        <m:acc>
-                          <m:accPr>
-                            <m:chr m:val="⃗"/>
-                            <m:ctrlPr>
-                              <a:rPr lang="fr-FR" sz="1200" b="0" i="1" smtClean="0">
-                                <a:latin typeface="Cambria Math"/>
-                              </a:rPr>
-                            </m:ctrlPr>
-                          </m:accPr>
-                          <m:e>
-                            <m:sSub>
-                              <m:sSubPr>
-                                <m:ctrlPr>
-                                  <a:rPr lang="fr-FR" sz="1200" i="1">
-                                    <a:latin typeface="Cambria Math"/>
-                                  </a:rPr>
-                                </m:ctrlPr>
-                              </m:sSubPr>
-                              <m:e>
-                                <m:r>
-                                  <a:rPr lang="fr-FR" sz="1200" b="0" i="1" smtClean="0">
-                                    <a:latin typeface="Cambria Math"/>
-                                  </a:rPr>
-                                  <m:t>𝑦</m:t>
-                                </m:r>
-                              </m:e>
-                              <m:sub>
-                                <m:r>
-                                  <a:rPr lang="fr-FR" sz="1200" b="0" i="1" smtClean="0">
-                                    <a:latin typeface="Cambria Math"/>
-                                  </a:rPr>
-                                  <m:t>4</m:t>
-                                </m:r>
-                              </m:sub>
-                            </m:sSub>
-                          </m:e>
-                        </m:acc>
-                      </m:oMath>
-                    </m:oMathPara>
-                  </a14:m>
-                  <a:endParaRPr lang="fr-FR" sz="1200" dirty="0"/>
-                </a:p>
-              </p:txBody>
-            </p:sp>
-          </mc:Choice>
-          <mc:Fallback xmlns="">
-            <p:sp>
-              <p:nvSpPr>
-                <p:cNvPr id="144" name="ZoneTexte 143"/>
-                <p:cNvSpPr txBox="1">
-                  <a:spLocks noRot="1" noChangeAspect="1" noMove="1" noResize="1" noEditPoints="1" noAdjustHandles="1" noChangeArrowheads="1" noChangeShapeType="1" noTextEdit="1"/>
-                </p:cNvSpPr>
-                <p:nvPr/>
-              </p:nvSpPr>
-              <p:spPr>
-                <a:xfrm>
-                  <a:off x="5262233" y="3356339"/>
-                  <a:ext cx="367344" cy="276999"/>
-                </a:xfrm>
-                <a:prstGeom prst="rect">
-                  <a:avLst/>
-                </a:prstGeom>
-                <a:blipFill rotWithShape="1">
-                  <a:blip r:embed="rId23"/>
-                  <a:stretch>
-                    <a:fillRect/>
-                  </a:stretch>
-                </a:blipFill>
-              </p:spPr>
-              <p:txBody>
-                <a:bodyPr/>
-                <a:lstStyle/>
-                <a:p>
-                  <a:r>
-                    <a:rPr lang="fr-FR">
-                      <a:noFill/>
-                    </a:rPr>
-                    <a:t> </a:t>
-                  </a:r>
-                </a:p>
-              </p:txBody>
-            </p:sp>
-          </mc:Fallback>
-        </mc:AlternateContent>
-        <mc:AlternateContent xmlns:mc="http://schemas.openxmlformats.org/markup-compatibility/2006" xmlns:a14="http://schemas.microsoft.com/office/drawing/2010/main">
-          <mc:Choice Requires="a14">
-            <p:sp>
-              <p:nvSpPr>
-                <p:cNvPr id="145" name="ZoneTexte 144"/>
-                <p:cNvSpPr txBox="1"/>
-                <p:nvPr/>
-              </p:nvSpPr>
-              <p:spPr>
-                <a:xfrm>
-                  <a:off x="6531285" y="3829601"/>
-                  <a:ext cx="346570" cy="276999"/>
-                </a:xfrm>
-                <a:prstGeom prst="rect">
-                  <a:avLst/>
-                </a:prstGeom>
-                <a:noFill/>
-              </p:spPr>
-              <p:txBody>
-                <a:bodyPr wrap="none" rtlCol="0">
-                  <a:spAutoFit/>
-                </a:bodyPr>
-                <a:lstStyle/>
-                <a:p>
-                  <a:pPr/>
-                  <a14:m>
-                    <m:oMathPara xmlns:m="http://schemas.openxmlformats.org/officeDocument/2006/math">
-                      <m:oMathParaPr>
-                        <m:jc m:val="centerGroup"/>
-                      </m:oMathParaPr>
-                      <m:oMath xmlns:m="http://schemas.openxmlformats.org/officeDocument/2006/math">
-                        <m:r>
-                          <a:rPr lang="fr-FR" sz="1200" b="0" i="1" smtClean="0">
-                            <a:latin typeface="Cambria Math"/>
-                          </a:rPr>
-                          <m:t>𝜃</m:t>
-                        </m:r>
-                        <m:r>
-                          <a:rPr lang="fr-FR" sz="1200" b="0" i="1" smtClean="0">
-                            <a:latin typeface="Cambria Math"/>
-                          </a:rPr>
-                          <m:t>′</m:t>
-                        </m:r>
-                      </m:oMath>
-                    </m:oMathPara>
-                  </a14:m>
-                  <a:endParaRPr lang="fr-FR" sz="1200" dirty="0"/>
-                </a:p>
-              </p:txBody>
-            </p:sp>
-          </mc:Choice>
-          <mc:Fallback xmlns="">
-            <p:sp>
-              <p:nvSpPr>
-                <p:cNvPr id="145" name="ZoneTexte 144"/>
-                <p:cNvSpPr txBox="1">
-                  <a:spLocks noRot="1" noChangeAspect="1" noMove="1" noResize="1" noEditPoints="1" noAdjustHandles="1" noChangeArrowheads="1" noChangeShapeType="1" noTextEdit="1"/>
-                </p:cNvSpPr>
-                <p:nvPr/>
-              </p:nvSpPr>
-              <p:spPr>
-                <a:xfrm>
-                  <a:off x="6531285" y="3829601"/>
-                  <a:ext cx="346570" cy="276999"/>
-                </a:xfrm>
-                <a:prstGeom prst="rect">
-                  <a:avLst/>
-                </a:prstGeom>
-                <a:blipFill rotWithShape="1">
-                  <a:blip r:embed="rId24"/>
-                  <a:stretch>
-                    <a:fillRect/>
-                  </a:stretch>
-                </a:blipFill>
-              </p:spPr>
-              <p:txBody>
-                <a:bodyPr/>
-                <a:lstStyle/>
-                <a:p>
-                  <a:r>
-                    <a:rPr lang="fr-FR">
-                      <a:noFill/>
-                    </a:rPr>
-                    <a:t> </a:t>
-                  </a:r>
-                </a:p>
-              </p:txBody>
-            </p:sp>
-          </mc:Fallback>
-        </mc:AlternateContent>
-        <mc:AlternateContent xmlns:mc="http://schemas.openxmlformats.org/markup-compatibility/2006" xmlns:a14="http://schemas.microsoft.com/office/drawing/2010/main">
-          <mc:Choice Requires="a14">
-            <p:sp>
-              <p:nvSpPr>
-                <p:cNvPr id="146" name="ZoneTexte 145"/>
-                <p:cNvSpPr txBox="1"/>
-                <p:nvPr/>
-              </p:nvSpPr>
-              <p:spPr>
-                <a:xfrm>
-                  <a:off x="5759440" y="4256870"/>
-                  <a:ext cx="402098" cy="276999"/>
-                </a:xfrm>
-                <a:prstGeom prst="rect">
-                  <a:avLst/>
-                </a:prstGeom>
-                <a:noFill/>
-              </p:spPr>
-              <p:txBody>
-                <a:bodyPr wrap="none" rtlCol="0">
-                  <a:spAutoFit/>
-                </a:bodyPr>
-                <a:lstStyle/>
-                <a:p>
-                  <a:pPr/>
-                  <a14:m>
-                    <m:oMathPara xmlns:m="http://schemas.openxmlformats.org/officeDocument/2006/math">
-                      <m:oMathParaPr>
-                        <m:jc m:val="centerGroup"/>
-                      </m:oMathParaPr>
-                      <m:oMath xmlns:m="http://schemas.openxmlformats.org/officeDocument/2006/math">
-                        <m:acc>
-                          <m:accPr>
-                            <m:chr m:val="⃗"/>
-                            <m:ctrlPr>
-                              <a:rPr lang="fr-FR" sz="1200" b="0" i="1" smtClean="0">
-                                <a:latin typeface="Cambria Math"/>
-                              </a:rPr>
-                            </m:ctrlPr>
-                          </m:accPr>
-                          <m:e>
-                            <m:sSub>
-                              <m:sSubPr>
-                                <m:ctrlPr>
-                                  <a:rPr lang="fr-FR" sz="1200" i="1">
-                                    <a:latin typeface="Cambria Math"/>
-                                  </a:rPr>
-                                </m:ctrlPr>
-                              </m:sSubPr>
-                              <m:e>
-                                <m:r>
-                                  <a:rPr lang="fr-FR" sz="1200" b="0" i="1" smtClean="0">
-                                    <a:latin typeface="Cambria Math"/>
-                                  </a:rPr>
-                                  <m:t>𝑧</m:t>
-                                </m:r>
-                              </m:e>
-                              <m:sub>
-                                <m:r>
-                                  <a:rPr lang="fr-FR" sz="1200" b="0" i="1" smtClean="0">
-                                    <a:latin typeface="Cambria Math"/>
-                                  </a:rPr>
-                                  <m:t>0</m:t>
-                                </m:r>
-                              </m:sub>
-                            </m:sSub>
-                          </m:e>
-                        </m:acc>
-                        <m:r>
-                          <a:rPr lang="fr-FR" sz="1200" b="0" i="1" smtClean="0">
-                            <a:latin typeface="Cambria Math"/>
-                          </a:rPr>
-                          <m:t>′</m:t>
-                        </m:r>
-                      </m:oMath>
-                    </m:oMathPara>
-                  </a14:m>
-                  <a:endParaRPr lang="fr-FR" sz="1200" dirty="0"/>
-                </a:p>
-              </p:txBody>
-            </p:sp>
-          </mc:Choice>
-          <mc:Fallback xmlns="">
-            <p:sp>
-              <p:nvSpPr>
-                <p:cNvPr id="146" name="ZoneTexte 145"/>
-                <p:cNvSpPr txBox="1">
-                  <a:spLocks noRot="1" noChangeAspect="1" noMove="1" noResize="1" noEditPoints="1" noAdjustHandles="1" noChangeArrowheads="1" noChangeShapeType="1" noTextEdit="1"/>
-                </p:cNvSpPr>
-                <p:nvPr/>
-              </p:nvSpPr>
-              <p:spPr>
-                <a:xfrm>
-                  <a:off x="5759440" y="4256870"/>
-                  <a:ext cx="402098" cy="276999"/>
-                </a:xfrm>
-                <a:prstGeom prst="rect">
-                  <a:avLst/>
-                </a:prstGeom>
-                <a:blipFill rotWithShape="1">
-                  <a:blip r:embed="rId25"/>
-                  <a:stretch>
-                    <a:fillRect/>
-                  </a:stretch>
-                </a:blipFill>
-              </p:spPr>
-              <p:txBody>
-                <a:bodyPr/>
-                <a:lstStyle/>
-                <a:p>
-                  <a:r>
-                    <a:rPr lang="fr-FR">
-                      <a:noFill/>
-                    </a:rPr>
-                    <a:t> </a:t>
-                  </a:r>
-                </a:p>
-              </p:txBody>
-            </p:sp>
-          </mc:Fallback>
-        </mc:AlternateContent>
-        <p:sp>
-          <p:nvSpPr>
-            <p:cNvPr id="147" name="Ellipse 146"/>
-            <p:cNvSpPr/>
-            <p:nvPr/>
-          </p:nvSpPr>
-          <p:spPr>
-            <a:xfrm>
-              <a:off x="5853398" y="4069873"/>
-              <a:ext cx="158762" cy="158762"/>
-            </a:xfrm>
-            <a:prstGeom prst="ellipse">
-              <a:avLst/>
-            </a:prstGeom>
-            <a:solidFill>
-              <a:schemeClr val="bg1"/>
-            </a:solidFill>
-            <a:ln w="19050">
-              <a:solidFill>
-                <a:schemeClr val="tx1"/>
-              </a:solidFill>
-            </a:ln>
-          </p:spPr>
-          <p:style>
-            <a:lnRef idx="2">
-              <a:schemeClr val="accent1">
-                <a:shade val="50000"/>
-              </a:schemeClr>
-            </a:lnRef>
-            <a:fillRef idx="1">
-              <a:schemeClr val="accent1"/>
-            </a:fillRef>
-            <a:effectRef idx="0">
-              <a:schemeClr val="accent1"/>
-            </a:effectRef>
-            <a:fontRef idx="minor">
-              <a:schemeClr val="lt1"/>
-            </a:fontRef>
-          </p:style>
-          <p:txBody>
-            <a:bodyPr rtlCol="0" anchor="ctr"/>
-            <a:lstStyle/>
-            <a:p>
-              <a:pPr algn="ctr"/>
-              <a:endParaRPr lang="fr-FR"/>
-            </a:p>
-          </p:txBody>
-        </p:sp>
-        <p:sp>
-          <p:nvSpPr>
-            <p:cNvPr id="148" name="Ellipse 147"/>
-            <p:cNvSpPr/>
-            <p:nvPr/>
-          </p:nvSpPr>
-          <p:spPr>
-            <a:xfrm flipV="1">
-              <a:off x="5905779" y="4122254"/>
-              <a:ext cx="54000" cy="54000"/>
-            </a:xfrm>
-            <a:prstGeom prst="ellipse">
-              <a:avLst/>
-            </a:prstGeom>
-            <a:solidFill>
-              <a:schemeClr val="tx1"/>
-            </a:solidFill>
-            <a:ln w="19050">
-              <a:solidFill>
-                <a:schemeClr val="tx1"/>
-              </a:solidFill>
-            </a:ln>
-          </p:spPr>
-          <p:style>
-            <a:lnRef idx="2">
-              <a:schemeClr val="accent1">
-                <a:shade val="50000"/>
-              </a:schemeClr>
-            </a:lnRef>
-            <a:fillRef idx="1">
-              <a:schemeClr val="accent1"/>
-            </a:fillRef>
-            <a:effectRef idx="0">
-              <a:schemeClr val="accent1"/>
-            </a:effectRef>
-            <a:fontRef idx="minor">
-              <a:schemeClr val="lt1"/>
-            </a:fontRef>
-          </p:style>
-          <p:txBody>
-            <a:bodyPr rtlCol="0" anchor="ctr"/>
-            <a:lstStyle/>
-            <a:p>
-              <a:pPr algn="ctr"/>
-              <a:endParaRPr lang="fr-FR"/>
-            </a:p>
-          </p:txBody>
-        </p:sp>
-      </p:grpSp>
-      <mc:AlternateContent xmlns:mc="http://schemas.openxmlformats.org/markup-compatibility/2006" xmlns:a14="http://schemas.microsoft.com/office/drawing/2010/main">
-        <mc:Choice Requires="a14">
-          <p:sp>
-            <p:nvSpPr>
-              <p:cNvPr id="153" name="ZoneTexte 152"/>
-              <p:cNvSpPr txBox="1"/>
-              <p:nvPr/>
-            </p:nvSpPr>
-            <p:spPr>
-              <a:xfrm>
-                <a:off x="6385074" y="4040548"/>
-                <a:ext cx="1889428" cy="300595"/>
-              </a:xfrm>
-              <a:prstGeom prst="rect">
-                <a:avLst/>
-              </a:prstGeom>
-              <a:noFill/>
-            </p:spPr>
-            <p:txBody>
-              <a:bodyPr wrap="none" rtlCol="0">
-                <a:spAutoFit/>
-              </a:bodyPr>
-              <a:lstStyle/>
-              <a:p>
-                <a:pPr/>
-                <a14:m>
-                  <m:oMathPara xmlns:m="http://schemas.openxmlformats.org/officeDocument/2006/math">
-                    <m:oMathParaPr>
-                      <m:jc m:val="centerGroup"/>
-                    </m:oMathParaPr>
-                    <m:oMath xmlns:m="http://schemas.openxmlformats.org/officeDocument/2006/math">
-                      <m:acc>
-                        <m:accPr>
-                          <m:chr m:val="⃗"/>
-                          <m:ctrlPr>
-                            <a:rPr lang="fr-FR" sz="1200" b="0" i="1" smtClean="0">
-                              <a:latin typeface="Cambria Math"/>
-                            </a:rPr>
-                          </m:ctrlPr>
-                        </m:accPr>
-                        <m:e>
-                          <m:r>
-                            <a:rPr lang="fr-FR" sz="1200" b="0" i="1" smtClean="0">
-                              <a:latin typeface="Cambria Math"/>
-                            </a:rPr>
-                            <m:t>𝐴𝐷</m:t>
-                          </m:r>
-                        </m:e>
-                      </m:acc>
-                      <m:r>
-                        <a:rPr lang="fr-FR" sz="1200" b="0" i="1" smtClean="0">
-                          <a:latin typeface="Cambria Math"/>
-                        </a:rPr>
-                        <m:t>=</m:t>
-                      </m:r>
-                      <m:r>
-                        <a:rPr lang="fr-FR" sz="1200" b="0" i="1" smtClean="0">
-                          <a:latin typeface="Cambria Math"/>
-                        </a:rPr>
-                        <m:t>𝑎</m:t>
-                      </m:r>
-                      <m:r>
-                        <a:rPr lang="fr-FR" sz="1200" b="0" i="1" smtClean="0">
-                          <a:latin typeface="Cambria Math"/>
-                        </a:rPr>
-                        <m:t>⋅</m:t>
-                      </m:r>
-                      <m:sSup>
-                        <m:sSupPr>
-                          <m:ctrlPr>
-                            <a:rPr lang="fr-FR" sz="1200" b="0" i="1" smtClean="0">
-                              <a:latin typeface="Cambria Math"/>
-                            </a:rPr>
-                          </m:ctrlPr>
-                        </m:sSupPr>
-                        <m:e>
-                          <m:acc>
-                            <m:accPr>
-                              <m:chr m:val="⃗"/>
-                              <m:ctrlPr>
-                                <a:rPr lang="fr-FR" sz="1200" i="1">
-                                  <a:latin typeface="Cambria Math"/>
-                                </a:rPr>
-                              </m:ctrlPr>
-                            </m:accPr>
-                            <m:e>
-                              <m:sSub>
-                                <m:sSubPr>
-                                  <m:ctrlPr>
-                                    <a:rPr lang="fr-FR" sz="1200" b="0" i="1" smtClean="0">
-                                      <a:latin typeface="Cambria Math"/>
-                                    </a:rPr>
-                                  </m:ctrlPr>
-                                </m:sSubPr>
-                                <m:e>
-                                  <m:r>
-                                    <a:rPr lang="fr-FR" sz="1200" b="0" i="1" smtClean="0">
-                                      <a:latin typeface="Cambria Math"/>
-                                    </a:rPr>
-                                    <m:t>𝑥</m:t>
-                                  </m:r>
-                                </m:e>
-                                <m:sub>
-                                  <m:r>
-                                    <a:rPr lang="fr-FR" sz="1200" b="0" i="1" smtClean="0">
-                                      <a:latin typeface="Cambria Math"/>
-                                    </a:rPr>
-                                    <m:t>0</m:t>
-                                  </m:r>
-                                </m:sub>
-                              </m:sSub>
-                            </m:e>
-                          </m:acc>
-                        </m:e>
-                        <m:sup>
-                          <m:r>
-                            <a:rPr lang="fr-FR" sz="1200" b="0" i="1" smtClean="0">
-                              <a:latin typeface="Cambria Math"/>
-                            </a:rPr>
-                            <m:t>′</m:t>
-                          </m:r>
-                        </m:sup>
-                      </m:sSup>
-                      <m:r>
-                        <a:rPr lang="fr-FR" sz="1200" b="0" i="1" smtClean="0">
-                          <a:latin typeface="Cambria Math"/>
-                        </a:rPr>
-                        <m:t>=</m:t>
-                      </m:r>
-                      <m:r>
-                        <a:rPr lang="fr-FR" sz="1200" b="0" i="1" smtClean="0">
-                          <a:latin typeface="Cambria Math"/>
-                        </a:rPr>
-                        <m:t>𝑐</m:t>
-                      </m:r>
-                      <m:acc>
-                        <m:accPr>
-                          <m:chr m:val="⃗"/>
-                          <m:ctrlPr>
-                            <a:rPr lang="fr-FR" sz="1200" i="1">
-                              <a:latin typeface="Cambria Math"/>
-                            </a:rPr>
-                          </m:ctrlPr>
-                        </m:accPr>
-                        <m:e>
-                          <m:sSub>
-                            <m:sSubPr>
-                              <m:ctrlPr>
-                                <a:rPr lang="fr-FR" sz="1200" i="1">
-                                  <a:latin typeface="Cambria Math"/>
-                                </a:rPr>
-                              </m:ctrlPr>
-                            </m:sSubPr>
-                            <m:e>
-                              <m:r>
-                                <a:rPr lang="fr-FR" sz="1200" i="1">
-                                  <a:latin typeface="Cambria Math"/>
-                                </a:rPr>
-                                <m:t>𝑥</m:t>
-                              </m:r>
-                            </m:e>
-                            <m:sub>
-                              <m:r>
-                                <a:rPr lang="fr-FR" sz="1200" i="1">
-                                  <a:latin typeface="Cambria Math"/>
-                                </a:rPr>
-                                <m:t>0</m:t>
-                              </m:r>
-                            </m:sub>
-                          </m:sSub>
-                        </m:e>
-                      </m:acc>
-                      <m:r>
-                        <a:rPr lang="fr-FR" sz="1200" b="0" i="1" smtClean="0">
-                          <a:latin typeface="Cambria Math"/>
-                        </a:rPr>
-                        <m:t>+</m:t>
-                      </m:r>
-                      <m:r>
-                        <a:rPr lang="fr-FR" sz="1200" b="0" i="1" smtClean="0">
-                          <a:latin typeface="Cambria Math"/>
-                        </a:rPr>
-                        <m:t>𝑑</m:t>
-                      </m:r>
-                      <m:acc>
-                        <m:accPr>
-                          <m:chr m:val="⃗"/>
-                          <m:ctrlPr>
-                            <a:rPr lang="fr-FR" sz="1200" i="1" smtClean="0">
-                              <a:latin typeface="Cambria Math"/>
-                            </a:rPr>
-                          </m:ctrlPr>
-                        </m:accPr>
-                        <m:e>
-                          <m:sSub>
-                            <m:sSubPr>
-                              <m:ctrlPr>
-                                <a:rPr lang="fr-FR" sz="1200" i="1">
-                                  <a:latin typeface="Cambria Math"/>
-                                </a:rPr>
-                              </m:ctrlPr>
-                            </m:sSubPr>
-                            <m:e>
-                              <m:r>
-                                <a:rPr lang="fr-FR" sz="1200" b="0" i="1" smtClean="0">
-                                  <a:latin typeface="Cambria Math"/>
-                                </a:rPr>
-                                <m:t>𝑦</m:t>
-                              </m:r>
-                            </m:e>
-                            <m:sub>
-                              <m:r>
-                                <a:rPr lang="fr-FR" sz="1200" i="1">
-                                  <a:latin typeface="Cambria Math"/>
-                                </a:rPr>
-                                <m:t>0</m:t>
-                              </m:r>
-                            </m:sub>
-                          </m:sSub>
-                        </m:e>
-                      </m:acc>
-                    </m:oMath>
-                  </m:oMathPara>
-                </a14:m>
-                <a:endParaRPr lang="fr-FR" sz="1200" dirty="0"/>
-              </a:p>
-            </p:txBody>
-          </p:sp>
-        </mc:Choice>
-        <mc:Fallback xmlns="">
-          <p:sp>
-            <p:nvSpPr>
-              <p:cNvPr id="153" name="ZoneTexte 152"/>
-              <p:cNvSpPr txBox="1">
-                <a:spLocks noRot="1" noChangeAspect="1" noMove="1" noResize="1" noEditPoints="1" noAdjustHandles="1" noChangeArrowheads="1" noChangeShapeType="1" noTextEdit="1"/>
-              </p:cNvSpPr>
-              <p:nvPr/>
-            </p:nvSpPr>
-            <p:spPr>
-              <a:xfrm>
-                <a:off x="6385074" y="4040548"/>
-                <a:ext cx="1889428" cy="300595"/>
-              </a:xfrm>
-              <a:prstGeom prst="rect">
-                <a:avLst/>
-              </a:prstGeom>
-              <a:blipFill rotWithShape="1">
-                <a:blip r:embed="rId26"/>
-                <a:stretch>
-                  <a:fillRect/>
-                </a:stretch>
-              </a:blipFill>
-            </p:spPr>
-            <p:txBody>
-              <a:bodyPr/>
-              <a:lstStyle/>
-              <a:p>
-                <a:r>
-                  <a:rPr lang="fr-FR">
-                    <a:noFill/>
-                  </a:rPr>
-                  <a:t> </a:t>
-                </a:r>
-              </a:p>
-            </p:txBody>
-          </p:sp>
-        </mc:Fallback>
-      </mc:AlternateContent>
-      <mc:AlternateContent xmlns:mc="http://schemas.openxmlformats.org/markup-compatibility/2006" xmlns:a14="http://schemas.microsoft.com/office/drawing/2010/main">
-        <mc:Choice Requires="a14">
-          <p:sp>
-            <p:nvSpPr>
-              <p:cNvPr id="154" name="ZoneTexte 153"/>
-              <p:cNvSpPr txBox="1"/>
-              <p:nvPr/>
-            </p:nvSpPr>
-            <p:spPr>
-              <a:xfrm>
-                <a:off x="6385074" y="4346842"/>
-                <a:ext cx="975587" cy="300595"/>
-              </a:xfrm>
-              <a:prstGeom prst="rect">
-                <a:avLst/>
-              </a:prstGeom>
-              <a:noFill/>
-            </p:spPr>
-            <p:txBody>
-              <a:bodyPr wrap="none" rtlCol="0">
-                <a:spAutoFit/>
-              </a:bodyPr>
-              <a:lstStyle/>
-              <a:p>
-                <a:pPr/>
-                <a14:m>
-                  <m:oMathPara xmlns:m="http://schemas.openxmlformats.org/officeDocument/2006/math">
-                    <m:oMathParaPr>
-                      <m:jc m:val="centerGroup"/>
-                    </m:oMathParaPr>
-                    <m:oMath xmlns:m="http://schemas.openxmlformats.org/officeDocument/2006/math">
-                      <m:acc>
-                        <m:accPr>
-                          <m:chr m:val="⃗"/>
-                          <m:ctrlPr>
-                            <a:rPr lang="fr-FR" sz="1200" b="0" i="1" smtClean="0">
-                              <a:latin typeface="Cambria Math"/>
-                            </a:rPr>
-                          </m:ctrlPr>
-                        </m:accPr>
-                        <m:e>
-                          <m:r>
-                            <a:rPr lang="fr-FR" sz="1200" b="0" i="1" smtClean="0">
-                              <a:latin typeface="Cambria Math"/>
-                            </a:rPr>
-                            <m:t>𝐷𝐶</m:t>
-                          </m:r>
-                        </m:e>
-                      </m:acc>
-                      <m:r>
-                        <a:rPr lang="fr-FR" sz="1200" b="0" i="1" smtClean="0">
-                          <a:latin typeface="Cambria Math"/>
-                        </a:rPr>
-                        <m:t>=</m:t>
-                      </m:r>
-                      <m:r>
-                        <a:rPr lang="fr-FR" sz="1200" b="0" i="1" smtClean="0">
-                          <a:latin typeface="Cambria Math"/>
-                        </a:rPr>
-                        <m:t>𝑏</m:t>
-                      </m:r>
-                      <m:r>
-                        <a:rPr lang="fr-FR" sz="1200" b="0" i="1" smtClean="0">
-                          <a:latin typeface="Cambria Math"/>
-                        </a:rPr>
-                        <m:t>⋅</m:t>
-                      </m:r>
-                      <m:acc>
-                        <m:accPr>
-                          <m:chr m:val="⃗"/>
-                          <m:ctrlPr>
-                            <a:rPr lang="fr-FR" sz="1200" i="1">
-                              <a:latin typeface="Cambria Math"/>
-                            </a:rPr>
-                          </m:ctrlPr>
-                        </m:accPr>
-                        <m:e>
-                          <m:sSub>
-                            <m:sSubPr>
-                              <m:ctrlPr>
-                                <a:rPr lang="fr-FR" sz="1200" b="0" i="1" smtClean="0">
-                                  <a:latin typeface="Cambria Math"/>
-                                </a:rPr>
-                              </m:ctrlPr>
-                            </m:sSubPr>
-                            <m:e>
-                              <m:r>
-                                <a:rPr lang="fr-FR" sz="1200" b="0" i="1" smtClean="0">
-                                  <a:latin typeface="Cambria Math"/>
-                                </a:rPr>
-                                <m:t>𝑥</m:t>
-                              </m:r>
-                            </m:e>
-                            <m:sub>
-                              <m:r>
-                                <a:rPr lang="fr-FR" sz="1200" b="0" i="1" smtClean="0">
-                                  <a:latin typeface="Cambria Math"/>
-                                </a:rPr>
-                                <m:t>4</m:t>
-                              </m:r>
-                            </m:sub>
-                          </m:sSub>
-                        </m:e>
-                      </m:acc>
-                    </m:oMath>
-                  </m:oMathPara>
-                </a14:m>
-                <a:endParaRPr lang="fr-FR" sz="1200" dirty="0"/>
-              </a:p>
-            </p:txBody>
-          </p:sp>
-        </mc:Choice>
-        <mc:Fallback xmlns="">
-          <p:sp>
-            <p:nvSpPr>
-              <p:cNvPr id="154" name="ZoneTexte 153"/>
-              <p:cNvSpPr txBox="1">
-                <a:spLocks noRot="1" noChangeAspect="1" noMove="1" noResize="1" noEditPoints="1" noAdjustHandles="1" noChangeArrowheads="1" noChangeShapeType="1" noTextEdit="1"/>
-              </p:cNvSpPr>
-              <p:nvPr/>
-            </p:nvSpPr>
-            <p:spPr>
-              <a:xfrm>
-                <a:off x="6385074" y="4346842"/>
-                <a:ext cx="975587" cy="300595"/>
-              </a:xfrm>
-              <a:prstGeom prst="rect">
-                <a:avLst/>
-              </a:prstGeom>
-              <a:blipFill rotWithShape="1">
-                <a:blip r:embed="rId27"/>
-                <a:stretch>
-                  <a:fillRect/>
-                </a:stretch>
-              </a:blipFill>
-            </p:spPr>
-            <p:txBody>
-              <a:bodyPr/>
-              <a:lstStyle/>
-              <a:p>
-                <a:r>
-                  <a:rPr lang="fr-FR">
-                    <a:noFill/>
-                  </a:rPr>
-                  <a:t> </a:t>
-                </a:r>
-              </a:p>
-            </p:txBody>
-          </p:sp>
-        </mc:Fallback>
-      </mc:AlternateContent>
-      <mc:AlternateContent xmlns:mc="http://schemas.openxmlformats.org/markup-compatibility/2006" xmlns:a14="http://schemas.microsoft.com/office/drawing/2010/main">
-        <mc:Choice Requires="a14">
-          <p:sp>
-            <p:nvSpPr>
-              <p:cNvPr id="155" name="ZoneTexte 154"/>
-              <p:cNvSpPr txBox="1"/>
-              <p:nvPr/>
-            </p:nvSpPr>
-            <p:spPr>
-              <a:xfrm>
-                <a:off x="6385074" y="4653136"/>
-                <a:ext cx="960006" cy="300595"/>
-              </a:xfrm>
-              <a:prstGeom prst="rect">
-                <a:avLst/>
-              </a:prstGeom>
-              <a:noFill/>
-            </p:spPr>
-            <p:txBody>
-              <a:bodyPr wrap="none" rtlCol="0">
-                <a:spAutoFit/>
-              </a:bodyPr>
-              <a:lstStyle/>
-              <a:p>
-                <a:pPr/>
-                <a14:m>
-                  <m:oMathPara xmlns:m="http://schemas.openxmlformats.org/officeDocument/2006/math">
-                    <m:oMathParaPr>
-                      <m:jc m:val="centerGroup"/>
-                    </m:oMathParaPr>
-                    <m:oMath xmlns:m="http://schemas.openxmlformats.org/officeDocument/2006/math">
-                      <m:acc>
-                        <m:accPr>
-                          <m:chr m:val="⃗"/>
-                          <m:ctrlPr>
-                            <a:rPr lang="fr-FR" sz="1200" b="0" i="1" smtClean="0">
-                              <a:latin typeface="Cambria Math"/>
-                            </a:rPr>
-                          </m:ctrlPr>
-                        </m:accPr>
-                        <m:e>
-                          <m:r>
-                            <a:rPr lang="fr-FR" sz="1200" b="0" i="1" smtClean="0">
-                              <a:latin typeface="Cambria Math"/>
-                            </a:rPr>
-                            <m:t>𝐴𝐶</m:t>
-                          </m:r>
-                        </m:e>
-                      </m:acc>
-                      <m:r>
-                        <a:rPr lang="fr-FR" sz="1200" b="0" i="1" smtClean="0">
-                          <a:latin typeface="Cambria Math"/>
-                        </a:rPr>
-                        <m:t>=</m:t>
-                      </m:r>
-                      <m:r>
-                        <a:rPr lang="fr-FR" sz="1200" b="0" i="1" smtClean="0">
-                          <a:latin typeface="Cambria Math"/>
-                        </a:rPr>
-                        <m:t>𝜆</m:t>
-                      </m:r>
-                      <m:r>
-                        <a:rPr lang="fr-FR" sz="1200" b="0" i="1" smtClean="0">
-                          <a:latin typeface="Cambria Math"/>
-                        </a:rPr>
-                        <m:t>⋅</m:t>
-                      </m:r>
-                      <m:acc>
-                        <m:accPr>
-                          <m:chr m:val="⃗"/>
-                          <m:ctrlPr>
-                            <a:rPr lang="fr-FR" sz="1200" i="1">
-                              <a:latin typeface="Cambria Math"/>
-                            </a:rPr>
-                          </m:ctrlPr>
-                        </m:accPr>
-                        <m:e>
-                          <m:sSub>
-                            <m:sSubPr>
-                              <m:ctrlPr>
-                                <a:rPr lang="fr-FR" sz="1200" b="0" i="1" smtClean="0">
-                                  <a:latin typeface="Cambria Math"/>
-                                </a:rPr>
-                              </m:ctrlPr>
-                            </m:sSubPr>
-                            <m:e>
-                              <m:r>
-                                <a:rPr lang="fr-FR" sz="1200" b="0" i="1" smtClean="0">
-                                  <a:latin typeface="Cambria Math"/>
-                                </a:rPr>
-                                <m:t>𝑥</m:t>
-                              </m:r>
-                            </m:e>
-                            <m:sub>
-                              <m:r>
-                                <a:rPr lang="fr-FR" sz="1200" b="0" i="1" smtClean="0">
-                                  <a:latin typeface="Cambria Math"/>
-                                </a:rPr>
-                                <m:t>1</m:t>
-                              </m:r>
-                            </m:sub>
-                          </m:sSub>
-                        </m:e>
-                      </m:acc>
-                    </m:oMath>
-                  </m:oMathPara>
-                </a14:m>
-                <a:endParaRPr lang="fr-FR" sz="1200" dirty="0"/>
-              </a:p>
-            </p:txBody>
-          </p:sp>
-        </mc:Choice>
-        <mc:Fallback xmlns="">
-          <p:sp>
-            <p:nvSpPr>
-              <p:cNvPr id="155" name="ZoneTexte 154"/>
-              <p:cNvSpPr txBox="1">
-                <a:spLocks noRot="1" noChangeAspect="1" noMove="1" noResize="1" noEditPoints="1" noAdjustHandles="1" noChangeArrowheads="1" noChangeShapeType="1" noTextEdit="1"/>
-              </p:cNvSpPr>
-              <p:nvPr/>
-            </p:nvSpPr>
-            <p:spPr>
-              <a:xfrm>
-                <a:off x="6385074" y="4653136"/>
-                <a:ext cx="960006" cy="300595"/>
-              </a:xfrm>
-              <a:prstGeom prst="rect">
-                <a:avLst/>
-              </a:prstGeom>
-              <a:blipFill rotWithShape="1">
-                <a:blip r:embed="rId28"/>
-                <a:stretch>
-                  <a:fillRect/>
-                </a:stretch>
-              </a:blipFill>
-            </p:spPr>
-            <p:txBody>
-              <a:bodyPr/>
-              <a:lstStyle/>
-              <a:p>
-                <a:r>
-                  <a:rPr lang="fr-FR">
-                    <a:noFill/>
-                  </a:rPr>
-                  <a:t> </a:t>
-                </a:r>
-              </a:p>
-            </p:txBody>
-          </p:sp>
-        </mc:Fallback>
-      </mc:AlternateContent>
-      <p:cxnSp>
-        <p:nvCxnSpPr>
-          <p:cNvPr id="156" name="Connecteur droit 155"/>
-          <p:cNvCxnSpPr/>
-          <p:nvPr/>
-        </p:nvCxnSpPr>
-        <p:spPr>
-          <a:xfrm flipV="1">
-            <a:off x="2051797" y="4869160"/>
-            <a:ext cx="0" cy="138499"/>
-          </a:xfrm>
-          <a:prstGeom prst="line">
-            <a:avLst/>
-          </a:prstGeom>
-          <a:ln w="28575">
-            <a:solidFill>
-              <a:schemeClr val="tx1"/>
-            </a:solidFill>
-          </a:ln>
-        </p:spPr>
-        <p:style>
-          <a:lnRef idx="1">
-            <a:schemeClr val="accent1"/>
-          </a:lnRef>
-          <a:fillRef idx="0">
-            <a:schemeClr val="accent1"/>
-          </a:fillRef>
-          <a:effectRef idx="0">
-            <a:schemeClr val="accent1"/>
-          </a:effectRef>
-          <a:fontRef idx="minor">
-            <a:schemeClr val="tx1"/>
-          </a:fontRef>
-        </p:style>
-      </p:cxnSp>
-      <p:cxnSp>
-        <p:nvCxnSpPr>
-          <p:cNvPr id="158" name="Connecteur droit 157"/>
-          <p:cNvCxnSpPr/>
-          <p:nvPr/>
-        </p:nvCxnSpPr>
-        <p:spPr>
-          <a:xfrm rot="5400000" flipV="1">
-            <a:off x="2051797" y="4863659"/>
-            <a:ext cx="0" cy="288000"/>
-          </a:xfrm>
-          <a:prstGeom prst="line">
-            <a:avLst/>
-          </a:prstGeom>
-          <a:ln w="28575">
-            <a:solidFill>
-              <a:schemeClr val="tx1"/>
-            </a:solidFill>
-          </a:ln>
-        </p:spPr>
-        <p:style>
-          <a:lnRef idx="1">
-            <a:schemeClr val="accent1"/>
-          </a:lnRef>
-          <a:fillRef idx="0">
-            <a:schemeClr val="accent1"/>
-          </a:fillRef>
-          <a:effectRef idx="0">
-            <a:schemeClr val="accent1"/>
-          </a:effectRef>
-          <a:fontRef idx="minor">
-            <a:schemeClr val="tx1"/>
-          </a:fontRef>
-        </p:style>
-      </p:cxnSp>
-    </p:spTree>
-    <p:extLst>
-      <p:ext uri="{BB962C8B-B14F-4D97-AF65-F5344CB8AC3E}">
-        <p14:creationId xmlns:p14="http://schemas.microsoft.com/office/powerpoint/2010/main" val="648191093"/>
-      </p:ext>
-    </p:extLst>
-  </p:cSld>
-  <p:clrMapOvr>
-    <a:masterClrMapping/>
-  </p:clrMapOvr>
-</p:sld>
-</file>
-
-<file path=ppt/slides/slide2.xml><?xml version="1.0" encoding="utf-8"?>
 <p:sld xmlns:a="http://schemas.openxmlformats.org/drawingml/2006/main" xmlns:r="http://schemas.openxmlformats.org/officeDocument/2006/relationships" xmlns:p="http://schemas.openxmlformats.org/presentationml/2006/main">
   <p:cSld>
     <p:spTree>
@@ -9375,7 +3608,7 @@
 </p:sld>
 </file>
 
-<file path=ppt/slides/slide3.xml><?xml version="1.0" encoding="utf-8"?>
+<file path=ppt/slides/slide2.xml><?xml version="1.0" encoding="utf-8"?>
 <p:sld xmlns:a="http://schemas.openxmlformats.org/drawingml/2006/main" xmlns:r="http://schemas.openxmlformats.org/officeDocument/2006/relationships" xmlns:p="http://schemas.openxmlformats.org/presentationml/2006/main">
   <p:cSld>
     <p:spTree>
@@ -11407,7 +5640,7 @@
 </p:sld>
 </file>
 
-<file path=ppt/slides/slide4.xml><?xml version="1.0" encoding="utf-8"?>
+<file path=ppt/slides/slide3.xml><?xml version="1.0" encoding="utf-8"?>
 <p:sld xmlns:a="http://schemas.openxmlformats.org/drawingml/2006/main" xmlns:r="http://schemas.openxmlformats.org/officeDocument/2006/relationships" xmlns:p="http://schemas.openxmlformats.org/presentationml/2006/main">
   <p:cSld>
     <p:spTree>
@@ -13659,8 +7892,8 @@
             <a:chExt cx="1705293" cy="1666470"/>
           </a:xfrm>
         </p:grpSpPr>
-        <mc:AlternateContent xmlns:mc="http://schemas.openxmlformats.org/markup-compatibility/2006">
-          <mc:Choice xmlns:a14="http://schemas.microsoft.com/office/drawing/2010/main" Requires="a14">
+        <mc:AlternateContent xmlns:mc="http://schemas.openxmlformats.org/markup-compatibility/2006" xmlns:a14="http://schemas.microsoft.com/office/drawing/2010/main">
+          <mc:Choice Requires="a14">
             <p:sp>
               <p:nvSpPr>
                 <p:cNvPr id="83" name="ZoneTexte 82"/>
@@ -13704,7 +7937,7 @@
               </p:txBody>
             </p:sp>
           </mc:Choice>
-          <mc:Fallback>
+          <mc:Fallback xmlns="">
             <p:sp>
               <p:nvSpPr>
                 <p:cNvPr id="83" name="ZoneTexte 82"/>
@@ -13965,8 +8198,8 @@
             </a:p>
           </p:txBody>
         </p:sp>
-        <mc:AlternateContent xmlns:mc="http://schemas.openxmlformats.org/markup-compatibility/2006">
-          <mc:Choice xmlns:a14="http://schemas.microsoft.com/office/drawing/2010/main" Requires="a14">
+        <mc:AlternateContent xmlns:mc="http://schemas.openxmlformats.org/markup-compatibility/2006" xmlns:a14="http://schemas.microsoft.com/office/drawing/2010/main">
+          <mc:Choice Requires="a14">
             <p:sp>
               <p:nvSpPr>
                 <p:cNvPr id="77" name="ZoneTexte 76"/>
@@ -14041,7 +8274,7 @@
               </p:txBody>
             </p:sp>
           </mc:Choice>
-          <mc:Fallback>
+          <mc:Fallback xmlns="">
             <p:sp>
               <p:nvSpPr>
                 <p:cNvPr id="77" name="ZoneTexte 76"/>
@@ -14080,8 +8313,8 @@
             </p:sp>
           </mc:Fallback>
         </mc:AlternateContent>
-        <mc:AlternateContent xmlns:mc="http://schemas.openxmlformats.org/markup-compatibility/2006">
-          <mc:Choice xmlns:a14="http://schemas.microsoft.com/office/drawing/2010/main" Requires="a14">
+        <mc:AlternateContent xmlns:mc="http://schemas.openxmlformats.org/markup-compatibility/2006" xmlns:a14="http://schemas.microsoft.com/office/drawing/2010/main">
+          <mc:Choice Requires="a14">
             <p:sp>
               <p:nvSpPr>
                 <p:cNvPr id="78" name="ZoneTexte 77"/>
@@ -14156,7 +8389,7 @@
               </p:txBody>
             </p:sp>
           </mc:Choice>
-          <mc:Fallback>
+          <mc:Fallback xmlns="">
             <p:sp>
               <p:nvSpPr>
                 <p:cNvPr id="78" name="ZoneTexte 77"/>
@@ -14195,8 +8428,8 @@
             </p:sp>
           </mc:Fallback>
         </mc:AlternateContent>
-        <mc:AlternateContent xmlns:mc="http://schemas.openxmlformats.org/markup-compatibility/2006">
-          <mc:Choice xmlns:a14="http://schemas.microsoft.com/office/drawing/2010/main" Requires="a14">
+        <mc:AlternateContent xmlns:mc="http://schemas.openxmlformats.org/markup-compatibility/2006" xmlns:a14="http://schemas.microsoft.com/office/drawing/2010/main">
+          <mc:Choice Requires="a14">
             <p:sp>
               <p:nvSpPr>
                 <p:cNvPr id="81" name="ZoneTexte 80"/>
@@ -14271,7 +8504,7 @@
               </p:txBody>
             </p:sp>
           </mc:Choice>
-          <mc:Fallback>
+          <mc:Fallback xmlns="">
             <p:sp>
               <p:nvSpPr>
                 <p:cNvPr id="81" name="ZoneTexte 80"/>
@@ -14310,8 +8543,8 @@
             </p:sp>
           </mc:Fallback>
         </mc:AlternateContent>
-        <mc:AlternateContent xmlns:mc="http://schemas.openxmlformats.org/markup-compatibility/2006">
-          <mc:Choice xmlns:a14="http://schemas.microsoft.com/office/drawing/2010/main" Requires="a14">
+        <mc:AlternateContent xmlns:mc="http://schemas.openxmlformats.org/markup-compatibility/2006" xmlns:a14="http://schemas.microsoft.com/office/drawing/2010/main">
+          <mc:Choice Requires="a14">
             <p:sp>
               <p:nvSpPr>
                 <p:cNvPr id="82" name="ZoneTexte 81"/>
@@ -14386,7 +8619,7 @@
               </p:txBody>
             </p:sp>
           </mc:Choice>
-          <mc:Fallback>
+          <mc:Fallback xmlns="">
             <p:sp>
               <p:nvSpPr>
                 <p:cNvPr id="82" name="ZoneTexte 81"/>
@@ -14425,8 +8658,8 @@
             </p:sp>
           </mc:Fallback>
         </mc:AlternateContent>
-        <mc:AlternateContent xmlns:mc="http://schemas.openxmlformats.org/markup-compatibility/2006">
-          <mc:Choice xmlns:a14="http://schemas.microsoft.com/office/drawing/2010/main" Requires="a14">
+        <mc:AlternateContent xmlns:mc="http://schemas.openxmlformats.org/markup-compatibility/2006" xmlns:a14="http://schemas.microsoft.com/office/drawing/2010/main">
+          <mc:Choice Requires="a14">
             <p:sp>
               <p:nvSpPr>
                 <p:cNvPr id="84" name="ZoneTexte 83"/>
@@ -14501,7 +8734,7 @@
               </p:txBody>
             </p:sp>
           </mc:Choice>
-          <mc:Fallback>
+          <mc:Fallback xmlns="">
             <p:sp>
               <p:nvSpPr>
                 <p:cNvPr id="84" name="ZoneTexte 83"/>
@@ -14673,8 +8906,8 @@
           </a:fontRef>
         </p:style>
       </p:cxnSp>
-      <mc:AlternateContent xmlns:mc="http://schemas.openxmlformats.org/markup-compatibility/2006">
-        <mc:Choice xmlns:a14="http://schemas.microsoft.com/office/drawing/2010/main" Requires="a14">
+      <mc:AlternateContent xmlns:mc="http://schemas.openxmlformats.org/markup-compatibility/2006" xmlns:a14="http://schemas.microsoft.com/office/drawing/2010/main">
+        <mc:Choice Requires="a14">
           <p:sp>
             <p:nvSpPr>
               <p:cNvPr id="97" name="ZoneTexte 96"/>
@@ -14749,7 +8982,7 @@
             </p:txBody>
           </p:sp>
         </mc:Choice>
-        <mc:Fallback>
+        <mc:Fallback xmlns="">
           <p:sp>
             <p:nvSpPr>
               <p:cNvPr id="97" name="ZoneTexte 96"/>
@@ -14788,8 +9021,8 @@
           </p:sp>
         </mc:Fallback>
       </mc:AlternateContent>
-      <mc:AlternateContent xmlns:mc="http://schemas.openxmlformats.org/markup-compatibility/2006">
-        <mc:Choice xmlns:a14="http://schemas.microsoft.com/office/drawing/2010/main" Requires="a14">
+      <mc:AlternateContent xmlns:mc="http://schemas.openxmlformats.org/markup-compatibility/2006" xmlns:a14="http://schemas.microsoft.com/office/drawing/2010/main">
+        <mc:Choice Requires="a14">
           <p:sp>
             <p:nvSpPr>
               <p:cNvPr id="98" name="ZoneTexte 97"/>
@@ -14864,7 +9097,7 @@
             </p:txBody>
           </p:sp>
         </mc:Choice>
-        <mc:Fallback>
+        <mc:Fallback xmlns="">
           <p:sp>
             <p:nvSpPr>
               <p:cNvPr id="98" name="ZoneTexte 97"/>
@@ -14975,8 +9208,8 @@
           </a:fontRef>
         </p:style>
       </p:cxnSp>
-      <mc:AlternateContent xmlns:mc="http://schemas.openxmlformats.org/markup-compatibility/2006">
-        <mc:Choice xmlns:a14="http://schemas.microsoft.com/office/drawing/2010/main" Requires="a14">
+      <mc:AlternateContent xmlns:mc="http://schemas.openxmlformats.org/markup-compatibility/2006" xmlns:a14="http://schemas.microsoft.com/office/drawing/2010/main">
+        <mc:Choice Requires="a14">
           <p:sp>
             <p:nvSpPr>
               <p:cNvPr id="103" name="ZoneTexte 102"/>
@@ -15051,7 +9284,7 @@
             </p:txBody>
           </p:sp>
         </mc:Choice>
-        <mc:Fallback>
+        <mc:Fallback xmlns="">
           <p:sp>
             <p:nvSpPr>
               <p:cNvPr id="103" name="ZoneTexte 102"/>
@@ -15139,8 +9372,8 @@
             <a:chExt cx="1694970" cy="1666470"/>
           </a:xfrm>
         </p:grpSpPr>
-        <mc:AlternateContent xmlns:mc="http://schemas.openxmlformats.org/markup-compatibility/2006">
-          <mc:Choice xmlns:a14="http://schemas.microsoft.com/office/drawing/2010/main" Requires="a14">
+        <mc:AlternateContent xmlns:mc="http://schemas.openxmlformats.org/markup-compatibility/2006" xmlns:a14="http://schemas.microsoft.com/office/drawing/2010/main">
+          <mc:Choice Requires="a14">
             <p:sp>
               <p:nvSpPr>
                 <p:cNvPr id="114" name="ZoneTexte 113"/>
@@ -15184,7 +9417,7 @@
               </p:txBody>
             </p:sp>
           </mc:Choice>
-          <mc:Fallback>
+          <mc:Fallback xmlns="">
             <p:sp>
               <p:nvSpPr>
                 <p:cNvPr id="114" name="ZoneTexte 113"/>
@@ -15445,8 +9678,8 @@
             </a:p>
           </p:txBody>
         </p:sp>
-        <mc:AlternateContent xmlns:mc="http://schemas.openxmlformats.org/markup-compatibility/2006">
-          <mc:Choice xmlns:a14="http://schemas.microsoft.com/office/drawing/2010/main" Requires="a14">
+        <mc:AlternateContent xmlns:mc="http://schemas.openxmlformats.org/markup-compatibility/2006" xmlns:a14="http://schemas.microsoft.com/office/drawing/2010/main">
+          <mc:Choice Requires="a14">
             <p:sp>
               <p:nvSpPr>
                 <p:cNvPr id="119" name="ZoneTexte 118"/>
@@ -15521,7 +9754,7 @@
               </p:txBody>
             </p:sp>
           </mc:Choice>
-          <mc:Fallback>
+          <mc:Fallback xmlns="">
             <p:sp>
               <p:nvSpPr>
                 <p:cNvPr id="119" name="ZoneTexte 118"/>
@@ -15560,8 +9793,8 @@
             </p:sp>
           </mc:Fallback>
         </mc:AlternateContent>
-        <mc:AlternateContent xmlns:mc="http://schemas.openxmlformats.org/markup-compatibility/2006">
-          <mc:Choice xmlns:a14="http://schemas.microsoft.com/office/drawing/2010/main" Requires="a14">
+        <mc:AlternateContent xmlns:mc="http://schemas.openxmlformats.org/markup-compatibility/2006" xmlns:a14="http://schemas.microsoft.com/office/drawing/2010/main">
+          <mc:Choice Requires="a14">
             <p:sp>
               <p:nvSpPr>
                 <p:cNvPr id="121" name="ZoneTexte 120"/>
@@ -15636,7 +9869,7 @@
               </p:txBody>
             </p:sp>
           </mc:Choice>
-          <mc:Fallback>
+          <mc:Fallback xmlns="">
             <p:sp>
               <p:nvSpPr>
                 <p:cNvPr id="121" name="ZoneTexte 120"/>
@@ -15675,8 +9908,8 @@
             </p:sp>
           </mc:Fallback>
         </mc:AlternateContent>
-        <mc:AlternateContent xmlns:mc="http://schemas.openxmlformats.org/markup-compatibility/2006">
-          <mc:Choice xmlns:a14="http://schemas.microsoft.com/office/drawing/2010/main" Requires="a14">
+        <mc:AlternateContent xmlns:mc="http://schemas.openxmlformats.org/markup-compatibility/2006" xmlns:a14="http://schemas.microsoft.com/office/drawing/2010/main">
+          <mc:Choice Requires="a14">
             <p:sp>
               <p:nvSpPr>
                 <p:cNvPr id="123" name="ZoneTexte 122"/>
@@ -15751,7 +9984,7 @@
               </p:txBody>
             </p:sp>
           </mc:Choice>
-          <mc:Fallback>
+          <mc:Fallback xmlns="">
             <p:sp>
               <p:nvSpPr>
                 <p:cNvPr id="123" name="ZoneTexte 122"/>
@@ -15790,8 +10023,8 @@
             </p:sp>
           </mc:Fallback>
         </mc:AlternateContent>
-        <mc:AlternateContent xmlns:mc="http://schemas.openxmlformats.org/markup-compatibility/2006">
-          <mc:Choice xmlns:a14="http://schemas.microsoft.com/office/drawing/2010/main" Requires="a14">
+        <mc:AlternateContent xmlns:mc="http://schemas.openxmlformats.org/markup-compatibility/2006" xmlns:a14="http://schemas.microsoft.com/office/drawing/2010/main">
+          <mc:Choice Requires="a14">
             <p:sp>
               <p:nvSpPr>
                 <p:cNvPr id="124" name="ZoneTexte 123"/>
@@ -15866,7 +10099,7 @@
               </p:txBody>
             </p:sp>
           </mc:Choice>
-          <mc:Fallback>
+          <mc:Fallback xmlns="">
             <p:sp>
               <p:nvSpPr>
                 <p:cNvPr id="124" name="ZoneTexte 123"/>
@@ -15905,8 +10138,8 @@
             </p:sp>
           </mc:Fallback>
         </mc:AlternateContent>
-        <mc:AlternateContent xmlns:mc="http://schemas.openxmlformats.org/markup-compatibility/2006">
-          <mc:Choice xmlns:a14="http://schemas.microsoft.com/office/drawing/2010/main" Requires="a14">
+        <mc:AlternateContent xmlns:mc="http://schemas.openxmlformats.org/markup-compatibility/2006" xmlns:a14="http://schemas.microsoft.com/office/drawing/2010/main">
+          <mc:Choice Requires="a14">
             <p:sp>
               <p:nvSpPr>
                 <p:cNvPr id="126" name="ZoneTexte 125"/>
@@ -15981,7 +10214,7 @@
               </p:txBody>
             </p:sp>
           </mc:Choice>
-          <mc:Fallback>
+          <mc:Fallback xmlns="">
             <p:sp>
               <p:nvSpPr>
                 <p:cNvPr id="126" name="ZoneTexte 125"/>
@@ -16117,8 +10350,8 @@
           </p:txBody>
         </p:sp>
       </p:grpSp>
-      <mc:AlternateContent xmlns:mc="http://schemas.openxmlformats.org/markup-compatibility/2006">
-        <mc:Choice xmlns:a14="http://schemas.microsoft.com/office/drawing/2010/main" Requires="a14">
+      <mc:AlternateContent xmlns:mc="http://schemas.openxmlformats.org/markup-compatibility/2006" xmlns:a14="http://schemas.microsoft.com/office/drawing/2010/main">
+        <mc:Choice Requires="a14">
           <p:sp>
             <p:nvSpPr>
               <p:cNvPr id="135" name="ZoneTexte 134"/>
@@ -16181,7 +10414,7 @@
             </p:txBody>
           </p:sp>
         </mc:Choice>
-        <mc:Fallback>
+        <mc:Fallback xmlns="">
           <p:sp>
             <p:nvSpPr>
               <p:cNvPr id="135" name="ZoneTexte 134"/>
@@ -16220,8 +10453,8 @@
           </p:sp>
         </mc:Fallback>
       </mc:AlternateContent>
-      <mc:AlternateContent xmlns:mc="http://schemas.openxmlformats.org/markup-compatibility/2006">
-        <mc:Choice xmlns:a14="http://schemas.microsoft.com/office/drawing/2010/main" Requires="a14">
+      <mc:AlternateContent xmlns:mc="http://schemas.openxmlformats.org/markup-compatibility/2006" xmlns:a14="http://schemas.microsoft.com/office/drawing/2010/main">
+        <mc:Choice Requires="a14">
           <p:sp>
             <p:nvSpPr>
               <p:cNvPr id="137" name="ZoneTexte 136"/>
@@ -16284,7 +10517,7 @@
             </p:txBody>
           </p:sp>
         </mc:Choice>
-        <mc:Fallback>
+        <mc:Fallback xmlns="">
           <p:sp>
             <p:nvSpPr>
               <p:cNvPr id="137" name="ZoneTexte 136"/>
@@ -16323,8 +10556,8 @@
           </p:sp>
         </mc:Fallback>
       </mc:AlternateContent>
-      <mc:AlternateContent xmlns:mc="http://schemas.openxmlformats.org/markup-compatibility/2006">
-        <mc:Choice xmlns:a14="http://schemas.microsoft.com/office/drawing/2010/main" Requires="a14">
+      <mc:AlternateContent xmlns:mc="http://schemas.openxmlformats.org/markup-compatibility/2006" xmlns:a14="http://schemas.microsoft.com/office/drawing/2010/main">
+        <mc:Choice Requires="a14">
           <p:sp>
             <p:nvSpPr>
               <p:cNvPr id="140" name="ZoneTexte 139"/>
@@ -16368,7 +10601,7 @@
             </p:txBody>
           </p:sp>
         </mc:Choice>
-        <mc:Fallback>
+        <mc:Fallback xmlns="">
           <p:sp>
             <p:nvSpPr>
               <p:cNvPr id="140" name="ZoneTexte 139"/>
@@ -16407,8 +10640,8 @@
           </p:sp>
         </mc:Fallback>
       </mc:AlternateContent>
-      <mc:AlternateContent xmlns:mc="http://schemas.openxmlformats.org/markup-compatibility/2006">
-        <mc:Choice xmlns:a14="http://schemas.microsoft.com/office/drawing/2010/main" Requires="a14">
+      <mc:AlternateContent xmlns:mc="http://schemas.openxmlformats.org/markup-compatibility/2006" xmlns:a14="http://schemas.microsoft.com/office/drawing/2010/main">
+        <mc:Choice Requires="a14">
           <p:sp>
             <p:nvSpPr>
               <p:cNvPr id="141" name="ZoneTexte 140"/>
@@ -16452,7 +10685,7 @@
             </p:txBody>
           </p:sp>
         </mc:Choice>
-        <mc:Fallback>
+        <mc:Fallback xmlns="">
           <p:sp>
             <p:nvSpPr>
               <p:cNvPr id="141" name="ZoneTexte 140"/>
